--- a/slide deck_final.pptx
+++ b/slide deck_final.pptx
@@ -4,6 +4,9 @@
   <p:sldMasterIdLst>
     <p:sldMasterId id="2147483648" r:id="rId1"/>
   </p:sldMasterIdLst>
+  <p:notesMasterIdLst>
+    <p:notesMasterId r:id="rId12"/>
+  </p:notesMasterIdLst>
   <p:sldIdLst>
     <p:sldId id="260" r:id="rId2"/>
     <p:sldId id="256" r:id="rId3"/>
@@ -119,6 +122,456 @@
     </p:ext>
   </p:extLst>
 </p:presentation>
+</file>
+
+<file path=ppt/notesMasters/notesMaster1.xml><?xml version="1.0" encoding="utf-8"?>
+<p:notesMaster xmlns:a="http://schemas.openxmlformats.org/drawingml/2006/main" xmlns:r="http://schemas.openxmlformats.org/officeDocument/2006/relationships" xmlns:p="http://schemas.openxmlformats.org/presentationml/2006/main">
+  <p:cSld>
+    <p:bg>
+      <p:bgRef idx="1001">
+        <a:schemeClr val="bg1"/>
+      </p:bgRef>
+    </p:bg>
+    <p:spTree>
+      <p:nvGrpSpPr>
+        <p:cNvPr id="1" name=""/>
+        <p:cNvGrpSpPr/>
+        <p:nvPr/>
+      </p:nvGrpSpPr>
+      <p:grpSpPr>
+        <a:xfrm>
+          <a:off x="0" y="0"/>
+          <a:ext cx="0" cy="0"/>
+          <a:chOff x="0" y="0"/>
+          <a:chExt cx="0" cy="0"/>
+        </a:xfrm>
+      </p:grpSpPr>
+      <p:sp>
+        <p:nvSpPr>
+          <p:cNvPr id="2" name="Header Placeholder 1"/>
+          <p:cNvSpPr>
+            <a:spLocks noGrp="1"/>
+          </p:cNvSpPr>
+          <p:nvPr>
+            <p:ph type="hdr" sz="quarter"/>
+          </p:nvPr>
+        </p:nvSpPr>
+        <p:spPr>
+          <a:xfrm>
+            <a:off x="0" y="0"/>
+            <a:ext cx="2971800" cy="458788"/>
+          </a:xfrm>
+          <a:prstGeom prst="rect">
+            <a:avLst/>
+          </a:prstGeom>
+        </p:spPr>
+        <p:txBody>
+          <a:bodyPr vert="horz" lIns="91440" tIns="45720" rIns="91440" bIns="45720" rtlCol="0"/>
+          <a:lstStyle>
+            <a:lvl1pPr algn="l">
+              <a:defRPr sz="1200"/>
+            </a:lvl1pPr>
+          </a:lstStyle>
+          <a:p>
+            <a:endParaRPr lang="en-US"/>
+          </a:p>
+        </p:txBody>
+      </p:sp>
+      <p:sp>
+        <p:nvSpPr>
+          <p:cNvPr id="3" name="Date Placeholder 2"/>
+          <p:cNvSpPr>
+            <a:spLocks noGrp="1"/>
+          </p:cNvSpPr>
+          <p:nvPr>
+            <p:ph type="dt" idx="1"/>
+          </p:nvPr>
+        </p:nvSpPr>
+        <p:spPr>
+          <a:xfrm>
+            <a:off x="3884613" y="0"/>
+            <a:ext cx="2971800" cy="458788"/>
+          </a:xfrm>
+          <a:prstGeom prst="rect">
+            <a:avLst/>
+          </a:prstGeom>
+        </p:spPr>
+        <p:txBody>
+          <a:bodyPr vert="horz" lIns="91440" tIns="45720" rIns="91440" bIns="45720" rtlCol="0"/>
+          <a:lstStyle>
+            <a:lvl1pPr algn="r">
+              <a:defRPr sz="1200"/>
+            </a:lvl1pPr>
+          </a:lstStyle>
+          <a:p>
+            <a:fld id="{F95800C5-676F-4C56-AA4B-2A6225385A80}" type="datetimeFigureOut">
+              <a:rPr lang="en-US" smtClean="0"/>
+              <a:t>12/11/2025</a:t>
+            </a:fld>
+            <a:endParaRPr lang="en-US"/>
+          </a:p>
+        </p:txBody>
+      </p:sp>
+      <p:sp>
+        <p:nvSpPr>
+          <p:cNvPr id="4" name="Slide Image Placeholder 3"/>
+          <p:cNvSpPr>
+            <a:spLocks noGrp="1" noRot="1" noChangeAspect="1"/>
+          </p:cNvSpPr>
+          <p:nvPr>
+            <p:ph type="sldImg" idx="2"/>
+          </p:nvPr>
+        </p:nvSpPr>
+        <p:spPr>
+          <a:xfrm>
+            <a:off x="685800" y="1143000"/>
+            <a:ext cx="5486400" cy="3086100"/>
+          </a:xfrm>
+          <a:prstGeom prst="rect">
+            <a:avLst/>
+          </a:prstGeom>
+          <a:noFill/>
+          <a:ln w="12700">
+            <a:solidFill>
+              <a:prstClr val="black"/>
+            </a:solidFill>
+          </a:ln>
+        </p:spPr>
+        <p:txBody>
+          <a:bodyPr vert="horz" lIns="91440" tIns="45720" rIns="91440" bIns="45720" rtlCol="0" anchor="ctr"/>
+          <a:lstStyle/>
+          <a:p>
+            <a:endParaRPr lang="en-US"/>
+          </a:p>
+        </p:txBody>
+      </p:sp>
+      <p:sp>
+        <p:nvSpPr>
+          <p:cNvPr id="5" name="Notes Placeholder 4"/>
+          <p:cNvSpPr>
+            <a:spLocks noGrp="1"/>
+          </p:cNvSpPr>
+          <p:nvPr>
+            <p:ph type="body" sz="quarter" idx="3"/>
+          </p:nvPr>
+        </p:nvSpPr>
+        <p:spPr>
+          <a:xfrm>
+            <a:off x="685800" y="4400550"/>
+            <a:ext cx="5486400" cy="3600450"/>
+          </a:xfrm>
+          <a:prstGeom prst="rect">
+            <a:avLst/>
+          </a:prstGeom>
+        </p:spPr>
+        <p:txBody>
+          <a:bodyPr vert="horz" lIns="91440" tIns="45720" rIns="91440" bIns="45720" rtlCol="0"/>
+          <a:lstStyle/>
+          <a:p>
+            <a:pPr lvl="0"/>
+            <a:r>
+              <a:rPr lang="en-US"/>
+              <a:t>Click to edit Master text styles</a:t>
+            </a:r>
+          </a:p>
+          <a:p>
+            <a:pPr lvl="1"/>
+            <a:r>
+              <a:rPr lang="en-US"/>
+              <a:t>Second level</a:t>
+            </a:r>
+          </a:p>
+          <a:p>
+            <a:pPr lvl="2"/>
+            <a:r>
+              <a:rPr lang="en-US"/>
+              <a:t>Third level</a:t>
+            </a:r>
+          </a:p>
+          <a:p>
+            <a:pPr lvl="3"/>
+            <a:r>
+              <a:rPr lang="en-US"/>
+              <a:t>Fourth level</a:t>
+            </a:r>
+          </a:p>
+          <a:p>
+            <a:pPr lvl="4"/>
+            <a:r>
+              <a:rPr lang="en-US"/>
+              <a:t>Fifth level</a:t>
+            </a:r>
+          </a:p>
+        </p:txBody>
+      </p:sp>
+      <p:sp>
+        <p:nvSpPr>
+          <p:cNvPr id="6" name="Footer Placeholder 5"/>
+          <p:cNvSpPr>
+            <a:spLocks noGrp="1"/>
+          </p:cNvSpPr>
+          <p:nvPr>
+            <p:ph type="ftr" sz="quarter" idx="4"/>
+          </p:nvPr>
+        </p:nvSpPr>
+        <p:spPr>
+          <a:xfrm>
+            <a:off x="0" y="8685213"/>
+            <a:ext cx="2971800" cy="458787"/>
+          </a:xfrm>
+          <a:prstGeom prst="rect">
+            <a:avLst/>
+          </a:prstGeom>
+        </p:spPr>
+        <p:txBody>
+          <a:bodyPr vert="horz" lIns="91440" tIns="45720" rIns="91440" bIns="45720" rtlCol="0" anchor="b"/>
+          <a:lstStyle>
+            <a:lvl1pPr algn="l">
+              <a:defRPr sz="1200"/>
+            </a:lvl1pPr>
+          </a:lstStyle>
+          <a:p>
+            <a:endParaRPr lang="en-US"/>
+          </a:p>
+        </p:txBody>
+      </p:sp>
+      <p:sp>
+        <p:nvSpPr>
+          <p:cNvPr id="7" name="Slide Number Placeholder 6"/>
+          <p:cNvSpPr>
+            <a:spLocks noGrp="1"/>
+          </p:cNvSpPr>
+          <p:nvPr>
+            <p:ph type="sldNum" sz="quarter" idx="5"/>
+          </p:nvPr>
+        </p:nvSpPr>
+        <p:spPr>
+          <a:xfrm>
+            <a:off x="3884613" y="8685213"/>
+            <a:ext cx="2971800" cy="458787"/>
+          </a:xfrm>
+          <a:prstGeom prst="rect">
+            <a:avLst/>
+          </a:prstGeom>
+        </p:spPr>
+        <p:txBody>
+          <a:bodyPr vert="horz" lIns="91440" tIns="45720" rIns="91440" bIns="45720" rtlCol="0" anchor="b"/>
+          <a:lstStyle>
+            <a:lvl1pPr algn="r">
+              <a:defRPr sz="1200"/>
+            </a:lvl1pPr>
+          </a:lstStyle>
+          <a:p>
+            <a:fld id="{F22EF7E2-3B6E-4F9D-82A4-D07F529AE1D6}" type="slidenum">
+              <a:rPr lang="en-US" smtClean="0"/>
+              <a:t>‹#›</a:t>
+            </a:fld>
+            <a:endParaRPr lang="en-US"/>
+          </a:p>
+        </p:txBody>
+      </p:sp>
+    </p:spTree>
+    <p:extLst>
+      <p:ext uri="{BB962C8B-B14F-4D97-AF65-F5344CB8AC3E}">
+        <p14:creationId xmlns:p14="http://schemas.microsoft.com/office/powerpoint/2010/main" val="2846712911"/>
+      </p:ext>
+    </p:extLst>
+  </p:cSld>
+  <p:clrMap bg1="lt1" tx1="dk1" bg2="lt2" tx2="dk2" accent1="accent1" accent2="accent2" accent3="accent3" accent4="accent4" accent5="accent5" accent6="accent6" hlink="hlink" folHlink="folHlink"/>
+  <p:notesStyle>
+    <a:lvl1pPr marL="0" algn="l" defTabSz="914400" rtl="0" eaLnBrk="1" latinLnBrk="0" hangingPunct="1">
+      <a:defRPr sz="1200" kern="1200">
+        <a:solidFill>
+          <a:schemeClr val="tx1"/>
+        </a:solidFill>
+        <a:latin typeface="+mn-lt"/>
+        <a:ea typeface="+mn-ea"/>
+        <a:cs typeface="+mn-cs"/>
+      </a:defRPr>
+    </a:lvl1pPr>
+    <a:lvl2pPr marL="457200" algn="l" defTabSz="914400" rtl="0" eaLnBrk="1" latinLnBrk="0" hangingPunct="1">
+      <a:defRPr sz="1200" kern="1200">
+        <a:solidFill>
+          <a:schemeClr val="tx1"/>
+        </a:solidFill>
+        <a:latin typeface="+mn-lt"/>
+        <a:ea typeface="+mn-ea"/>
+        <a:cs typeface="+mn-cs"/>
+      </a:defRPr>
+    </a:lvl2pPr>
+    <a:lvl3pPr marL="914400" algn="l" defTabSz="914400" rtl="0" eaLnBrk="1" latinLnBrk="0" hangingPunct="1">
+      <a:defRPr sz="1200" kern="1200">
+        <a:solidFill>
+          <a:schemeClr val="tx1"/>
+        </a:solidFill>
+        <a:latin typeface="+mn-lt"/>
+        <a:ea typeface="+mn-ea"/>
+        <a:cs typeface="+mn-cs"/>
+      </a:defRPr>
+    </a:lvl3pPr>
+    <a:lvl4pPr marL="1371600" algn="l" defTabSz="914400" rtl="0" eaLnBrk="1" latinLnBrk="0" hangingPunct="1">
+      <a:defRPr sz="1200" kern="1200">
+        <a:solidFill>
+          <a:schemeClr val="tx1"/>
+        </a:solidFill>
+        <a:latin typeface="+mn-lt"/>
+        <a:ea typeface="+mn-ea"/>
+        <a:cs typeface="+mn-cs"/>
+      </a:defRPr>
+    </a:lvl4pPr>
+    <a:lvl5pPr marL="1828800" algn="l" defTabSz="914400" rtl="0" eaLnBrk="1" latinLnBrk="0" hangingPunct="1">
+      <a:defRPr sz="1200" kern="1200">
+        <a:solidFill>
+          <a:schemeClr val="tx1"/>
+        </a:solidFill>
+        <a:latin typeface="+mn-lt"/>
+        <a:ea typeface="+mn-ea"/>
+        <a:cs typeface="+mn-cs"/>
+      </a:defRPr>
+    </a:lvl5pPr>
+    <a:lvl6pPr marL="2286000" algn="l" defTabSz="914400" rtl="0" eaLnBrk="1" latinLnBrk="0" hangingPunct="1">
+      <a:defRPr sz="1200" kern="1200">
+        <a:solidFill>
+          <a:schemeClr val="tx1"/>
+        </a:solidFill>
+        <a:latin typeface="+mn-lt"/>
+        <a:ea typeface="+mn-ea"/>
+        <a:cs typeface="+mn-cs"/>
+      </a:defRPr>
+    </a:lvl6pPr>
+    <a:lvl7pPr marL="2743200" algn="l" defTabSz="914400" rtl="0" eaLnBrk="1" latinLnBrk="0" hangingPunct="1">
+      <a:defRPr sz="1200" kern="1200">
+        <a:solidFill>
+          <a:schemeClr val="tx1"/>
+        </a:solidFill>
+        <a:latin typeface="+mn-lt"/>
+        <a:ea typeface="+mn-ea"/>
+        <a:cs typeface="+mn-cs"/>
+      </a:defRPr>
+    </a:lvl7pPr>
+    <a:lvl8pPr marL="3200400" algn="l" defTabSz="914400" rtl="0" eaLnBrk="1" latinLnBrk="0" hangingPunct="1">
+      <a:defRPr sz="1200" kern="1200">
+        <a:solidFill>
+          <a:schemeClr val="tx1"/>
+        </a:solidFill>
+        <a:latin typeface="+mn-lt"/>
+        <a:ea typeface="+mn-ea"/>
+        <a:cs typeface="+mn-cs"/>
+      </a:defRPr>
+    </a:lvl8pPr>
+    <a:lvl9pPr marL="3657600" algn="l" defTabSz="914400" rtl="0" eaLnBrk="1" latinLnBrk="0" hangingPunct="1">
+      <a:defRPr sz="1200" kern="1200">
+        <a:solidFill>
+          <a:schemeClr val="tx1"/>
+        </a:solidFill>
+        <a:latin typeface="+mn-lt"/>
+        <a:ea typeface="+mn-ea"/>
+        <a:cs typeface="+mn-cs"/>
+      </a:defRPr>
+    </a:lvl9pPr>
+  </p:notesStyle>
+</p:notesMaster>
+</file>
+
+<file path=ppt/notesSlides/notesSlide1.xml><?xml version="1.0" encoding="utf-8"?>
+<p:notes xmlns:a="http://schemas.openxmlformats.org/drawingml/2006/main" xmlns:r="http://schemas.openxmlformats.org/officeDocument/2006/relationships" xmlns:p="http://schemas.openxmlformats.org/presentationml/2006/main">
+  <p:cSld>
+    <p:spTree>
+      <p:nvGrpSpPr>
+        <p:cNvPr id="1" name=""/>
+        <p:cNvGrpSpPr/>
+        <p:nvPr/>
+      </p:nvGrpSpPr>
+      <p:grpSpPr>
+        <a:xfrm>
+          <a:off x="0" y="0"/>
+          <a:ext cx="0" cy="0"/>
+          <a:chOff x="0" y="0"/>
+          <a:chExt cx="0" cy="0"/>
+        </a:xfrm>
+      </p:grpSpPr>
+      <p:sp>
+        <p:nvSpPr>
+          <p:cNvPr id="2" name="Slide Image Placeholder 1"/>
+          <p:cNvSpPr>
+            <a:spLocks noGrp="1" noRot="1" noChangeAspect="1"/>
+          </p:cNvSpPr>
+          <p:nvPr>
+            <p:ph type="sldImg"/>
+          </p:nvPr>
+        </p:nvSpPr>
+        <p:spPr/>
+      </p:sp>
+      <p:sp>
+        <p:nvSpPr>
+          <p:cNvPr id="3" name="Notes Placeholder 2"/>
+          <p:cNvSpPr>
+            <a:spLocks noGrp="1"/>
+          </p:cNvSpPr>
+          <p:nvPr>
+            <p:ph type="body" idx="1"/>
+          </p:nvPr>
+        </p:nvSpPr>
+        <p:spPr/>
+        <p:txBody>
+          <a:bodyPr/>
+          <a:lstStyle/>
+          <a:p>
+            <a:r>
+              <a:rPr lang="en-US" dirty="0"/>
+              <a:t>Firearm mortality varies hugely by state, and the policies and guns laws in each state varies too. We built multiple models and a dashboard to compare firearm death rates with a cumulative gun law strength score with U.S. firearm mortality data collected from 2014-2023.</a:t>
+            </a:r>
+          </a:p>
+          <a:p>
+            <a:endParaRPr lang="en-US" dirty="0"/>
+          </a:p>
+          <a:p>
+            <a:r>
+              <a:rPr lang="en-US" dirty="0"/>
+              <a:t>We used two initial datasets, one from the CDC that gave us firearm mortality data from 2014-2023 for each state. The second is actually a database recording U.S. state laws regarding firearms, and this had data all the back </a:t>
+            </a:r>
+            <a:r>
+              <a:rPr lang="en-US"/>
+              <a:t>from before 1900. </a:t>
+            </a:r>
+            <a:endParaRPr lang="en-US" dirty="0"/>
+          </a:p>
+        </p:txBody>
+      </p:sp>
+      <p:sp>
+        <p:nvSpPr>
+          <p:cNvPr id="4" name="Slide Number Placeholder 3"/>
+          <p:cNvSpPr>
+            <a:spLocks noGrp="1"/>
+          </p:cNvSpPr>
+          <p:nvPr>
+            <p:ph type="sldNum" sz="quarter" idx="5"/>
+          </p:nvPr>
+        </p:nvSpPr>
+        <p:spPr/>
+        <p:txBody>
+          <a:bodyPr/>
+          <a:lstStyle/>
+          <a:p>
+            <a:fld id="{F22EF7E2-3B6E-4F9D-82A4-D07F529AE1D6}" type="slidenum">
+              <a:rPr lang="en-US" smtClean="0"/>
+              <a:t>1</a:t>
+            </a:fld>
+            <a:endParaRPr lang="en-US"/>
+          </a:p>
+        </p:txBody>
+      </p:sp>
+    </p:spTree>
+    <p:extLst>
+      <p:ext uri="{BB962C8B-B14F-4D97-AF65-F5344CB8AC3E}">
+        <p14:creationId xmlns:p14="http://schemas.microsoft.com/office/powerpoint/2010/main" val="3658024764"/>
+      </p:ext>
+    </p:extLst>
+  </p:cSld>
+  <p:clrMapOvr>
+    <a:masterClrMapping/>
+  </p:clrMapOvr>
+</p:notes>
 </file>
 
 <file path=ppt/slideLayouts/slideLayout1.xml><?xml version="1.0" encoding="utf-8"?>
@@ -5681,4 +6134,319 @@
     </a:ext>
   </a:extLst>
 </a:theme>
+</file>
+
+<file path=ppt/theme/theme2.xml><?xml version="1.0" encoding="utf-8"?>
+<a:theme xmlns:a="http://schemas.openxmlformats.org/drawingml/2006/main" name="Office Theme">
+  <a:themeElements>
+    <a:clrScheme name="Office">
+      <a:dk1>
+        <a:sysClr val="windowText" lastClr="000000"/>
+      </a:dk1>
+      <a:lt1>
+        <a:sysClr val="window" lastClr="FFFFFF"/>
+      </a:lt1>
+      <a:dk2>
+        <a:srgbClr val="0E2841"/>
+      </a:dk2>
+      <a:lt2>
+        <a:srgbClr val="E8E8E8"/>
+      </a:lt2>
+      <a:accent1>
+        <a:srgbClr val="156082"/>
+      </a:accent1>
+      <a:accent2>
+        <a:srgbClr val="E97132"/>
+      </a:accent2>
+      <a:accent3>
+        <a:srgbClr val="196B24"/>
+      </a:accent3>
+      <a:accent4>
+        <a:srgbClr val="0F9ED5"/>
+      </a:accent4>
+      <a:accent5>
+        <a:srgbClr val="A02B93"/>
+      </a:accent5>
+      <a:accent6>
+        <a:srgbClr val="4EA72E"/>
+      </a:accent6>
+      <a:hlink>
+        <a:srgbClr val="467886"/>
+      </a:hlink>
+      <a:folHlink>
+        <a:srgbClr val="96607D"/>
+      </a:folHlink>
+    </a:clrScheme>
+    <a:fontScheme name="Office">
+      <a:majorFont>
+        <a:latin typeface="Aptos Display" panose="02110004020202020204"/>
+        <a:ea typeface=""/>
+        <a:cs typeface=""/>
+        <a:font script="Jpan" typeface="游ゴシック Light"/>
+        <a:font script="Hang" typeface="맑은 고딕"/>
+        <a:font script="Hans" typeface="等线 Light"/>
+        <a:font script="Hant" typeface="新細明體"/>
+        <a:font script="Arab" typeface="Times New Roman"/>
+        <a:font script="Hebr" typeface="Times New Roman"/>
+        <a:font script="Thai" typeface="Angsana New"/>
+        <a:font script="Ethi" typeface="Nyala"/>
+        <a:font script="Beng" typeface="Vrinda"/>
+        <a:font script="Gujr" typeface="Shruti"/>
+        <a:font script="Khmr" typeface="MoolBoran"/>
+        <a:font script="Knda" typeface="Tunga"/>
+        <a:font script="Guru" typeface="Raavi"/>
+        <a:font script="Cans" typeface="Euphemia"/>
+        <a:font script="Cher" typeface="Plantagenet Cherokee"/>
+        <a:font script="Yiii" typeface="Microsoft Yi Baiti"/>
+        <a:font script="Tibt" typeface="Microsoft Himalaya"/>
+        <a:font script="Thaa" typeface="MV Boli"/>
+        <a:font script="Deva" typeface="Mangal"/>
+        <a:font script="Telu" typeface="Gautami"/>
+        <a:font script="Taml" typeface="Latha"/>
+        <a:font script="Syrc" typeface="Estrangelo Edessa"/>
+        <a:font script="Orya" typeface="Kalinga"/>
+        <a:font script="Mlym" typeface="Kartika"/>
+        <a:font script="Laoo" typeface="DokChampa"/>
+        <a:font script="Sinh" typeface="Iskoola Pota"/>
+        <a:font script="Mong" typeface="Mongolian Baiti"/>
+        <a:font script="Viet" typeface="Times New Roman"/>
+        <a:font script="Uigh" typeface="Microsoft Uighur"/>
+        <a:font script="Geor" typeface="Sylfaen"/>
+        <a:font script="Armn" typeface="Arial"/>
+        <a:font script="Bugi" typeface="Leelawadee UI"/>
+        <a:font script="Bopo" typeface="Microsoft JhengHei"/>
+        <a:font script="Java" typeface="Javanese Text"/>
+        <a:font script="Lisu" typeface="Segoe UI"/>
+        <a:font script="Mymr" typeface="Myanmar Text"/>
+        <a:font script="Nkoo" typeface="Ebrima"/>
+        <a:font script="Olck" typeface="Nirmala UI"/>
+        <a:font script="Osma" typeface="Ebrima"/>
+        <a:font script="Phag" typeface="Phagspa"/>
+        <a:font script="Syrn" typeface="Estrangelo Edessa"/>
+        <a:font script="Syrj" typeface="Estrangelo Edessa"/>
+        <a:font script="Syre" typeface="Estrangelo Edessa"/>
+        <a:font script="Sora" typeface="Nirmala UI"/>
+        <a:font script="Tale" typeface="Microsoft Tai Le"/>
+        <a:font script="Talu" typeface="Microsoft New Tai Lue"/>
+        <a:font script="Tfng" typeface="Ebrima"/>
+      </a:majorFont>
+      <a:minorFont>
+        <a:latin typeface="Aptos" panose="02110004020202020204"/>
+        <a:ea typeface=""/>
+        <a:cs typeface=""/>
+        <a:font script="Jpan" typeface="游ゴシック"/>
+        <a:font script="Hang" typeface="맑은 고딕"/>
+        <a:font script="Hans" typeface="等线"/>
+        <a:font script="Hant" typeface="新細明體"/>
+        <a:font script="Arab" typeface="Arial"/>
+        <a:font script="Hebr" typeface="Arial"/>
+        <a:font script="Thai" typeface="Cordia New"/>
+        <a:font script="Ethi" typeface="Nyala"/>
+        <a:font script="Beng" typeface="Vrinda"/>
+        <a:font script="Gujr" typeface="Shruti"/>
+        <a:font script="Khmr" typeface="DaunPenh"/>
+        <a:font script="Knda" typeface="Tunga"/>
+        <a:font script="Guru" typeface="Raavi"/>
+        <a:font script="Cans" typeface="Euphemia"/>
+        <a:font script="Cher" typeface="Plantagenet Cherokee"/>
+        <a:font script="Yiii" typeface="Microsoft Yi Baiti"/>
+        <a:font script="Tibt" typeface="Microsoft Himalaya"/>
+        <a:font script="Thaa" typeface="MV Boli"/>
+        <a:font script="Deva" typeface="Mangal"/>
+        <a:font script="Telu" typeface="Gautami"/>
+        <a:font script="Taml" typeface="Latha"/>
+        <a:font script="Syrc" typeface="Estrangelo Edessa"/>
+        <a:font script="Orya" typeface="Kalinga"/>
+        <a:font script="Mlym" typeface="Kartika"/>
+        <a:font script="Laoo" typeface="DokChampa"/>
+        <a:font script="Sinh" typeface="Iskoola Pota"/>
+        <a:font script="Mong" typeface="Mongolian Baiti"/>
+        <a:font script="Viet" typeface="Arial"/>
+        <a:font script="Uigh" typeface="Microsoft Uighur"/>
+        <a:font script="Geor" typeface="Sylfaen"/>
+        <a:font script="Armn" typeface="Arial"/>
+        <a:font script="Bugi" typeface="Leelawadee UI"/>
+        <a:font script="Bopo" typeface="Microsoft JhengHei"/>
+        <a:font script="Java" typeface="Javanese Text"/>
+        <a:font script="Lisu" typeface="Segoe UI"/>
+        <a:font script="Mymr" typeface="Myanmar Text"/>
+        <a:font script="Nkoo" typeface="Ebrima"/>
+        <a:font script="Olck" typeface="Nirmala UI"/>
+        <a:font script="Osma" typeface="Ebrima"/>
+        <a:font script="Phag" typeface="Phagspa"/>
+        <a:font script="Syrn" typeface="Estrangelo Edessa"/>
+        <a:font script="Syrj" typeface="Estrangelo Edessa"/>
+        <a:font script="Syre" typeface="Estrangelo Edessa"/>
+        <a:font script="Sora" typeface="Nirmala UI"/>
+        <a:font script="Tale" typeface="Microsoft Tai Le"/>
+        <a:font script="Talu" typeface="Microsoft New Tai Lue"/>
+        <a:font script="Tfng" typeface="Ebrima"/>
+      </a:minorFont>
+    </a:fontScheme>
+    <a:fmtScheme name="Office">
+      <a:fillStyleLst>
+        <a:solidFill>
+          <a:schemeClr val="phClr"/>
+        </a:solidFill>
+        <a:gradFill rotWithShape="1">
+          <a:gsLst>
+            <a:gs pos="0">
+              <a:schemeClr val="phClr">
+                <a:lumMod val="110000"/>
+                <a:satMod val="105000"/>
+                <a:tint val="67000"/>
+              </a:schemeClr>
+            </a:gs>
+            <a:gs pos="50000">
+              <a:schemeClr val="phClr">
+                <a:lumMod val="105000"/>
+                <a:satMod val="103000"/>
+                <a:tint val="73000"/>
+              </a:schemeClr>
+            </a:gs>
+            <a:gs pos="100000">
+              <a:schemeClr val="phClr">
+                <a:lumMod val="105000"/>
+                <a:satMod val="109000"/>
+                <a:tint val="81000"/>
+              </a:schemeClr>
+            </a:gs>
+          </a:gsLst>
+          <a:lin ang="5400000" scaled="0"/>
+        </a:gradFill>
+        <a:gradFill rotWithShape="1">
+          <a:gsLst>
+            <a:gs pos="0">
+              <a:schemeClr val="phClr">
+                <a:satMod val="103000"/>
+                <a:lumMod val="102000"/>
+                <a:tint val="94000"/>
+              </a:schemeClr>
+            </a:gs>
+            <a:gs pos="50000">
+              <a:schemeClr val="phClr">
+                <a:satMod val="110000"/>
+                <a:lumMod val="100000"/>
+                <a:shade val="100000"/>
+              </a:schemeClr>
+            </a:gs>
+            <a:gs pos="100000">
+              <a:schemeClr val="phClr">
+                <a:lumMod val="99000"/>
+                <a:satMod val="120000"/>
+                <a:shade val="78000"/>
+              </a:schemeClr>
+            </a:gs>
+          </a:gsLst>
+          <a:lin ang="5400000" scaled="0"/>
+        </a:gradFill>
+      </a:fillStyleLst>
+      <a:lnStyleLst>
+        <a:ln w="12700" cap="flat" cmpd="sng" algn="ctr">
+          <a:solidFill>
+            <a:schemeClr val="phClr"/>
+          </a:solidFill>
+          <a:prstDash val="solid"/>
+          <a:miter lim="800000"/>
+        </a:ln>
+        <a:ln w="19050" cap="flat" cmpd="sng" algn="ctr">
+          <a:solidFill>
+            <a:schemeClr val="phClr"/>
+          </a:solidFill>
+          <a:prstDash val="solid"/>
+          <a:miter lim="800000"/>
+        </a:ln>
+        <a:ln w="25400" cap="flat" cmpd="sng" algn="ctr">
+          <a:solidFill>
+            <a:schemeClr val="phClr"/>
+          </a:solidFill>
+          <a:prstDash val="solid"/>
+          <a:miter lim="800000"/>
+        </a:ln>
+      </a:lnStyleLst>
+      <a:effectStyleLst>
+        <a:effectStyle>
+          <a:effectLst/>
+        </a:effectStyle>
+        <a:effectStyle>
+          <a:effectLst/>
+        </a:effectStyle>
+        <a:effectStyle>
+          <a:effectLst>
+            <a:outerShdw blurRad="57150" dist="19050" dir="5400000" algn="ctr" rotWithShape="0">
+              <a:srgbClr val="000000">
+                <a:alpha val="63000"/>
+              </a:srgbClr>
+            </a:outerShdw>
+          </a:effectLst>
+        </a:effectStyle>
+      </a:effectStyleLst>
+      <a:bgFillStyleLst>
+        <a:solidFill>
+          <a:schemeClr val="phClr"/>
+        </a:solidFill>
+        <a:solidFill>
+          <a:schemeClr val="phClr">
+            <a:tint val="95000"/>
+            <a:satMod val="170000"/>
+          </a:schemeClr>
+        </a:solidFill>
+        <a:gradFill rotWithShape="1">
+          <a:gsLst>
+            <a:gs pos="0">
+              <a:schemeClr val="phClr">
+                <a:tint val="93000"/>
+                <a:satMod val="150000"/>
+                <a:shade val="98000"/>
+                <a:lumMod val="102000"/>
+              </a:schemeClr>
+            </a:gs>
+            <a:gs pos="50000">
+              <a:schemeClr val="phClr">
+                <a:tint val="98000"/>
+                <a:satMod val="130000"/>
+                <a:shade val="90000"/>
+                <a:lumMod val="103000"/>
+              </a:schemeClr>
+            </a:gs>
+            <a:gs pos="100000">
+              <a:schemeClr val="phClr">
+                <a:shade val="63000"/>
+                <a:satMod val="120000"/>
+              </a:schemeClr>
+            </a:gs>
+          </a:gsLst>
+          <a:lin ang="5400000" scaled="0"/>
+        </a:gradFill>
+      </a:bgFillStyleLst>
+    </a:fmtScheme>
+  </a:themeElements>
+  <a:objectDefaults>
+    <a:lnDef>
+      <a:spPr/>
+      <a:bodyPr/>
+      <a:lstStyle/>
+      <a:style>
+        <a:lnRef idx="2">
+          <a:schemeClr val="accent1"/>
+        </a:lnRef>
+        <a:fillRef idx="0">
+          <a:schemeClr val="accent1"/>
+        </a:fillRef>
+        <a:effectRef idx="1">
+          <a:schemeClr val="accent1"/>
+        </a:effectRef>
+        <a:fontRef idx="minor">
+          <a:schemeClr val="tx1"/>
+        </a:fontRef>
+      </a:style>
+    </a:lnDef>
+  </a:objectDefaults>
+  <a:extraClrSchemeLst/>
+  <a:extLst>
+    <a:ext uri="{05A4C25C-085E-4340-85A3-A5531E510DB2}">
+      <thm15:themeFamily xmlns:thm15="http://schemas.microsoft.com/office/thememl/2012/main" name="Office Theme" id="{2E142A2C-CD16-42D6-873A-C26D2A0506FA}" vid="{1BDDFF52-6CD6-40A5-AB3C-68EB2F1E4D0A}"/>
+    </a:ext>
+  </a:extLst>
+</a:theme>
 </file>
--- a/slide deck_final.pptx
+++ b/slide deck_final.pptx
@@ -2,22 +2,21 @@
 <file path=ppt/presentation.xml><?xml version="1.0" encoding="utf-8"?>
 <p:presentation xmlns:a="http://schemas.openxmlformats.org/drawingml/2006/main" xmlns:r="http://schemas.openxmlformats.org/officeDocument/2006/relationships" xmlns:p="http://schemas.openxmlformats.org/presentationml/2006/main" saveSubsetFonts="1">
   <p:sldMasterIdLst>
-    <p:sldMasterId id="2147483648" r:id="rId1"/>
+    <p:sldMasterId id="2147483660" r:id="rId1"/>
   </p:sldMasterIdLst>
   <p:notesMasterIdLst>
-    <p:notesMasterId r:id="rId12"/>
+    <p:notesMasterId r:id="rId11"/>
   </p:notesMasterIdLst>
   <p:sldIdLst>
     <p:sldId id="260" r:id="rId2"/>
     <p:sldId id="256" r:id="rId3"/>
     <p:sldId id="257" r:id="rId4"/>
     <p:sldId id="258" r:id="rId5"/>
-    <p:sldId id="261" r:id="rId6"/>
-    <p:sldId id="262" r:id="rId7"/>
-    <p:sldId id="263" r:id="rId8"/>
-    <p:sldId id="265" r:id="rId9"/>
-    <p:sldId id="266" r:id="rId10"/>
-    <p:sldId id="264" r:id="rId11"/>
+    <p:sldId id="262" r:id="rId6"/>
+    <p:sldId id="263" r:id="rId7"/>
+    <p:sldId id="265" r:id="rId8"/>
+    <p:sldId id="266" r:id="rId9"/>
+    <p:sldId id="264" r:id="rId10"/>
   </p:sldIdLst>
   <p:sldSz cx="12192000" cy="6858000"/>
   <p:notesSz cx="6858000" cy="9144000"/>
@@ -25,7 +24,7 @@
     <a:defPPr>
       <a:defRPr lang="en-US"/>
     </a:defPPr>
-    <a:lvl1pPr marL="0" algn="l" defTabSz="914400" rtl="0" eaLnBrk="1" latinLnBrk="0" hangingPunct="1">
+    <a:lvl1pPr marL="0" algn="l" defTabSz="457200" rtl="0" eaLnBrk="1" latinLnBrk="0" hangingPunct="1">
       <a:defRPr sz="1800" kern="1200">
         <a:solidFill>
           <a:schemeClr val="tx1"/>
@@ -35,7 +34,7 @@
         <a:cs typeface="+mn-cs"/>
       </a:defRPr>
     </a:lvl1pPr>
-    <a:lvl2pPr marL="457200" algn="l" defTabSz="914400" rtl="0" eaLnBrk="1" latinLnBrk="0" hangingPunct="1">
+    <a:lvl2pPr marL="457200" algn="l" defTabSz="457200" rtl="0" eaLnBrk="1" latinLnBrk="0" hangingPunct="1">
       <a:defRPr sz="1800" kern="1200">
         <a:solidFill>
           <a:schemeClr val="tx1"/>
@@ -45,7 +44,7 @@
         <a:cs typeface="+mn-cs"/>
       </a:defRPr>
     </a:lvl2pPr>
-    <a:lvl3pPr marL="914400" algn="l" defTabSz="914400" rtl="0" eaLnBrk="1" latinLnBrk="0" hangingPunct="1">
+    <a:lvl3pPr marL="914400" algn="l" defTabSz="457200" rtl="0" eaLnBrk="1" latinLnBrk="0" hangingPunct="1">
       <a:defRPr sz="1800" kern="1200">
         <a:solidFill>
           <a:schemeClr val="tx1"/>
@@ -55,7 +54,7 @@
         <a:cs typeface="+mn-cs"/>
       </a:defRPr>
     </a:lvl3pPr>
-    <a:lvl4pPr marL="1371600" algn="l" defTabSz="914400" rtl="0" eaLnBrk="1" latinLnBrk="0" hangingPunct="1">
+    <a:lvl4pPr marL="1371600" algn="l" defTabSz="457200" rtl="0" eaLnBrk="1" latinLnBrk="0" hangingPunct="1">
       <a:defRPr sz="1800" kern="1200">
         <a:solidFill>
           <a:schemeClr val="tx1"/>
@@ -65,7 +64,7 @@
         <a:cs typeface="+mn-cs"/>
       </a:defRPr>
     </a:lvl4pPr>
-    <a:lvl5pPr marL="1828800" algn="l" defTabSz="914400" rtl="0" eaLnBrk="1" latinLnBrk="0" hangingPunct="1">
+    <a:lvl5pPr marL="1828800" algn="l" defTabSz="457200" rtl="0" eaLnBrk="1" latinLnBrk="0" hangingPunct="1">
       <a:defRPr sz="1800" kern="1200">
         <a:solidFill>
           <a:schemeClr val="tx1"/>
@@ -75,7 +74,7 @@
         <a:cs typeface="+mn-cs"/>
       </a:defRPr>
     </a:lvl5pPr>
-    <a:lvl6pPr marL="2286000" algn="l" defTabSz="914400" rtl="0" eaLnBrk="1" latinLnBrk="0" hangingPunct="1">
+    <a:lvl6pPr marL="2286000" algn="l" defTabSz="457200" rtl="0" eaLnBrk="1" latinLnBrk="0" hangingPunct="1">
       <a:defRPr sz="1800" kern="1200">
         <a:solidFill>
           <a:schemeClr val="tx1"/>
@@ -85,7 +84,7 @@
         <a:cs typeface="+mn-cs"/>
       </a:defRPr>
     </a:lvl6pPr>
-    <a:lvl7pPr marL="2743200" algn="l" defTabSz="914400" rtl="0" eaLnBrk="1" latinLnBrk="0" hangingPunct="1">
+    <a:lvl7pPr marL="2743200" algn="l" defTabSz="457200" rtl="0" eaLnBrk="1" latinLnBrk="0" hangingPunct="1">
       <a:defRPr sz="1800" kern="1200">
         <a:solidFill>
           <a:schemeClr val="tx1"/>
@@ -95,7 +94,7 @@
         <a:cs typeface="+mn-cs"/>
       </a:defRPr>
     </a:lvl7pPr>
-    <a:lvl8pPr marL="3200400" algn="l" defTabSz="914400" rtl="0" eaLnBrk="1" latinLnBrk="0" hangingPunct="1">
+    <a:lvl8pPr marL="3200400" algn="l" defTabSz="457200" rtl="0" eaLnBrk="1" latinLnBrk="0" hangingPunct="1">
       <a:defRPr sz="1800" kern="1200">
         <a:solidFill>
           <a:schemeClr val="tx1"/>
@@ -105,7 +104,7 @@
         <a:cs typeface="+mn-cs"/>
       </a:defRPr>
     </a:lvl8pPr>
-    <a:lvl9pPr marL="3657600" algn="l" defTabSz="914400" rtl="0" eaLnBrk="1" latinLnBrk="0" hangingPunct="1">
+    <a:lvl9pPr marL="3657600" algn="l" defTabSz="457200" rtl="0" eaLnBrk="1" latinLnBrk="0" hangingPunct="1">
       <a:defRPr sz="1800" kern="1200">
         <a:solidFill>
           <a:schemeClr val="tx1"/>
@@ -206,7 +205,7 @@
           <a:p>
             <a:fld id="{F95800C5-676F-4C56-AA4B-2A6225385A80}" type="datetimeFigureOut">
               <a:rPr lang="en-US" smtClean="0"/>
-              <a:t>12/11/2025</a:t>
+              <a:t>12/12/2025</a:t>
             </a:fld>
             <a:endParaRPr lang="en-US"/>
           </a:p>
@@ -593,13 +592,7 @@
       </p:grpSpPr>
       <p:sp>
         <p:nvSpPr>
-          <p:cNvPr id="2" name="Title 1">
-            <a:extLst>
-              <a:ext uri="{FF2B5EF4-FFF2-40B4-BE49-F238E27FC236}">
-                <a16:creationId xmlns:a16="http://schemas.microsoft.com/office/drawing/2014/main" id="{24EAAA1C-7A71-4440-F7DD-89AEFD72689D}"/>
-              </a:ext>
-            </a:extLst>
-          </p:cNvPr>
+          <p:cNvPr id="2" name="Title 1"/>
           <p:cNvSpPr>
             <a:spLocks noGrp="1"/>
           </p:cNvSpPr>
@@ -609,15 +602,17 @@
         </p:nvSpPr>
         <p:spPr>
           <a:xfrm>
-            <a:off x="1524000" y="1122363"/>
-            <a:ext cx="9144000" cy="2387600"/>
+            <a:off x="1370693" y="1769540"/>
+            <a:ext cx="9440034" cy="1828801"/>
           </a:xfrm>
         </p:spPr>
         <p:txBody>
-          <a:bodyPr anchor="b"/>
+          <a:bodyPr anchor="b">
+            <a:normAutofit/>
+          </a:bodyPr>
           <a:lstStyle>
             <a:lvl1pPr algn="ctr">
-              <a:defRPr sz="6000"/>
+              <a:defRPr sz="5400"/>
             </a:lvl1pPr>
           </a:lstStyle>
           <a:p>
@@ -625,18 +620,13 @@
               <a:rPr lang="en-US"/>
               <a:t>Click to edit Master title style</a:t>
             </a:r>
-          </a:p>
-        </p:txBody>
-      </p:sp>
-      <p:sp>
-        <p:nvSpPr>
-          <p:cNvPr id="3" name="Subtitle 2">
-            <a:extLst>
-              <a:ext uri="{FF2B5EF4-FFF2-40B4-BE49-F238E27FC236}">
-                <a16:creationId xmlns:a16="http://schemas.microsoft.com/office/drawing/2014/main" id="{F2405032-790A-7D04-9DCF-902B65B92CC0}"/>
-              </a:ext>
-            </a:extLst>
-          </p:cNvPr>
+            <a:endParaRPr lang="en-US" dirty="0"/>
+          </a:p>
+        </p:txBody>
+      </p:sp>
+      <p:sp>
+        <p:nvSpPr>
+          <p:cNvPr id="3" name="Subtitle 2"/>
           <p:cNvSpPr>
             <a:spLocks noGrp="1"/>
           </p:cNvSpPr>
@@ -646,48 +636,100 @@
         </p:nvSpPr>
         <p:spPr>
           <a:xfrm>
-            <a:off x="1524000" y="3602038"/>
-            <a:ext cx="9144000" cy="1655762"/>
+            <a:off x="1370693" y="3598339"/>
+            <a:ext cx="9440034" cy="1049867"/>
           </a:xfrm>
         </p:spPr>
         <p:txBody>
-          <a:bodyPr/>
+          <a:bodyPr anchor="t"/>
           <a:lstStyle>
             <a:lvl1pPr marL="0" indent="0" algn="ctr">
               <a:buNone/>
-              <a:defRPr sz="2400"/>
+              <a:defRPr>
+                <a:solidFill>
+                  <a:schemeClr val="tx1"/>
+                </a:solidFill>
+              </a:defRPr>
             </a:lvl1pPr>
             <a:lvl2pPr marL="457200" indent="0" algn="ctr">
               <a:buNone/>
-              <a:defRPr sz="2000"/>
+              <a:defRPr>
+                <a:solidFill>
+                  <a:schemeClr val="tx1">
+                    <a:tint val="75000"/>
+                  </a:schemeClr>
+                </a:solidFill>
+              </a:defRPr>
             </a:lvl2pPr>
             <a:lvl3pPr marL="914400" indent="0" algn="ctr">
               <a:buNone/>
-              <a:defRPr sz="1800"/>
+              <a:defRPr>
+                <a:solidFill>
+                  <a:schemeClr val="tx1">
+                    <a:tint val="75000"/>
+                  </a:schemeClr>
+                </a:solidFill>
+              </a:defRPr>
             </a:lvl3pPr>
             <a:lvl4pPr marL="1371600" indent="0" algn="ctr">
               <a:buNone/>
-              <a:defRPr sz="1600"/>
+              <a:defRPr>
+                <a:solidFill>
+                  <a:schemeClr val="tx1">
+                    <a:tint val="75000"/>
+                  </a:schemeClr>
+                </a:solidFill>
+              </a:defRPr>
             </a:lvl4pPr>
             <a:lvl5pPr marL="1828800" indent="0" algn="ctr">
               <a:buNone/>
-              <a:defRPr sz="1600"/>
+              <a:defRPr>
+                <a:solidFill>
+                  <a:schemeClr val="tx1">
+                    <a:tint val="75000"/>
+                  </a:schemeClr>
+                </a:solidFill>
+              </a:defRPr>
             </a:lvl5pPr>
             <a:lvl6pPr marL="2286000" indent="0" algn="ctr">
               <a:buNone/>
-              <a:defRPr sz="1600"/>
+              <a:defRPr>
+                <a:solidFill>
+                  <a:schemeClr val="tx1">
+                    <a:tint val="75000"/>
+                  </a:schemeClr>
+                </a:solidFill>
+              </a:defRPr>
             </a:lvl6pPr>
             <a:lvl7pPr marL="2743200" indent="0" algn="ctr">
               <a:buNone/>
-              <a:defRPr sz="1600"/>
+              <a:defRPr>
+                <a:solidFill>
+                  <a:schemeClr val="tx1">
+                    <a:tint val="75000"/>
+                  </a:schemeClr>
+                </a:solidFill>
+              </a:defRPr>
             </a:lvl7pPr>
             <a:lvl8pPr marL="3200400" indent="0" algn="ctr">
               <a:buNone/>
-              <a:defRPr sz="1600"/>
+              <a:defRPr>
+                <a:solidFill>
+                  <a:schemeClr val="tx1">
+                    <a:tint val="75000"/>
+                  </a:schemeClr>
+                </a:solidFill>
+              </a:defRPr>
             </a:lvl8pPr>
             <a:lvl9pPr marL="3657600" indent="0" algn="ctr">
               <a:buNone/>
-              <a:defRPr sz="1600"/>
+              <a:defRPr>
+                <a:solidFill>
+                  <a:schemeClr val="tx1">
+                    <a:tint val="75000"/>
+                  </a:schemeClr>
+                </a:solidFill>
+              </a:defRPr>
             </a:lvl9pPr>
           </a:lstStyle>
           <a:p>
@@ -695,18 +737,13 @@
               <a:rPr lang="en-US"/>
               <a:t>Click to edit Master subtitle style</a:t>
             </a:r>
-          </a:p>
-        </p:txBody>
-      </p:sp>
-      <p:sp>
-        <p:nvSpPr>
-          <p:cNvPr id="4" name="Date Placeholder 3">
-            <a:extLst>
-              <a:ext uri="{FF2B5EF4-FFF2-40B4-BE49-F238E27FC236}">
-                <a16:creationId xmlns:a16="http://schemas.microsoft.com/office/drawing/2014/main" id="{DA3FC861-8C73-9887-3922-A34121B3ED82}"/>
-              </a:ext>
-            </a:extLst>
-          </p:cNvPr>
+            <a:endParaRPr lang="en-US" dirty="0"/>
+          </a:p>
+        </p:txBody>
+      </p:sp>
+      <p:sp>
+        <p:nvSpPr>
+          <p:cNvPr id="4" name="Date Placeholder 3"/>
           <p:cNvSpPr>
             <a:spLocks noGrp="1"/>
           </p:cNvSpPr>
@@ -721,7 +758,7 @@
           <a:p>
             <a:fld id="{C5CF9B54-0771-4619-91C6-80D4996C31DE}" type="datetimeFigureOut">
               <a:rPr lang="en-US" smtClean="0"/>
-              <a:t>12/11/2025</a:t>
+              <a:t>12/12/2025</a:t>
             </a:fld>
             <a:endParaRPr lang="en-US"/>
           </a:p>
@@ -729,13 +766,7 @@
       </p:sp>
       <p:sp>
         <p:nvSpPr>
-          <p:cNvPr id="5" name="Footer Placeholder 4">
-            <a:extLst>
-              <a:ext uri="{FF2B5EF4-FFF2-40B4-BE49-F238E27FC236}">
-                <a16:creationId xmlns:a16="http://schemas.microsoft.com/office/drawing/2014/main" id="{5D781905-0688-A990-254D-8F759A3C8C20}"/>
-              </a:ext>
-            </a:extLst>
-          </p:cNvPr>
+          <p:cNvPr id="5" name="Footer Placeholder 4"/>
           <p:cNvSpPr>
             <a:spLocks noGrp="1"/>
           </p:cNvSpPr>
@@ -754,13 +785,7 @@
       </p:sp>
       <p:sp>
         <p:nvSpPr>
-          <p:cNvPr id="6" name="Slide Number Placeholder 5">
-            <a:extLst>
-              <a:ext uri="{FF2B5EF4-FFF2-40B4-BE49-F238E27FC236}">
-                <a16:creationId xmlns:a16="http://schemas.microsoft.com/office/drawing/2014/main" id="{C3939440-F8D8-12B9-B360-C9271C033351}"/>
-              </a:ext>
-            </a:extLst>
-          </p:cNvPr>
+          <p:cNvPr id="6" name="Slide Number Placeholder 5"/>
           <p:cNvSpPr>
             <a:spLocks noGrp="1"/>
           </p:cNvSpPr>
@@ -784,7 +809,7 @@
     </p:spTree>
     <p:extLst>
       <p:ext uri="{BB962C8B-B14F-4D97-AF65-F5344CB8AC3E}">
-        <p14:creationId xmlns:p14="http://schemas.microsoft.com/office/powerpoint/2010/main" val="1296496286"/>
+        <p14:creationId xmlns:p14="http://schemas.microsoft.com/office/powerpoint/2010/main" val="2292941399"/>
       </p:ext>
     </p:extLst>
   </p:cSld>
@@ -795,6 +820,2582 @@
 </file>
 
 <file path=ppt/slideLayouts/slideLayout10.xml><?xml version="1.0" encoding="utf-8"?>
+<p:sldLayout xmlns:a="http://schemas.openxmlformats.org/drawingml/2006/main" xmlns:r="http://schemas.openxmlformats.org/officeDocument/2006/relationships" xmlns:p="http://schemas.openxmlformats.org/presentationml/2006/main" preserve="1">
+  <p:cSld name="Panoramic Picture with Caption">
+    <p:spTree>
+      <p:nvGrpSpPr>
+        <p:cNvPr id="1" name=""/>
+        <p:cNvGrpSpPr/>
+        <p:nvPr/>
+      </p:nvGrpSpPr>
+      <p:grpSpPr>
+        <a:xfrm>
+          <a:off x="0" y="0"/>
+          <a:ext cx="0" cy="0"/>
+          <a:chOff x="0" y="0"/>
+          <a:chExt cx="0" cy="0"/>
+        </a:xfrm>
+      </p:grpSpPr>
+      <p:pic>
+        <p:nvPicPr>
+          <p:cNvPr id="16" name="Picture 15" descr="Slate-V2-HD-panoPhotoInset.png"/>
+          <p:cNvPicPr>
+            <a:picLocks noChangeAspect="1"/>
+          </p:cNvPicPr>
+          <p:nvPr/>
+        </p:nvPicPr>
+        <p:blipFill>
+          <a:blip r:embed="rId2">
+            <a:extLst>
+              <a:ext uri="{28A0092B-C50C-407E-A947-70E740481C1C}">
+                <a14:useLocalDpi xmlns:a14="http://schemas.microsoft.com/office/drawing/2010/main" val="0"/>
+              </a:ext>
+            </a:extLst>
+          </a:blip>
+          <a:stretch>
+            <a:fillRect/>
+          </a:stretch>
+        </p:blipFill>
+        <p:spPr>
+          <a:xfrm>
+            <a:off x="1013883" y="547807"/>
+            <a:ext cx="10141799" cy="3816806"/>
+          </a:xfrm>
+          <a:prstGeom prst="rect">
+            <a:avLst/>
+          </a:prstGeom>
+        </p:spPr>
+      </p:pic>
+      <p:sp>
+        <p:nvSpPr>
+          <p:cNvPr id="2" name="Title 1"/>
+          <p:cNvSpPr>
+            <a:spLocks noGrp="1"/>
+          </p:cNvSpPr>
+          <p:nvPr>
+            <p:ph type="title"/>
+          </p:nvPr>
+        </p:nvSpPr>
+        <p:spPr>
+          <a:xfrm>
+            <a:off x="913806" y="4565255"/>
+            <a:ext cx="10355326" cy="543472"/>
+          </a:xfrm>
+        </p:spPr>
+        <p:txBody>
+          <a:bodyPr anchor="b">
+            <a:normAutofit/>
+          </a:bodyPr>
+          <a:lstStyle>
+            <a:lvl1pPr algn="ctr">
+              <a:defRPr sz="2800"/>
+            </a:lvl1pPr>
+          </a:lstStyle>
+          <a:p>
+            <a:r>
+              <a:rPr lang="en-US"/>
+              <a:t>Click to edit Master title style</a:t>
+            </a:r>
+            <a:endParaRPr lang="en-US" dirty="0"/>
+          </a:p>
+        </p:txBody>
+      </p:sp>
+      <p:sp>
+        <p:nvSpPr>
+          <p:cNvPr id="3" name="Picture Placeholder 2"/>
+          <p:cNvSpPr>
+            <a:spLocks noGrp="1" noChangeAspect="1"/>
+          </p:cNvSpPr>
+          <p:nvPr>
+            <p:ph type="pic" idx="1"/>
+          </p:nvPr>
+        </p:nvSpPr>
+        <p:spPr>
+          <a:xfrm>
+            <a:off x="1169349" y="695009"/>
+            <a:ext cx="9845346" cy="3525671"/>
+          </a:xfrm>
+          <a:effectLst>
+            <a:outerShdw blurRad="38100" dist="25400" dir="4440000">
+              <a:srgbClr val="000000">
+                <a:alpha val="36000"/>
+              </a:srgbClr>
+            </a:outerShdw>
+          </a:effectLst>
+        </p:spPr>
+        <p:txBody>
+          <a:bodyPr anchor="t">
+            <a:normAutofit/>
+          </a:bodyPr>
+          <a:lstStyle>
+            <a:lvl1pPr marL="0" indent="0" algn="ctr">
+              <a:buNone/>
+              <a:defRPr sz="2000"/>
+            </a:lvl1pPr>
+            <a:lvl2pPr marL="457200" indent="0">
+              <a:buNone/>
+              <a:defRPr sz="2000"/>
+            </a:lvl2pPr>
+            <a:lvl3pPr marL="914400" indent="0">
+              <a:buNone/>
+              <a:defRPr sz="2000"/>
+            </a:lvl3pPr>
+            <a:lvl4pPr marL="1371600" indent="0">
+              <a:buNone/>
+              <a:defRPr sz="2000"/>
+            </a:lvl4pPr>
+            <a:lvl5pPr marL="1828800" indent="0">
+              <a:buNone/>
+              <a:defRPr sz="2000"/>
+            </a:lvl5pPr>
+            <a:lvl6pPr marL="2286000" indent="0">
+              <a:buNone/>
+              <a:defRPr sz="2000"/>
+            </a:lvl6pPr>
+            <a:lvl7pPr marL="2743200" indent="0">
+              <a:buNone/>
+              <a:defRPr sz="2000"/>
+            </a:lvl7pPr>
+            <a:lvl8pPr marL="3200400" indent="0">
+              <a:buNone/>
+              <a:defRPr sz="2000"/>
+            </a:lvl8pPr>
+            <a:lvl9pPr marL="3657600" indent="0">
+              <a:buNone/>
+              <a:defRPr sz="2000"/>
+            </a:lvl9pPr>
+          </a:lstStyle>
+          <a:p>
+            <a:r>
+              <a:rPr lang="en-US"/>
+              <a:t>Click icon to add picture</a:t>
+            </a:r>
+            <a:endParaRPr lang="en-US" dirty="0"/>
+          </a:p>
+        </p:txBody>
+      </p:sp>
+      <p:sp>
+        <p:nvSpPr>
+          <p:cNvPr id="4" name="Text Placeholder 3"/>
+          <p:cNvSpPr>
+            <a:spLocks noGrp="1"/>
+          </p:cNvSpPr>
+          <p:nvPr>
+            <p:ph type="body" sz="half" idx="2"/>
+          </p:nvPr>
+        </p:nvSpPr>
+        <p:spPr>
+          <a:xfrm>
+            <a:off x="913795" y="5108728"/>
+            <a:ext cx="10353762" cy="682472"/>
+          </a:xfrm>
+        </p:spPr>
+        <p:txBody>
+          <a:bodyPr anchor="t"/>
+          <a:lstStyle>
+            <a:lvl1pPr marL="0" indent="0" algn="ctr">
+              <a:buNone/>
+              <a:defRPr sz="1600"/>
+            </a:lvl1pPr>
+            <a:lvl2pPr marL="457200" indent="0">
+              <a:buNone/>
+              <a:defRPr sz="1400"/>
+            </a:lvl2pPr>
+            <a:lvl3pPr marL="914400" indent="0">
+              <a:buNone/>
+              <a:defRPr sz="1200"/>
+            </a:lvl3pPr>
+            <a:lvl4pPr marL="1371600" indent="0">
+              <a:buNone/>
+              <a:defRPr sz="1000"/>
+            </a:lvl4pPr>
+            <a:lvl5pPr marL="1828800" indent="0">
+              <a:buNone/>
+              <a:defRPr sz="1000"/>
+            </a:lvl5pPr>
+            <a:lvl6pPr marL="2286000" indent="0">
+              <a:buNone/>
+              <a:defRPr sz="1000"/>
+            </a:lvl6pPr>
+            <a:lvl7pPr marL="2743200" indent="0">
+              <a:buNone/>
+              <a:defRPr sz="1000"/>
+            </a:lvl7pPr>
+            <a:lvl8pPr marL="3200400" indent="0">
+              <a:buNone/>
+              <a:defRPr sz="1000"/>
+            </a:lvl8pPr>
+            <a:lvl9pPr marL="3657600" indent="0">
+              <a:buNone/>
+              <a:defRPr sz="1000"/>
+            </a:lvl9pPr>
+          </a:lstStyle>
+          <a:p>
+            <a:pPr lvl="0"/>
+            <a:r>
+              <a:rPr lang="en-US"/>
+              <a:t>Click to edit Master text styles</a:t>
+            </a:r>
+          </a:p>
+        </p:txBody>
+      </p:sp>
+      <p:sp>
+        <p:nvSpPr>
+          <p:cNvPr id="5" name="Date Placeholder 4"/>
+          <p:cNvSpPr>
+            <a:spLocks noGrp="1"/>
+          </p:cNvSpPr>
+          <p:nvPr>
+            <p:ph type="dt" sz="half" idx="10"/>
+          </p:nvPr>
+        </p:nvSpPr>
+        <p:spPr/>
+        <p:txBody>
+          <a:bodyPr/>
+          <a:lstStyle/>
+          <a:p>
+            <a:fld id="{C5CF9B54-0771-4619-91C6-80D4996C31DE}" type="datetimeFigureOut">
+              <a:rPr lang="en-US" smtClean="0"/>
+              <a:t>12/12/2025</a:t>
+            </a:fld>
+            <a:endParaRPr lang="en-US"/>
+          </a:p>
+        </p:txBody>
+      </p:sp>
+      <p:sp>
+        <p:nvSpPr>
+          <p:cNvPr id="6" name="Footer Placeholder 5"/>
+          <p:cNvSpPr>
+            <a:spLocks noGrp="1"/>
+          </p:cNvSpPr>
+          <p:nvPr>
+            <p:ph type="ftr" sz="quarter" idx="11"/>
+          </p:nvPr>
+        </p:nvSpPr>
+        <p:spPr/>
+        <p:txBody>
+          <a:bodyPr/>
+          <a:lstStyle/>
+          <a:p>
+            <a:endParaRPr lang="en-US"/>
+          </a:p>
+        </p:txBody>
+      </p:sp>
+      <p:sp>
+        <p:nvSpPr>
+          <p:cNvPr id="7" name="Slide Number Placeholder 6"/>
+          <p:cNvSpPr>
+            <a:spLocks noGrp="1"/>
+          </p:cNvSpPr>
+          <p:nvPr>
+            <p:ph type="sldNum" sz="quarter" idx="12"/>
+          </p:nvPr>
+        </p:nvSpPr>
+        <p:spPr/>
+        <p:txBody>
+          <a:bodyPr/>
+          <a:lstStyle/>
+          <a:p>
+            <a:fld id="{F0F86407-91C0-4290-8AE1-6C6F7D4BDE86}" type="slidenum">
+              <a:rPr lang="en-US" smtClean="0"/>
+              <a:t>‹#›</a:t>
+            </a:fld>
+            <a:endParaRPr lang="en-US"/>
+          </a:p>
+        </p:txBody>
+      </p:sp>
+    </p:spTree>
+    <p:extLst>
+      <p:ext uri="{BB962C8B-B14F-4D97-AF65-F5344CB8AC3E}">
+        <p14:creationId xmlns:p14="http://schemas.microsoft.com/office/powerpoint/2010/main" val="1984382654"/>
+      </p:ext>
+    </p:extLst>
+  </p:cSld>
+  <p:clrMapOvr>
+    <a:masterClrMapping/>
+  </p:clrMapOvr>
+</p:sldLayout>
+</file>
+
+<file path=ppt/slideLayouts/slideLayout11.xml><?xml version="1.0" encoding="utf-8"?>
+<p:sldLayout xmlns:a="http://schemas.openxmlformats.org/drawingml/2006/main" xmlns:r="http://schemas.openxmlformats.org/officeDocument/2006/relationships" xmlns:p="http://schemas.openxmlformats.org/presentationml/2006/main" preserve="1">
+  <p:cSld name="Title and Caption">
+    <p:spTree>
+      <p:nvGrpSpPr>
+        <p:cNvPr id="1" name=""/>
+        <p:cNvGrpSpPr/>
+        <p:nvPr/>
+      </p:nvGrpSpPr>
+      <p:grpSpPr>
+        <a:xfrm>
+          <a:off x="0" y="0"/>
+          <a:ext cx="0" cy="0"/>
+          <a:chOff x="0" y="0"/>
+          <a:chExt cx="0" cy="0"/>
+        </a:xfrm>
+      </p:grpSpPr>
+      <p:sp>
+        <p:nvSpPr>
+          <p:cNvPr id="2" name="Title 1"/>
+          <p:cNvSpPr>
+            <a:spLocks noGrp="1"/>
+          </p:cNvSpPr>
+          <p:nvPr>
+            <p:ph type="title"/>
+          </p:nvPr>
+        </p:nvSpPr>
+        <p:spPr>
+          <a:xfrm>
+            <a:off x="913795" y="608437"/>
+            <a:ext cx="10353762" cy="3534344"/>
+          </a:xfrm>
+        </p:spPr>
+        <p:txBody>
+          <a:bodyPr anchor="ctr"/>
+          <a:lstStyle>
+            <a:lvl1pPr>
+              <a:defRPr sz="3200"/>
+            </a:lvl1pPr>
+          </a:lstStyle>
+          <a:p>
+            <a:r>
+              <a:rPr lang="en-US"/>
+              <a:t>Click to edit Master title style</a:t>
+            </a:r>
+            <a:endParaRPr lang="en-US" dirty="0"/>
+          </a:p>
+        </p:txBody>
+      </p:sp>
+      <p:sp>
+        <p:nvSpPr>
+          <p:cNvPr id="4" name="Text Placeholder 3"/>
+          <p:cNvSpPr>
+            <a:spLocks noGrp="1"/>
+          </p:cNvSpPr>
+          <p:nvPr>
+            <p:ph type="body" sz="half" idx="2"/>
+          </p:nvPr>
+        </p:nvSpPr>
+        <p:spPr>
+          <a:xfrm>
+            <a:off x="913794" y="4295180"/>
+            <a:ext cx="10353763" cy="1501826"/>
+          </a:xfrm>
+        </p:spPr>
+        <p:txBody>
+          <a:bodyPr anchor="ctr"/>
+          <a:lstStyle>
+            <a:lvl1pPr marL="0" indent="0" algn="ctr">
+              <a:buNone/>
+              <a:defRPr sz="1600"/>
+            </a:lvl1pPr>
+            <a:lvl2pPr marL="457200" indent="0">
+              <a:buNone/>
+              <a:defRPr sz="1400"/>
+            </a:lvl2pPr>
+            <a:lvl3pPr marL="914400" indent="0">
+              <a:buNone/>
+              <a:defRPr sz="1200"/>
+            </a:lvl3pPr>
+            <a:lvl4pPr marL="1371600" indent="0">
+              <a:buNone/>
+              <a:defRPr sz="1000"/>
+            </a:lvl4pPr>
+            <a:lvl5pPr marL="1828800" indent="0">
+              <a:buNone/>
+              <a:defRPr sz="1000"/>
+            </a:lvl5pPr>
+            <a:lvl6pPr marL="2286000" indent="0">
+              <a:buNone/>
+              <a:defRPr sz="1000"/>
+            </a:lvl6pPr>
+            <a:lvl7pPr marL="2743200" indent="0">
+              <a:buNone/>
+              <a:defRPr sz="1000"/>
+            </a:lvl7pPr>
+            <a:lvl8pPr marL="3200400" indent="0">
+              <a:buNone/>
+              <a:defRPr sz="1000"/>
+            </a:lvl8pPr>
+            <a:lvl9pPr marL="3657600" indent="0">
+              <a:buNone/>
+              <a:defRPr sz="1000"/>
+            </a:lvl9pPr>
+          </a:lstStyle>
+          <a:p>
+            <a:pPr lvl="0"/>
+            <a:r>
+              <a:rPr lang="en-US"/>
+              <a:t>Click to edit Master text styles</a:t>
+            </a:r>
+          </a:p>
+        </p:txBody>
+      </p:sp>
+      <p:sp>
+        <p:nvSpPr>
+          <p:cNvPr id="5" name="Date Placeholder 4"/>
+          <p:cNvSpPr>
+            <a:spLocks noGrp="1"/>
+          </p:cNvSpPr>
+          <p:nvPr>
+            <p:ph type="dt" sz="half" idx="10"/>
+          </p:nvPr>
+        </p:nvSpPr>
+        <p:spPr/>
+        <p:txBody>
+          <a:bodyPr/>
+          <a:lstStyle/>
+          <a:p>
+            <a:fld id="{C5CF9B54-0771-4619-91C6-80D4996C31DE}" type="datetimeFigureOut">
+              <a:rPr lang="en-US" smtClean="0"/>
+              <a:t>12/12/2025</a:t>
+            </a:fld>
+            <a:endParaRPr lang="en-US"/>
+          </a:p>
+        </p:txBody>
+      </p:sp>
+      <p:sp>
+        <p:nvSpPr>
+          <p:cNvPr id="6" name="Footer Placeholder 5"/>
+          <p:cNvSpPr>
+            <a:spLocks noGrp="1"/>
+          </p:cNvSpPr>
+          <p:nvPr>
+            <p:ph type="ftr" sz="quarter" idx="11"/>
+          </p:nvPr>
+        </p:nvSpPr>
+        <p:spPr/>
+        <p:txBody>
+          <a:bodyPr/>
+          <a:lstStyle/>
+          <a:p>
+            <a:endParaRPr lang="en-US"/>
+          </a:p>
+        </p:txBody>
+      </p:sp>
+      <p:sp>
+        <p:nvSpPr>
+          <p:cNvPr id="7" name="Slide Number Placeholder 6"/>
+          <p:cNvSpPr>
+            <a:spLocks noGrp="1"/>
+          </p:cNvSpPr>
+          <p:nvPr>
+            <p:ph type="sldNum" sz="quarter" idx="12"/>
+          </p:nvPr>
+        </p:nvSpPr>
+        <p:spPr/>
+        <p:txBody>
+          <a:bodyPr/>
+          <a:lstStyle/>
+          <a:p>
+            <a:fld id="{F0F86407-91C0-4290-8AE1-6C6F7D4BDE86}" type="slidenum">
+              <a:rPr lang="en-US" smtClean="0"/>
+              <a:t>‹#›</a:t>
+            </a:fld>
+            <a:endParaRPr lang="en-US"/>
+          </a:p>
+        </p:txBody>
+      </p:sp>
+    </p:spTree>
+    <p:extLst>
+      <p:ext uri="{BB962C8B-B14F-4D97-AF65-F5344CB8AC3E}">
+        <p14:creationId xmlns:p14="http://schemas.microsoft.com/office/powerpoint/2010/main" val="4207778073"/>
+      </p:ext>
+    </p:extLst>
+  </p:cSld>
+  <p:clrMapOvr>
+    <a:masterClrMapping/>
+  </p:clrMapOvr>
+</p:sldLayout>
+</file>
+
+<file path=ppt/slideLayouts/slideLayout12.xml><?xml version="1.0" encoding="utf-8"?>
+<p:sldLayout xmlns:a="http://schemas.openxmlformats.org/drawingml/2006/main" xmlns:r="http://schemas.openxmlformats.org/officeDocument/2006/relationships" xmlns:p="http://schemas.openxmlformats.org/presentationml/2006/main" preserve="1">
+  <p:cSld name="Quote with Caption">
+    <p:spTree>
+      <p:nvGrpSpPr>
+        <p:cNvPr id="1" name=""/>
+        <p:cNvGrpSpPr/>
+        <p:nvPr/>
+      </p:nvGrpSpPr>
+      <p:grpSpPr>
+        <a:xfrm>
+          <a:off x="0" y="0"/>
+          <a:ext cx="0" cy="0"/>
+          <a:chOff x="0" y="0"/>
+          <a:chExt cx="0" cy="0"/>
+        </a:xfrm>
+      </p:grpSpPr>
+      <p:sp>
+        <p:nvSpPr>
+          <p:cNvPr id="2" name="Title 1"/>
+          <p:cNvSpPr>
+            <a:spLocks noGrp="1"/>
+          </p:cNvSpPr>
+          <p:nvPr>
+            <p:ph type="title"/>
+          </p:nvPr>
+        </p:nvSpPr>
+        <p:spPr>
+          <a:xfrm>
+            <a:off x="1446212" y="609600"/>
+            <a:ext cx="9302752" cy="2992904"/>
+          </a:xfrm>
+        </p:spPr>
+        <p:txBody>
+          <a:bodyPr anchor="ctr"/>
+          <a:lstStyle>
+            <a:lvl1pPr>
+              <a:defRPr sz="3200"/>
+            </a:lvl1pPr>
+          </a:lstStyle>
+          <a:p>
+            <a:r>
+              <a:rPr lang="en-US"/>
+              <a:t>Click to edit Master title style</a:t>
+            </a:r>
+            <a:endParaRPr lang="en-US" dirty="0"/>
+          </a:p>
+        </p:txBody>
+      </p:sp>
+      <p:sp>
+        <p:nvSpPr>
+          <p:cNvPr id="12" name="Text Placeholder 3"/>
+          <p:cNvSpPr>
+            <a:spLocks noGrp="1"/>
+          </p:cNvSpPr>
+          <p:nvPr>
+            <p:ph type="body" sz="half" idx="13"/>
+          </p:nvPr>
+        </p:nvSpPr>
+        <p:spPr>
+          <a:xfrm>
+            <a:off x="1720644" y="3610032"/>
+            <a:ext cx="8752299" cy="532749"/>
+          </a:xfrm>
+        </p:spPr>
+        <p:txBody>
+          <a:bodyPr anchor="t">
+            <a:normAutofit/>
+          </a:bodyPr>
+          <a:lstStyle>
+            <a:lvl1pPr marL="0" indent="0" algn="r">
+              <a:buNone/>
+              <a:defRPr sz="1400"/>
+            </a:lvl1pPr>
+            <a:lvl2pPr marL="457200" indent="0">
+              <a:buNone/>
+              <a:defRPr sz="1400"/>
+            </a:lvl2pPr>
+            <a:lvl3pPr marL="914400" indent="0">
+              <a:buNone/>
+              <a:defRPr sz="1200"/>
+            </a:lvl3pPr>
+            <a:lvl4pPr marL="1371600" indent="0">
+              <a:buNone/>
+              <a:defRPr sz="1000"/>
+            </a:lvl4pPr>
+            <a:lvl5pPr marL="1828800" indent="0">
+              <a:buNone/>
+              <a:defRPr sz="1000"/>
+            </a:lvl5pPr>
+            <a:lvl6pPr marL="2286000" indent="0">
+              <a:buNone/>
+              <a:defRPr sz="1000"/>
+            </a:lvl6pPr>
+            <a:lvl7pPr marL="2743200" indent="0">
+              <a:buNone/>
+              <a:defRPr sz="1000"/>
+            </a:lvl7pPr>
+            <a:lvl8pPr marL="3200400" indent="0">
+              <a:buNone/>
+              <a:defRPr sz="1000"/>
+            </a:lvl8pPr>
+            <a:lvl9pPr marL="3657600" indent="0">
+              <a:buNone/>
+              <a:defRPr sz="1000"/>
+            </a:lvl9pPr>
+          </a:lstStyle>
+          <a:p>
+            <a:pPr lvl="0"/>
+            <a:r>
+              <a:rPr lang="en-US"/>
+              <a:t>Click to edit Master text styles</a:t>
+            </a:r>
+          </a:p>
+        </p:txBody>
+      </p:sp>
+      <p:sp>
+        <p:nvSpPr>
+          <p:cNvPr id="4" name="Text Placeholder 3"/>
+          <p:cNvSpPr>
+            <a:spLocks noGrp="1"/>
+          </p:cNvSpPr>
+          <p:nvPr>
+            <p:ph type="body" sz="half" idx="2"/>
+          </p:nvPr>
+        </p:nvSpPr>
+        <p:spPr>
+          <a:xfrm>
+            <a:off x="913794" y="4304353"/>
+            <a:ext cx="10353763" cy="1489496"/>
+          </a:xfrm>
+        </p:spPr>
+        <p:txBody>
+          <a:bodyPr anchor="ctr">
+            <a:normAutofit/>
+          </a:bodyPr>
+          <a:lstStyle>
+            <a:lvl1pPr marL="0" indent="0" algn="ctr">
+              <a:buNone/>
+              <a:defRPr sz="1600"/>
+            </a:lvl1pPr>
+            <a:lvl2pPr marL="457200" indent="0">
+              <a:buNone/>
+              <a:defRPr sz="1400"/>
+            </a:lvl2pPr>
+            <a:lvl3pPr marL="914400" indent="0">
+              <a:buNone/>
+              <a:defRPr sz="1200"/>
+            </a:lvl3pPr>
+            <a:lvl4pPr marL="1371600" indent="0">
+              <a:buNone/>
+              <a:defRPr sz="1000"/>
+            </a:lvl4pPr>
+            <a:lvl5pPr marL="1828800" indent="0">
+              <a:buNone/>
+              <a:defRPr sz="1000"/>
+            </a:lvl5pPr>
+            <a:lvl6pPr marL="2286000" indent="0">
+              <a:buNone/>
+              <a:defRPr sz="1000"/>
+            </a:lvl6pPr>
+            <a:lvl7pPr marL="2743200" indent="0">
+              <a:buNone/>
+              <a:defRPr sz="1000"/>
+            </a:lvl7pPr>
+            <a:lvl8pPr marL="3200400" indent="0">
+              <a:buNone/>
+              <a:defRPr sz="1000"/>
+            </a:lvl8pPr>
+            <a:lvl9pPr marL="3657600" indent="0">
+              <a:buNone/>
+              <a:defRPr sz="1000"/>
+            </a:lvl9pPr>
+          </a:lstStyle>
+          <a:p>
+            <a:pPr lvl="0"/>
+            <a:r>
+              <a:rPr lang="en-US"/>
+              <a:t>Click to edit Master text styles</a:t>
+            </a:r>
+          </a:p>
+        </p:txBody>
+      </p:sp>
+      <p:sp>
+        <p:nvSpPr>
+          <p:cNvPr id="5" name="Date Placeholder 4"/>
+          <p:cNvSpPr>
+            <a:spLocks noGrp="1"/>
+          </p:cNvSpPr>
+          <p:nvPr>
+            <p:ph type="dt" sz="half" idx="10"/>
+          </p:nvPr>
+        </p:nvSpPr>
+        <p:spPr/>
+        <p:txBody>
+          <a:bodyPr/>
+          <a:lstStyle/>
+          <a:p>
+            <a:fld id="{C5CF9B54-0771-4619-91C6-80D4996C31DE}" type="datetimeFigureOut">
+              <a:rPr lang="en-US" smtClean="0"/>
+              <a:t>12/12/2025</a:t>
+            </a:fld>
+            <a:endParaRPr lang="en-US"/>
+          </a:p>
+        </p:txBody>
+      </p:sp>
+      <p:sp>
+        <p:nvSpPr>
+          <p:cNvPr id="6" name="Footer Placeholder 5"/>
+          <p:cNvSpPr>
+            <a:spLocks noGrp="1"/>
+          </p:cNvSpPr>
+          <p:nvPr>
+            <p:ph type="ftr" sz="quarter" idx="11"/>
+          </p:nvPr>
+        </p:nvSpPr>
+        <p:spPr/>
+        <p:txBody>
+          <a:bodyPr/>
+          <a:lstStyle/>
+          <a:p>
+            <a:endParaRPr lang="en-US"/>
+          </a:p>
+        </p:txBody>
+      </p:sp>
+      <p:sp>
+        <p:nvSpPr>
+          <p:cNvPr id="7" name="Slide Number Placeholder 6"/>
+          <p:cNvSpPr>
+            <a:spLocks noGrp="1"/>
+          </p:cNvSpPr>
+          <p:nvPr>
+            <p:ph type="sldNum" sz="quarter" idx="12"/>
+          </p:nvPr>
+        </p:nvSpPr>
+        <p:spPr/>
+        <p:txBody>
+          <a:bodyPr/>
+          <a:lstStyle/>
+          <a:p>
+            <a:fld id="{F0F86407-91C0-4290-8AE1-6C6F7D4BDE86}" type="slidenum">
+              <a:rPr lang="en-US" smtClean="0"/>
+              <a:t>‹#›</a:t>
+            </a:fld>
+            <a:endParaRPr lang="en-US"/>
+          </a:p>
+        </p:txBody>
+      </p:sp>
+      <p:sp>
+        <p:nvSpPr>
+          <p:cNvPr id="11" name="TextBox 10"/>
+          <p:cNvSpPr txBox="1"/>
+          <p:nvPr/>
+        </p:nvSpPr>
+        <p:spPr>
+          <a:xfrm>
+            <a:off x="990600" y="884796"/>
+            <a:ext cx="609600" cy="584776"/>
+          </a:xfrm>
+          <a:prstGeom prst="rect">
+            <a:avLst/>
+          </a:prstGeom>
+        </p:spPr>
+        <p:txBody>
+          <a:bodyPr vert="horz" lIns="91440" tIns="45720" rIns="91440" bIns="45720" rtlCol="0" anchor="ctr">
+            <a:noAutofit/>
+          </a:bodyPr>
+          <a:lstStyle>
+            <a:lvl1pPr>
+              <a:spcBef>
+                <a:spcPct val="0"/>
+              </a:spcBef>
+              <a:buNone/>
+              <a:defRPr sz="3200" b="0" cap="all">
+                <a:ln w="3175" cmpd="sng">
+                  <a:noFill/>
+                </a:ln>
+                <a:effectLst>
+                  <a:glow rad="38100">
+                    <a:schemeClr val="bg1">
+                      <a:lumMod val="65000"/>
+                      <a:lumOff val="35000"/>
+                      <a:alpha val="40000"/>
+                    </a:schemeClr>
+                  </a:glow>
+                  <a:outerShdw blurRad="28575" dist="38100" dir="14040000" algn="tl" rotWithShape="0">
+                    <a:srgbClr val="000000">
+                      <a:alpha val="25000"/>
+                    </a:srgbClr>
+                  </a:outerShdw>
+                </a:effectLst>
+              </a:defRPr>
+            </a:lvl1pPr>
+            <a:lvl2pPr>
+              <a:defRPr>
+                <a:solidFill>
+                  <a:schemeClr val="tx2"/>
+                </a:solidFill>
+              </a:defRPr>
+            </a:lvl2pPr>
+            <a:lvl3pPr>
+              <a:defRPr>
+                <a:solidFill>
+                  <a:schemeClr val="tx2"/>
+                </a:solidFill>
+              </a:defRPr>
+            </a:lvl3pPr>
+            <a:lvl4pPr>
+              <a:defRPr>
+                <a:solidFill>
+                  <a:schemeClr val="tx2"/>
+                </a:solidFill>
+              </a:defRPr>
+            </a:lvl4pPr>
+            <a:lvl5pPr>
+              <a:defRPr>
+                <a:solidFill>
+                  <a:schemeClr val="tx2"/>
+                </a:solidFill>
+              </a:defRPr>
+            </a:lvl5pPr>
+            <a:lvl6pPr>
+              <a:defRPr>
+                <a:solidFill>
+                  <a:schemeClr val="tx2"/>
+                </a:solidFill>
+              </a:defRPr>
+            </a:lvl6pPr>
+            <a:lvl7pPr>
+              <a:defRPr>
+                <a:solidFill>
+                  <a:schemeClr val="tx2"/>
+                </a:solidFill>
+              </a:defRPr>
+            </a:lvl7pPr>
+            <a:lvl8pPr>
+              <a:defRPr>
+                <a:solidFill>
+                  <a:schemeClr val="tx2"/>
+                </a:solidFill>
+              </a:defRPr>
+            </a:lvl8pPr>
+            <a:lvl9pPr>
+              <a:defRPr>
+                <a:solidFill>
+                  <a:schemeClr val="tx2"/>
+                </a:solidFill>
+              </a:defRPr>
+            </a:lvl9pPr>
+          </a:lstStyle>
+          <a:p>
+            <a:pPr lvl="0"/>
+            <a:r>
+              <a:rPr lang="en-US" sz="8000" dirty="0">
+                <a:solidFill>
+                  <a:schemeClr val="tx1"/>
+                </a:solidFill>
+                <a:effectLst/>
+              </a:rPr>
+              <a:t>“</a:t>
+            </a:r>
+          </a:p>
+        </p:txBody>
+      </p:sp>
+      <p:sp>
+        <p:nvSpPr>
+          <p:cNvPr id="13" name="TextBox 12"/>
+          <p:cNvSpPr txBox="1"/>
+          <p:nvPr/>
+        </p:nvSpPr>
+        <p:spPr>
+          <a:xfrm>
+            <a:off x="10504716" y="2928258"/>
+            <a:ext cx="609600" cy="584776"/>
+          </a:xfrm>
+          <a:prstGeom prst="rect">
+            <a:avLst/>
+          </a:prstGeom>
+        </p:spPr>
+        <p:txBody>
+          <a:bodyPr vert="horz" lIns="91440" tIns="45720" rIns="91440" bIns="45720" rtlCol="0" anchor="ctr">
+            <a:noAutofit/>
+          </a:bodyPr>
+          <a:lstStyle>
+            <a:lvl1pPr>
+              <a:spcBef>
+                <a:spcPct val="0"/>
+              </a:spcBef>
+              <a:buNone/>
+              <a:defRPr sz="3200" b="0" cap="all">
+                <a:ln w="3175" cmpd="sng">
+                  <a:noFill/>
+                </a:ln>
+                <a:effectLst>
+                  <a:glow rad="38100">
+                    <a:schemeClr val="bg1">
+                      <a:lumMod val="65000"/>
+                      <a:lumOff val="35000"/>
+                      <a:alpha val="40000"/>
+                    </a:schemeClr>
+                  </a:glow>
+                  <a:outerShdw blurRad="28575" dist="38100" dir="14040000" algn="tl" rotWithShape="0">
+                    <a:srgbClr val="000000">
+                      <a:alpha val="25000"/>
+                    </a:srgbClr>
+                  </a:outerShdw>
+                </a:effectLst>
+              </a:defRPr>
+            </a:lvl1pPr>
+            <a:lvl2pPr>
+              <a:defRPr>
+                <a:solidFill>
+                  <a:schemeClr val="tx2"/>
+                </a:solidFill>
+              </a:defRPr>
+            </a:lvl2pPr>
+            <a:lvl3pPr>
+              <a:defRPr>
+                <a:solidFill>
+                  <a:schemeClr val="tx2"/>
+                </a:solidFill>
+              </a:defRPr>
+            </a:lvl3pPr>
+            <a:lvl4pPr>
+              <a:defRPr>
+                <a:solidFill>
+                  <a:schemeClr val="tx2"/>
+                </a:solidFill>
+              </a:defRPr>
+            </a:lvl4pPr>
+            <a:lvl5pPr>
+              <a:defRPr>
+                <a:solidFill>
+                  <a:schemeClr val="tx2"/>
+                </a:solidFill>
+              </a:defRPr>
+            </a:lvl5pPr>
+            <a:lvl6pPr>
+              <a:defRPr>
+                <a:solidFill>
+                  <a:schemeClr val="tx2"/>
+                </a:solidFill>
+              </a:defRPr>
+            </a:lvl6pPr>
+            <a:lvl7pPr>
+              <a:defRPr>
+                <a:solidFill>
+                  <a:schemeClr val="tx2"/>
+                </a:solidFill>
+              </a:defRPr>
+            </a:lvl7pPr>
+            <a:lvl8pPr>
+              <a:defRPr>
+                <a:solidFill>
+                  <a:schemeClr val="tx2"/>
+                </a:solidFill>
+              </a:defRPr>
+            </a:lvl8pPr>
+            <a:lvl9pPr>
+              <a:defRPr>
+                <a:solidFill>
+                  <a:schemeClr val="tx2"/>
+                </a:solidFill>
+              </a:defRPr>
+            </a:lvl9pPr>
+          </a:lstStyle>
+          <a:p>
+            <a:pPr lvl="0" algn="r"/>
+            <a:r>
+              <a:rPr lang="en-US" sz="8000" dirty="0">
+                <a:solidFill>
+                  <a:schemeClr val="tx1"/>
+                </a:solidFill>
+                <a:effectLst/>
+              </a:rPr>
+              <a:t>”</a:t>
+            </a:r>
+          </a:p>
+        </p:txBody>
+      </p:sp>
+    </p:spTree>
+    <p:extLst>
+      <p:ext uri="{BB962C8B-B14F-4D97-AF65-F5344CB8AC3E}">
+        <p14:creationId xmlns:p14="http://schemas.microsoft.com/office/powerpoint/2010/main" val="2668449874"/>
+      </p:ext>
+    </p:extLst>
+  </p:cSld>
+  <p:clrMapOvr>
+    <a:masterClrMapping/>
+  </p:clrMapOvr>
+</p:sldLayout>
+</file>
+
+<file path=ppt/slideLayouts/slideLayout13.xml><?xml version="1.0" encoding="utf-8"?>
+<p:sldLayout xmlns:a="http://schemas.openxmlformats.org/drawingml/2006/main" xmlns:r="http://schemas.openxmlformats.org/officeDocument/2006/relationships" xmlns:p="http://schemas.openxmlformats.org/presentationml/2006/main" preserve="1">
+  <p:cSld name="Name Card">
+    <p:spTree>
+      <p:nvGrpSpPr>
+        <p:cNvPr id="1" name=""/>
+        <p:cNvGrpSpPr/>
+        <p:nvPr/>
+      </p:nvGrpSpPr>
+      <p:grpSpPr>
+        <a:xfrm>
+          <a:off x="0" y="0"/>
+          <a:ext cx="0" cy="0"/>
+          <a:chOff x="0" y="0"/>
+          <a:chExt cx="0" cy="0"/>
+        </a:xfrm>
+      </p:grpSpPr>
+      <p:sp>
+        <p:nvSpPr>
+          <p:cNvPr id="2" name="Title 1"/>
+          <p:cNvSpPr>
+            <a:spLocks noGrp="1"/>
+          </p:cNvSpPr>
+          <p:nvPr>
+            <p:ph type="title"/>
+          </p:nvPr>
+        </p:nvSpPr>
+        <p:spPr>
+          <a:xfrm>
+            <a:off x="913794" y="2126942"/>
+            <a:ext cx="10353763" cy="2511835"/>
+          </a:xfrm>
+        </p:spPr>
+        <p:txBody>
+          <a:bodyPr anchor="b"/>
+          <a:lstStyle>
+            <a:lvl1pPr>
+              <a:defRPr sz="3200"/>
+            </a:lvl1pPr>
+          </a:lstStyle>
+          <a:p>
+            <a:r>
+              <a:rPr lang="en-US"/>
+              <a:t>Click to edit Master title style</a:t>
+            </a:r>
+            <a:endParaRPr lang="en-US" dirty="0"/>
+          </a:p>
+        </p:txBody>
+      </p:sp>
+      <p:sp>
+        <p:nvSpPr>
+          <p:cNvPr id="4" name="Text Placeholder 3"/>
+          <p:cNvSpPr>
+            <a:spLocks noGrp="1"/>
+          </p:cNvSpPr>
+          <p:nvPr>
+            <p:ph type="body" sz="half" idx="2"/>
+          </p:nvPr>
+        </p:nvSpPr>
+        <p:spPr>
+          <a:xfrm>
+            <a:off x="913784" y="4650556"/>
+            <a:ext cx="10352199" cy="1140644"/>
+          </a:xfrm>
+        </p:spPr>
+        <p:txBody>
+          <a:bodyPr anchor="t"/>
+          <a:lstStyle>
+            <a:lvl1pPr marL="0" indent="0" algn="ctr">
+              <a:buNone/>
+              <a:defRPr sz="1600"/>
+            </a:lvl1pPr>
+            <a:lvl2pPr marL="457200" indent="0">
+              <a:buNone/>
+              <a:defRPr sz="1400"/>
+            </a:lvl2pPr>
+            <a:lvl3pPr marL="914400" indent="0">
+              <a:buNone/>
+              <a:defRPr sz="1200"/>
+            </a:lvl3pPr>
+            <a:lvl4pPr marL="1371600" indent="0">
+              <a:buNone/>
+              <a:defRPr sz="1000"/>
+            </a:lvl4pPr>
+            <a:lvl5pPr marL="1828800" indent="0">
+              <a:buNone/>
+              <a:defRPr sz="1000"/>
+            </a:lvl5pPr>
+            <a:lvl6pPr marL="2286000" indent="0">
+              <a:buNone/>
+              <a:defRPr sz="1000"/>
+            </a:lvl6pPr>
+            <a:lvl7pPr marL="2743200" indent="0">
+              <a:buNone/>
+              <a:defRPr sz="1000"/>
+            </a:lvl7pPr>
+            <a:lvl8pPr marL="3200400" indent="0">
+              <a:buNone/>
+              <a:defRPr sz="1000"/>
+            </a:lvl8pPr>
+            <a:lvl9pPr marL="3657600" indent="0">
+              <a:buNone/>
+              <a:defRPr sz="1000"/>
+            </a:lvl9pPr>
+          </a:lstStyle>
+          <a:p>
+            <a:pPr lvl="0"/>
+            <a:r>
+              <a:rPr lang="en-US"/>
+              <a:t>Click to edit Master text styles</a:t>
+            </a:r>
+          </a:p>
+        </p:txBody>
+      </p:sp>
+      <p:sp>
+        <p:nvSpPr>
+          <p:cNvPr id="5" name="Date Placeholder 4"/>
+          <p:cNvSpPr>
+            <a:spLocks noGrp="1"/>
+          </p:cNvSpPr>
+          <p:nvPr>
+            <p:ph type="dt" sz="half" idx="10"/>
+          </p:nvPr>
+        </p:nvSpPr>
+        <p:spPr/>
+        <p:txBody>
+          <a:bodyPr/>
+          <a:lstStyle/>
+          <a:p>
+            <a:fld id="{C5CF9B54-0771-4619-91C6-80D4996C31DE}" type="datetimeFigureOut">
+              <a:rPr lang="en-US" smtClean="0"/>
+              <a:t>12/12/2025</a:t>
+            </a:fld>
+            <a:endParaRPr lang="en-US"/>
+          </a:p>
+        </p:txBody>
+      </p:sp>
+      <p:sp>
+        <p:nvSpPr>
+          <p:cNvPr id="6" name="Footer Placeholder 5"/>
+          <p:cNvSpPr>
+            <a:spLocks noGrp="1"/>
+          </p:cNvSpPr>
+          <p:nvPr>
+            <p:ph type="ftr" sz="quarter" idx="11"/>
+          </p:nvPr>
+        </p:nvSpPr>
+        <p:spPr/>
+        <p:txBody>
+          <a:bodyPr/>
+          <a:lstStyle/>
+          <a:p>
+            <a:endParaRPr lang="en-US"/>
+          </a:p>
+        </p:txBody>
+      </p:sp>
+      <p:sp>
+        <p:nvSpPr>
+          <p:cNvPr id="7" name="Slide Number Placeholder 6"/>
+          <p:cNvSpPr>
+            <a:spLocks noGrp="1"/>
+          </p:cNvSpPr>
+          <p:nvPr>
+            <p:ph type="sldNum" sz="quarter" idx="12"/>
+          </p:nvPr>
+        </p:nvSpPr>
+        <p:spPr/>
+        <p:txBody>
+          <a:bodyPr/>
+          <a:lstStyle/>
+          <a:p>
+            <a:fld id="{F0F86407-91C0-4290-8AE1-6C6F7D4BDE86}" type="slidenum">
+              <a:rPr lang="en-US" smtClean="0"/>
+              <a:t>‹#›</a:t>
+            </a:fld>
+            <a:endParaRPr lang="en-US"/>
+          </a:p>
+        </p:txBody>
+      </p:sp>
+    </p:spTree>
+    <p:extLst>
+      <p:ext uri="{BB962C8B-B14F-4D97-AF65-F5344CB8AC3E}">
+        <p14:creationId xmlns:p14="http://schemas.microsoft.com/office/powerpoint/2010/main" val="3964641790"/>
+      </p:ext>
+    </p:extLst>
+  </p:cSld>
+  <p:clrMapOvr>
+    <a:masterClrMapping/>
+  </p:clrMapOvr>
+</p:sldLayout>
+</file>
+
+<file path=ppt/slideLayouts/slideLayout14.xml><?xml version="1.0" encoding="utf-8"?>
+<p:sldLayout xmlns:a="http://schemas.openxmlformats.org/drawingml/2006/main" xmlns:r="http://schemas.openxmlformats.org/officeDocument/2006/relationships" xmlns:p="http://schemas.openxmlformats.org/presentationml/2006/main" preserve="1">
+  <p:cSld name="3 Column">
+    <p:spTree>
+      <p:nvGrpSpPr>
+        <p:cNvPr id="1" name=""/>
+        <p:cNvGrpSpPr/>
+        <p:nvPr/>
+      </p:nvGrpSpPr>
+      <p:grpSpPr>
+        <a:xfrm>
+          <a:off x="0" y="0"/>
+          <a:ext cx="0" cy="0"/>
+          <a:chOff x="0" y="0"/>
+          <a:chExt cx="0" cy="0"/>
+        </a:xfrm>
+      </p:grpSpPr>
+      <p:sp>
+        <p:nvSpPr>
+          <p:cNvPr id="15" name="Title 1"/>
+          <p:cNvSpPr>
+            <a:spLocks noGrp="1"/>
+          </p:cNvSpPr>
+          <p:nvPr>
+            <p:ph type="title"/>
+          </p:nvPr>
+        </p:nvSpPr>
+        <p:spPr>
+          <a:xfrm>
+            <a:off x="913795" y="609600"/>
+            <a:ext cx="10353762" cy="970450"/>
+          </a:xfrm>
+        </p:spPr>
+        <p:txBody>
+          <a:bodyPr/>
+          <a:lstStyle/>
+          <a:p>
+            <a:r>
+              <a:rPr lang="en-US"/>
+              <a:t>Click to edit Master title style</a:t>
+            </a:r>
+            <a:endParaRPr lang="en-US" dirty="0"/>
+          </a:p>
+        </p:txBody>
+      </p:sp>
+      <p:sp>
+        <p:nvSpPr>
+          <p:cNvPr id="7" name="Text Placeholder 2"/>
+          <p:cNvSpPr>
+            <a:spLocks noGrp="1"/>
+          </p:cNvSpPr>
+          <p:nvPr>
+            <p:ph type="body" idx="1"/>
+          </p:nvPr>
+        </p:nvSpPr>
+        <p:spPr>
+          <a:xfrm>
+            <a:off x="913795" y="1885950"/>
+            <a:ext cx="3300984" cy="576262"/>
+          </a:xfrm>
+        </p:spPr>
+        <p:txBody>
+          <a:bodyPr anchor="b">
+            <a:noAutofit/>
+          </a:bodyPr>
+          <a:lstStyle>
+            <a:lvl1pPr marL="0" indent="0" algn="ctr">
+              <a:buNone/>
+              <a:defRPr sz="2400" b="0">
+                <a:solidFill>
+                  <a:schemeClr val="tx1"/>
+                </a:solidFill>
+              </a:defRPr>
+            </a:lvl1pPr>
+            <a:lvl2pPr marL="457200" indent="0">
+              <a:buNone/>
+              <a:defRPr sz="2000" b="1"/>
+            </a:lvl2pPr>
+            <a:lvl3pPr marL="914400" indent="0">
+              <a:buNone/>
+              <a:defRPr sz="1800" b="1"/>
+            </a:lvl3pPr>
+            <a:lvl4pPr marL="1371600" indent="0">
+              <a:buNone/>
+              <a:defRPr sz="1600" b="1"/>
+            </a:lvl4pPr>
+            <a:lvl5pPr marL="1828800" indent="0">
+              <a:buNone/>
+              <a:defRPr sz="1600" b="1"/>
+            </a:lvl5pPr>
+            <a:lvl6pPr marL="2286000" indent="0">
+              <a:buNone/>
+              <a:defRPr sz="1600" b="1"/>
+            </a:lvl6pPr>
+            <a:lvl7pPr marL="2743200" indent="0">
+              <a:buNone/>
+              <a:defRPr sz="1600" b="1"/>
+            </a:lvl7pPr>
+            <a:lvl8pPr marL="3200400" indent="0">
+              <a:buNone/>
+              <a:defRPr sz="1600" b="1"/>
+            </a:lvl8pPr>
+            <a:lvl9pPr marL="3657600" indent="0">
+              <a:buNone/>
+              <a:defRPr sz="1600" b="1"/>
+            </a:lvl9pPr>
+          </a:lstStyle>
+          <a:p>
+            <a:pPr lvl="0"/>
+            <a:r>
+              <a:rPr lang="en-US"/>
+              <a:t>Click to edit Master text styles</a:t>
+            </a:r>
+          </a:p>
+        </p:txBody>
+      </p:sp>
+      <p:sp>
+        <p:nvSpPr>
+          <p:cNvPr id="8" name="Text Placeholder 3"/>
+          <p:cNvSpPr>
+            <a:spLocks noGrp="1"/>
+          </p:cNvSpPr>
+          <p:nvPr>
+            <p:ph type="body" sz="half" idx="15"/>
+          </p:nvPr>
+        </p:nvSpPr>
+        <p:spPr>
+          <a:xfrm>
+            <a:off x="913795" y="2571750"/>
+            <a:ext cx="3300984" cy="3219450"/>
+          </a:xfrm>
+        </p:spPr>
+        <p:txBody>
+          <a:bodyPr anchor="t">
+            <a:normAutofit/>
+          </a:bodyPr>
+          <a:lstStyle>
+            <a:lvl1pPr marL="0" indent="0" algn="ctr">
+              <a:buNone/>
+              <a:defRPr sz="1400"/>
+            </a:lvl1pPr>
+            <a:lvl2pPr marL="457200" indent="0">
+              <a:buNone/>
+              <a:defRPr sz="1200"/>
+            </a:lvl2pPr>
+            <a:lvl3pPr marL="914400" indent="0">
+              <a:buNone/>
+              <a:defRPr sz="1000"/>
+            </a:lvl3pPr>
+            <a:lvl4pPr marL="1371600" indent="0">
+              <a:buNone/>
+              <a:defRPr sz="900"/>
+            </a:lvl4pPr>
+            <a:lvl5pPr marL="1828800" indent="0">
+              <a:buNone/>
+              <a:defRPr sz="900"/>
+            </a:lvl5pPr>
+            <a:lvl6pPr marL="2286000" indent="0">
+              <a:buNone/>
+              <a:defRPr sz="900"/>
+            </a:lvl6pPr>
+            <a:lvl7pPr marL="2743200" indent="0">
+              <a:buNone/>
+              <a:defRPr sz="900"/>
+            </a:lvl7pPr>
+            <a:lvl8pPr marL="3200400" indent="0">
+              <a:buNone/>
+              <a:defRPr sz="900"/>
+            </a:lvl8pPr>
+            <a:lvl9pPr marL="3657600" indent="0">
+              <a:buNone/>
+              <a:defRPr sz="900"/>
+            </a:lvl9pPr>
+          </a:lstStyle>
+          <a:p>
+            <a:pPr lvl="0"/>
+            <a:r>
+              <a:rPr lang="en-US"/>
+              <a:t>Click to edit Master text styles</a:t>
+            </a:r>
+          </a:p>
+        </p:txBody>
+      </p:sp>
+      <p:sp>
+        <p:nvSpPr>
+          <p:cNvPr id="9" name="Text Placeholder 4"/>
+          <p:cNvSpPr>
+            <a:spLocks noGrp="1"/>
+          </p:cNvSpPr>
+          <p:nvPr>
+            <p:ph type="body" sz="quarter" idx="3"/>
+          </p:nvPr>
+        </p:nvSpPr>
+        <p:spPr>
+          <a:xfrm>
+            <a:off x="4446711" y="1885950"/>
+            <a:ext cx="3300984" cy="576262"/>
+          </a:xfrm>
+        </p:spPr>
+        <p:txBody>
+          <a:bodyPr anchor="b">
+            <a:noAutofit/>
+          </a:bodyPr>
+          <a:lstStyle>
+            <a:lvl1pPr marL="0" indent="0" algn="ctr">
+              <a:buNone/>
+              <a:defRPr sz="2400" b="0">
+                <a:solidFill>
+                  <a:schemeClr val="tx1"/>
+                </a:solidFill>
+              </a:defRPr>
+            </a:lvl1pPr>
+            <a:lvl2pPr marL="457200" indent="0">
+              <a:buNone/>
+              <a:defRPr sz="2000" b="1"/>
+            </a:lvl2pPr>
+            <a:lvl3pPr marL="914400" indent="0">
+              <a:buNone/>
+              <a:defRPr sz="1800" b="1"/>
+            </a:lvl3pPr>
+            <a:lvl4pPr marL="1371600" indent="0">
+              <a:buNone/>
+              <a:defRPr sz="1600" b="1"/>
+            </a:lvl4pPr>
+            <a:lvl5pPr marL="1828800" indent="0">
+              <a:buNone/>
+              <a:defRPr sz="1600" b="1"/>
+            </a:lvl5pPr>
+            <a:lvl6pPr marL="2286000" indent="0">
+              <a:buNone/>
+              <a:defRPr sz="1600" b="1"/>
+            </a:lvl6pPr>
+            <a:lvl7pPr marL="2743200" indent="0">
+              <a:buNone/>
+              <a:defRPr sz="1600" b="1"/>
+            </a:lvl7pPr>
+            <a:lvl8pPr marL="3200400" indent="0">
+              <a:buNone/>
+              <a:defRPr sz="1600" b="1"/>
+            </a:lvl8pPr>
+            <a:lvl9pPr marL="3657600" indent="0">
+              <a:buNone/>
+              <a:defRPr sz="1600" b="1"/>
+            </a:lvl9pPr>
+          </a:lstStyle>
+          <a:p>
+            <a:pPr lvl="0"/>
+            <a:r>
+              <a:rPr lang="en-US"/>
+              <a:t>Click to edit Master text styles</a:t>
+            </a:r>
+          </a:p>
+        </p:txBody>
+      </p:sp>
+      <p:sp>
+        <p:nvSpPr>
+          <p:cNvPr id="10" name="Text Placeholder 3"/>
+          <p:cNvSpPr>
+            <a:spLocks noGrp="1"/>
+          </p:cNvSpPr>
+          <p:nvPr>
+            <p:ph type="body" sz="half" idx="16"/>
+          </p:nvPr>
+        </p:nvSpPr>
+        <p:spPr>
+          <a:xfrm>
+            <a:off x="4441435" y="2571750"/>
+            <a:ext cx="3300984" cy="3219450"/>
+          </a:xfrm>
+        </p:spPr>
+        <p:txBody>
+          <a:bodyPr anchor="t">
+            <a:normAutofit/>
+          </a:bodyPr>
+          <a:lstStyle>
+            <a:lvl1pPr marL="0" indent="0" algn="ctr">
+              <a:buNone/>
+              <a:defRPr sz="1400"/>
+            </a:lvl1pPr>
+            <a:lvl2pPr marL="457200" indent="0">
+              <a:buNone/>
+              <a:defRPr sz="1200"/>
+            </a:lvl2pPr>
+            <a:lvl3pPr marL="914400" indent="0">
+              <a:buNone/>
+              <a:defRPr sz="1000"/>
+            </a:lvl3pPr>
+            <a:lvl4pPr marL="1371600" indent="0">
+              <a:buNone/>
+              <a:defRPr sz="900"/>
+            </a:lvl4pPr>
+            <a:lvl5pPr marL="1828800" indent="0">
+              <a:buNone/>
+              <a:defRPr sz="900"/>
+            </a:lvl5pPr>
+            <a:lvl6pPr marL="2286000" indent="0">
+              <a:buNone/>
+              <a:defRPr sz="900"/>
+            </a:lvl6pPr>
+            <a:lvl7pPr marL="2743200" indent="0">
+              <a:buNone/>
+              <a:defRPr sz="900"/>
+            </a:lvl7pPr>
+            <a:lvl8pPr marL="3200400" indent="0">
+              <a:buNone/>
+              <a:defRPr sz="900"/>
+            </a:lvl8pPr>
+            <a:lvl9pPr marL="3657600" indent="0">
+              <a:buNone/>
+              <a:defRPr sz="900"/>
+            </a:lvl9pPr>
+          </a:lstStyle>
+          <a:p>
+            <a:pPr lvl="0"/>
+            <a:r>
+              <a:rPr lang="en-US"/>
+              <a:t>Click to edit Master text styles</a:t>
+            </a:r>
+          </a:p>
+        </p:txBody>
+      </p:sp>
+      <p:sp>
+        <p:nvSpPr>
+          <p:cNvPr id="11" name="Text Placeholder 4"/>
+          <p:cNvSpPr>
+            <a:spLocks noGrp="1"/>
+          </p:cNvSpPr>
+          <p:nvPr>
+            <p:ph type="body" sz="quarter" idx="13"/>
+          </p:nvPr>
+        </p:nvSpPr>
+        <p:spPr>
+          <a:xfrm>
+            <a:off x="7966572" y="1885950"/>
+            <a:ext cx="3300984" cy="576262"/>
+          </a:xfrm>
+        </p:spPr>
+        <p:txBody>
+          <a:bodyPr anchor="b">
+            <a:noAutofit/>
+          </a:bodyPr>
+          <a:lstStyle>
+            <a:lvl1pPr marL="0" indent="0" algn="ctr">
+              <a:buNone/>
+              <a:defRPr sz="2400" b="0">
+                <a:solidFill>
+                  <a:schemeClr val="tx1"/>
+                </a:solidFill>
+              </a:defRPr>
+            </a:lvl1pPr>
+            <a:lvl2pPr marL="457200" indent="0">
+              <a:buNone/>
+              <a:defRPr sz="2000" b="1"/>
+            </a:lvl2pPr>
+            <a:lvl3pPr marL="914400" indent="0">
+              <a:buNone/>
+              <a:defRPr sz="1800" b="1"/>
+            </a:lvl3pPr>
+            <a:lvl4pPr marL="1371600" indent="0">
+              <a:buNone/>
+              <a:defRPr sz="1600" b="1"/>
+            </a:lvl4pPr>
+            <a:lvl5pPr marL="1828800" indent="0">
+              <a:buNone/>
+              <a:defRPr sz="1600" b="1"/>
+            </a:lvl5pPr>
+            <a:lvl6pPr marL="2286000" indent="0">
+              <a:buNone/>
+              <a:defRPr sz="1600" b="1"/>
+            </a:lvl6pPr>
+            <a:lvl7pPr marL="2743200" indent="0">
+              <a:buNone/>
+              <a:defRPr sz="1600" b="1"/>
+            </a:lvl7pPr>
+            <a:lvl8pPr marL="3200400" indent="0">
+              <a:buNone/>
+              <a:defRPr sz="1600" b="1"/>
+            </a:lvl8pPr>
+            <a:lvl9pPr marL="3657600" indent="0">
+              <a:buNone/>
+              <a:defRPr sz="1600" b="1"/>
+            </a:lvl9pPr>
+          </a:lstStyle>
+          <a:p>
+            <a:pPr lvl="0"/>
+            <a:r>
+              <a:rPr lang="en-US"/>
+              <a:t>Click to edit Master text styles</a:t>
+            </a:r>
+          </a:p>
+        </p:txBody>
+      </p:sp>
+      <p:sp>
+        <p:nvSpPr>
+          <p:cNvPr id="12" name="Text Placeholder 3"/>
+          <p:cNvSpPr>
+            <a:spLocks noGrp="1"/>
+          </p:cNvSpPr>
+          <p:nvPr>
+            <p:ph type="body" sz="half" idx="17"/>
+          </p:nvPr>
+        </p:nvSpPr>
+        <p:spPr>
+          <a:xfrm>
+            <a:off x="7966572" y="2571750"/>
+            <a:ext cx="3300984" cy="3219450"/>
+          </a:xfrm>
+        </p:spPr>
+        <p:txBody>
+          <a:bodyPr anchor="t">
+            <a:normAutofit/>
+          </a:bodyPr>
+          <a:lstStyle>
+            <a:lvl1pPr marL="0" indent="0" algn="ctr">
+              <a:buNone/>
+              <a:defRPr sz="1400"/>
+            </a:lvl1pPr>
+            <a:lvl2pPr marL="457200" indent="0">
+              <a:buNone/>
+              <a:defRPr sz="1200"/>
+            </a:lvl2pPr>
+            <a:lvl3pPr marL="914400" indent="0">
+              <a:buNone/>
+              <a:defRPr sz="1000"/>
+            </a:lvl3pPr>
+            <a:lvl4pPr marL="1371600" indent="0">
+              <a:buNone/>
+              <a:defRPr sz="900"/>
+            </a:lvl4pPr>
+            <a:lvl5pPr marL="1828800" indent="0">
+              <a:buNone/>
+              <a:defRPr sz="900"/>
+            </a:lvl5pPr>
+            <a:lvl6pPr marL="2286000" indent="0">
+              <a:buNone/>
+              <a:defRPr sz="900"/>
+            </a:lvl6pPr>
+            <a:lvl7pPr marL="2743200" indent="0">
+              <a:buNone/>
+              <a:defRPr sz="900"/>
+            </a:lvl7pPr>
+            <a:lvl8pPr marL="3200400" indent="0">
+              <a:buNone/>
+              <a:defRPr sz="900"/>
+            </a:lvl8pPr>
+            <a:lvl9pPr marL="3657600" indent="0">
+              <a:buNone/>
+              <a:defRPr sz="900"/>
+            </a:lvl9pPr>
+          </a:lstStyle>
+          <a:p>
+            <a:pPr lvl="0"/>
+            <a:r>
+              <a:rPr lang="en-US"/>
+              <a:t>Click to edit Master text styles</a:t>
+            </a:r>
+          </a:p>
+        </p:txBody>
+      </p:sp>
+      <p:sp>
+        <p:nvSpPr>
+          <p:cNvPr id="3" name="Date Placeholder 2"/>
+          <p:cNvSpPr>
+            <a:spLocks noGrp="1"/>
+          </p:cNvSpPr>
+          <p:nvPr>
+            <p:ph type="dt" sz="half" idx="10"/>
+          </p:nvPr>
+        </p:nvSpPr>
+        <p:spPr/>
+        <p:txBody>
+          <a:bodyPr/>
+          <a:lstStyle/>
+          <a:p>
+            <a:fld id="{C5CF9B54-0771-4619-91C6-80D4996C31DE}" type="datetimeFigureOut">
+              <a:rPr lang="en-US" smtClean="0"/>
+              <a:t>12/12/2025</a:t>
+            </a:fld>
+            <a:endParaRPr lang="en-US"/>
+          </a:p>
+        </p:txBody>
+      </p:sp>
+      <p:sp>
+        <p:nvSpPr>
+          <p:cNvPr id="4" name="Footer Placeholder 3"/>
+          <p:cNvSpPr>
+            <a:spLocks noGrp="1"/>
+          </p:cNvSpPr>
+          <p:nvPr>
+            <p:ph type="ftr" sz="quarter" idx="11"/>
+          </p:nvPr>
+        </p:nvSpPr>
+        <p:spPr/>
+        <p:txBody>
+          <a:bodyPr/>
+          <a:lstStyle/>
+          <a:p>
+            <a:endParaRPr lang="en-US"/>
+          </a:p>
+        </p:txBody>
+      </p:sp>
+      <p:sp>
+        <p:nvSpPr>
+          <p:cNvPr id="5" name="Slide Number Placeholder 4"/>
+          <p:cNvSpPr>
+            <a:spLocks noGrp="1"/>
+          </p:cNvSpPr>
+          <p:nvPr>
+            <p:ph type="sldNum" sz="quarter" idx="12"/>
+          </p:nvPr>
+        </p:nvSpPr>
+        <p:spPr/>
+        <p:txBody>
+          <a:bodyPr/>
+          <a:lstStyle/>
+          <a:p>
+            <a:fld id="{F0F86407-91C0-4290-8AE1-6C6F7D4BDE86}" type="slidenum">
+              <a:rPr lang="en-US" smtClean="0"/>
+              <a:t>‹#›</a:t>
+            </a:fld>
+            <a:endParaRPr lang="en-US"/>
+          </a:p>
+        </p:txBody>
+      </p:sp>
+    </p:spTree>
+    <p:extLst>
+      <p:ext uri="{BB962C8B-B14F-4D97-AF65-F5344CB8AC3E}">
+        <p14:creationId xmlns:p14="http://schemas.microsoft.com/office/powerpoint/2010/main" val="2759534"/>
+      </p:ext>
+    </p:extLst>
+  </p:cSld>
+  <p:clrMapOvr>
+    <a:masterClrMapping/>
+  </p:clrMapOvr>
+</p:sldLayout>
+</file>
+
+<file path=ppt/slideLayouts/slideLayout15.xml><?xml version="1.0" encoding="utf-8"?>
+<p:sldLayout xmlns:a="http://schemas.openxmlformats.org/drawingml/2006/main" xmlns:r="http://schemas.openxmlformats.org/officeDocument/2006/relationships" xmlns:p="http://schemas.openxmlformats.org/presentationml/2006/main" preserve="1">
+  <p:cSld name="3 Picture Column">
+    <p:spTree>
+      <p:nvGrpSpPr>
+        <p:cNvPr id="1" name=""/>
+        <p:cNvGrpSpPr/>
+        <p:nvPr/>
+      </p:nvGrpSpPr>
+      <p:grpSpPr>
+        <a:xfrm>
+          <a:off x="0" y="0"/>
+          <a:ext cx="0" cy="0"/>
+          <a:chOff x="0" y="0"/>
+          <a:chExt cx="0" cy="0"/>
+        </a:xfrm>
+      </p:grpSpPr>
+      <p:pic>
+        <p:nvPicPr>
+          <p:cNvPr id="2" name="Picture 1" descr="Slate-V2-HD-3colPhotoInset.png"/>
+          <p:cNvPicPr>
+            <a:picLocks noChangeAspect="1"/>
+          </p:cNvPicPr>
+          <p:nvPr/>
+        </p:nvPicPr>
+        <p:blipFill>
+          <a:blip r:embed="rId2">
+            <a:extLst>
+              <a:ext uri="{28A0092B-C50C-407E-A947-70E740481C1C}">
+                <a14:useLocalDpi xmlns:a14="http://schemas.microsoft.com/office/drawing/2010/main" val="0"/>
+              </a:ext>
+            </a:extLst>
+          </a:blip>
+          <a:stretch>
+            <a:fillRect/>
+          </a:stretch>
+        </p:blipFill>
+        <p:spPr>
+          <a:xfrm>
+            <a:off x="897962" y="1818214"/>
+            <a:ext cx="3339972" cy="1847851"/>
+          </a:xfrm>
+          <a:prstGeom prst="rect">
+            <a:avLst/>
+          </a:prstGeom>
+        </p:spPr>
+      </p:pic>
+      <p:pic>
+        <p:nvPicPr>
+          <p:cNvPr id="36" name="Picture 35" descr="Slate-V2-HD-3colPhotoInset.png"/>
+          <p:cNvPicPr>
+            <a:picLocks noChangeAspect="1"/>
+          </p:cNvPicPr>
+          <p:nvPr/>
+        </p:nvPicPr>
+        <p:blipFill>
+          <a:blip r:embed="rId2">
+            <a:extLst>
+              <a:ext uri="{28A0092B-C50C-407E-A947-70E740481C1C}">
+                <a14:useLocalDpi xmlns:a14="http://schemas.microsoft.com/office/drawing/2010/main" val="0"/>
+              </a:ext>
+            </a:extLst>
+          </a:blip>
+          <a:stretch>
+            <a:fillRect/>
+          </a:stretch>
+        </p:blipFill>
+        <p:spPr>
+          <a:xfrm>
+            <a:off x="4403800" y="1818214"/>
+            <a:ext cx="3339972" cy="1847851"/>
+          </a:xfrm>
+          <a:prstGeom prst="rect">
+            <a:avLst/>
+          </a:prstGeom>
+        </p:spPr>
+      </p:pic>
+      <p:pic>
+        <p:nvPicPr>
+          <p:cNvPr id="37" name="Picture 36" descr="Slate-V2-HD-3colPhotoInset.png"/>
+          <p:cNvPicPr>
+            <a:picLocks noChangeAspect="1"/>
+          </p:cNvPicPr>
+          <p:nvPr/>
+        </p:nvPicPr>
+        <p:blipFill>
+          <a:blip r:embed="rId2">
+            <a:extLst>
+              <a:ext uri="{28A0092B-C50C-407E-A947-70E740481C1C}">
+                <a14:useLocalDpi xmlns:a14="http://schemas.microsoft.com/office/drawing/2010/main" val="0"/>
+              </a:ext>
+            </a:extLst>
+          </a:blip>
+          <a:stretch>
+            <a:fillRect/>
+          </a:stretch>
+        </p:blipFill>
+        <p:spPr>
+          <a:xfrm>
+            <a:off x="7936051" y="1818214"/>
+            <a:ext cx="3339972" cy="1847851"/>
+          </a:xfrm>
+          <a:prstGeom prst="rect">
+            <a:avLst/>
+          </a:prstGeom>
+        </p:spPr>
+      </p:pic>
+      <p:sp>
+        <p:nvSpPr>
+          <p:cNvPr id="30" name="Title 1"/>
+          <p:cNvSpPr>
+            <a:spLocks noGrp="1"/>
+          </p:cNvSpPr>
+          <p:nvPr>
+            <p:ph type="title"/>
+          </p:nvPr>
+        </p:nvSpPr>
+        <p:spPr>
+          <a:xfrm>
+            <a:off x="913794" y="609600"/>
+            <a:ext cx="10353763" cy="970450"/>
+          </a:xfrm>
+        </p:spPr>
+        <p:txBody>
+          <a:bodyPr/>
+          <a:lstStyle/>
+          <a:p>
+            <a:r>
+              <a:rPr lang="en-US"/>
+              <a:t>Click to edit Master title style</a:t>
+            </a:r>
+            <a:endParaRPr lang="en-US" dirty="0"/>
+          </a:p>
+        </p:txBody>
+      </p:sp>
+      <p:sp>
+        <p:nvSpPr>
+          <p:cNvPr id="19" name="Text Placeholder 2"/>
+          <p:cNvSpPr>
+            <a:spLocks noGrp="1"/>
+          </p:cNvSpPr>
+          <p:nvPr>
+            <p:ph type="body" idx="1"/>
+          </p:nvPr>
+        </p:nvSpPr>
+        <p:spPr>
+          <a:xfrm>
+            <a:off x="913795" y="3904106"/>
+            <a:ext cx="3300984" cy="576262"/>
+          </a:xfrm>
+        </p:spPr>
+        <p:txBody>
+          <a:bodyPr anchor="b">
+            <a:noAutofit/>
+          </a:bodyPr>
+          <a:lstStyle>
+            <a:lvl1pPr marL="0" indent="0" algn="ctr">
+              <a:buNone/>
+              <a:defRPr sz="2000" b="0">
+                <a:solidFill>
+                  <a:schemeClr val="tx1"/>
+                </a:solidFill>
+              </a:defRPr>
+            </a:lvl1pPr>
+            <a:lvl2pPr marL="457200" indent="0">
+              <a:buNone/>
+              <a:defRPr sz="2000" b="1"/>
+            </a:lvl2pPr>
+            <a:lvl3pPr marL="914400" indent="0">
+              <a:buNone/>
+              <a:defRPr sz="1800" b="1"/>
+            </a:lvl3pPr>
+            <a:lvl4pPr marL="1371600" indent="0">
+              <a:buNone/>
+              <a:defRPr sz="1600" b="1"/>
+            </a:lvl4pPr>
+            <a:lvl5pPr marL="1828800" indent="0">
+              <a:buNone/>
+              <a:defRPr sz="1600" b="1"/>
+            </a:lvl5pPr>
+            <a:lvl6pPr marL="2286000" indent="0">
+              <a:buNone/>
+              <a:defRPr sz="1600" b="1"/>
+            </a:lvl6pPr>
+            <a:lvl7pPr marL="2743200" indent="0">
+              <a:buNone/>
+              <a:defRPr sz="1600" b="1"/>
+            </a:lvl7pPr>
+            <a:lvl8pPr marL="3200400" indent="0">
+              <a:buNone/>
+              <a:defRPr sz="1600" b="1"/>
+            </a:lvl8pPr>
+            <a:lvl9pPr marL="3657600" indent="0">
+              <a:buNone/>
+              <a:defRPr sz="1600" b="1"/>
+            </a:lvl9pPr>
+          </a:lstStyle>
+          <a:p>
+            <a:pPr lvl="0"/>
+            <a:r>
+              <a:rPr lang="en-US"/>
+              <a:t>Click to edit Master text styles</a:t>
+            </a:r>
+          </a:p>
+        </p:txBody>
+      </p:sp>
+      <p:sp>
+        <p:nvSpPr>
+          <p:cNvPr id="20" name="Picture Placeholder 2"/>
+          <p:cNvSpPr>
+            <a:spLocks noGrp="1" noChangeAspect="1"/>
+          </p:cNvSpPr>
+          <p:nvPr>
+            <p:ph type="pic" idx="15"/>
+          </p:nvPr>
+        </p:nvSpPr>
+        <p:spPr>
+          <a:xfrm>
+            <a:off x="1018102" y="1938918"/>
+            <a:ext cx="3092368" cy="1602954"/>
+          </a:xfrm>
+          <a:prstGeom prst="roundRect">
+            <a:avLst>
+              <a:gd name="adj" fmla="val 1858"/>
+            </a:avLst>
+          </a:prstGeom>
+          <a:effectLst>
+            <a:outerShdw blurRad="38100" dist="25400" dir="4440000">
+              <a:srgbClr val="000000">
+                <a:alpha val="36000"/>
+              </a:srgbClr>
+            </a:outerShdw>
+          </a:effectLst>
+        </p:spPr>
+        <p:txBody>
+          <a:bodyPr anchor="t">
+            <a:normAutofit/>
+          </a:bodyPr>
+          <a:lstStyle>
+            <a:lvl1pPr marL="0" indent="0" algn="ctr">
+              <a:buNone/>
+              <a:defRPr sz="1600"/>
+            </a:lvl1pPr>
+            <a:lvl2pPr marL="457200" indent="0">
+              <a:buNone/>
+              <a:defRPr sz="1600"/>
+            </a:lvl2pPr>
+            <a:lvl3pPr marL="914400" indent="0">
+              <a:buNone/>
+              <a:defRPr sz="1600"/>
+            </a:lvl3pPr>
+            <a:lvl4pPr marL="1371600" indent="0">
+              <a:buNone/>
+              <a:defRPr sz="1600"/>
+            </a:lvl4pPr>
+            <a:lvl5pPr marL="1828800" indent="0">
+              <a:buNone/>
+              <a:defRPr sz="1600"/>
+            </a:lvl5pPr>
+            <a:lvl6pPr marL="2286000" indent="0">
+              <a:buNone/>
+              <a:defRPr sz="1600"/>
+            </a:lvl6pPr>
+            <a:lvl7pPr marL="2743200" indent="0">
+              <a:buNone/>
+              <a:defRPr sz="1600"/>
+            </a:lvl7pPr>
+            <a:lvl8pPr marL="3200400" indent="0">
+              <a:buNone/>
+              <a:defRPr sz="1600"/>
+            </a:lvl8pPr>
+            <a:lvl9pPr marL="3657600" indent="0">
+              <a:buNone/>
+              <a:defRPr sz="1600"/>
+            </a:lvl9pPr>
+          </a:lstStyle>
+          <a:p>
+            <a:r>
+              <a:rPr lang="en-US"/>
+              <a:t>Click icon to add picture</a:t>
+            </a:r>
+            <a:endParaRPr lang="en-US" dirty="0"/>
+          </a:p>
+        </p:txBody>
+      </p:sp>
+      <p:sp>
+        <p:nvSpPr>
+          <p:cNvPr id="21" name="Text Placeholder 3"/>
+          <p:cNvSpPr>
+            <a:spLocks noGrp="1"/>
+          </p:cNvSpPr>
+          <p:nvPr>
+            <p:ph type="body" sz="half" idx="18"/>
+          </p:nvPr>
+        </p:nvSpPr>
+        <p:spPr>
+          <a:xfrm>
+            <a:off x="913795" y="4480368"/>
+            <a:ext cx="3300984" cy="1310833"/>
+          </a:xfrm>
+        </p:spPr>
+        <p:txBody>
+          <a:bodyPr anchor="t">
+            <a:normAutofit/>
+          </a:bodyPr>
+          <a:lstStyle>
+            <a:lvl1pPr marL="0" indent="0" algn="ctr">
+              <a:buNone/>
+              <a:defRPr sz="1400"/>
+            </a:lvl1pPr>
+            <a:lvl2pPr marL="457200" indent="0">
+              <a:buNone/>
+              <a:defRPr sz="1200"/>
+            </a:lvl2pPr>
+            <a:lvl3pPr marL="914400" indent="0">
+              <a:buNone/>
+              <a:defRPr sz="1000"/>
+            </a:lvl3pPr>
+            <a:lvl4pPr marL="1371600" indent="0">
+              <a:buNone/>
+              <a:defRPr sz="900"/>
+            </a:lvl4pPr>
+            <a:lvl5pPr marL="1828800" indent="0">
+              <a:buNone/>
+              <a:defRPr sz="900"/>
+            </a:lvl5pPr>
+            <a:lvl6pPr marL="2286000" indent="0">
+              <a:buNone/>
+              <a:defRPr sz="900"/>
+            </a:lvl6pPr>
+            <a:lvl7pPr marL="2743200" indent="0">
+              <a:buNone/>
+              <a:defRPr sz="900"/>
+            </a:lvl7pPr>
+            <a:lvl8pPr marL="3200400" indent="0">
+              <a:buNone/>
+              <a:defRPr sz="900"/>
+            </a:lvl8pPr>
+            <a:lvl9pPr marL="3657600" indent="0">
+              <a:buNone/>
+              <a:defRPr sz="900"/>
+            </a:lvl9pPr>
+          </a:lstStyle>
+          <a:p>
+            <a:pPr lvl="0"/>
+            <a:r>
+              <a:rPr lang="en-US"/>
+              <a:t>Click to edit Master text styles</a:t>
+            </a:r>
+          </a:p>
+        </p:txBody>
+      </p:sp>
+      <p:sp>
+        <p:nvSpPr>
+          <p:cNvPr id="22" name="Text Placeholder 4"/>
+          <p:cNvSpPr>
+            <a:spLocks noGrp="1"/>
+          </p:cNvSpPr>
+          <p:nvPr>
+            <p:ph type="body" sz="quarter" idx="3"/>
+          </p:nvPr>
+        </p:nvSpPr>
+        <p:spPr>
+          <a:xfrm>
+            <a:off x="4442788" y="3904106"/>
+            <a:ext cx="3300984" cy="576262"/>
+          </a:xfrm>
+        </p:spPr>
+        <p:txBody>
+          <a:bodyPr anchor="b">
+            <a:noAutofit/>
+          </a:bodyPr>
+          <a:lstStyle>
+            <a:lvl1pPr marL="0" indent="0" algn="ctr">
+              <a:buNone/>
+              <a:defRPr sz="2000" b="0">
+                <a:solidFill>
+                  <a:schemeClr val="tx1"/>
+                </a:solidFill>
+              </a:defRPr>
+            </a:lvl1pPr>
+            <a:lvl2pPr marL="457200" indent="0">
+              <a:buNone/>
+              <a:defRPr sz="2000" b="1"/>
+            </a:lvl2pPr>
+            <a:lvl3pPr marL="914400" indent="0">
+              <a:buNone/>
+              <a:defRPr sz="1800" b="1"/>
+            </a:lvl3pPr>
+            <a:lvl4pPr marL="1371600" indent="0">
+              <a:buNone/>
+              <a:defRPr sz="1600" b="1"/>
+            </a:lvl4pPr>
+            <a:lvl5pPr marL="1828800" indent="0">
+              <a:buNone/>
+              <a:defRPr sz="1600" b="1"/>
+            </a:lvl5pPr>
+            <a:lvl6pPr marL="2286000" indent="0">
+              <a:buNone/>
+              <a:defRPr sz="1600" b="1"/>
+            </a:lvl6pPr>
+            <a:lvl7pPr marL="2743200" indent="0">
+              <a:buNone/>
+              <a:defRPr sz="1600" b="1"/>
+            </a:lvl7pPr>
+            <a:lvl8pPr marL="3200400" indent="0">
+              <a:buNone/>
+              <a:defRPr sz="1600" b="1"/>
+            </a:lvl8pPr>
+            <a:lvl9pPr marL="3657600" indent="0">
+              <a:buNone/>
+              <a:defRPr sz="1600" b="1"/>
+            </a:lvl9pPr>
+          </a:lstStyle>
+          <a:p>
+            <a:pPr lvl="0"/>
+            <a:r>
+              <a:rPr lang="en-US"/>
+              <a:t>Click to edit Master text styles</a:t>
+            </a:r>
+          </a:p>
+        </p:txBody>
+      </p:sp>
+      <p:sp>
+        <p:nvSpPr>
+          <p:cNvPr id="23" name="Picture Placeholder 2"/>
+          <p:cNvSpPr>
+            <a:spLocks noGrp="1" noChangeAspect="1"/>
+          </p:cNvSpPr>
+          <p:nvPr>
+            <p:ph type="pic" idx="21"/>
+          </p:nvPr>
+        </p:nvSpPr>
+        <p:spPr>
+          <a:xfrm>
+            <a:off x="4545743" y="1939094"/>
+            <a:ext cx="3092368" cy="1608164"/>
+          </a:xfrm>
+          <a:prstGeom prst="roundRect">
+            <a:avLst>
+              <a:gd name="adj" fmla="val 1858"/>
+            </a:avLst>
+          </a:prstGeom>
+          <a:effectLst>
+            <a:outerShdw blurRad="38100" dist="25400" dir="4440000">
+              <a:srgbClr val="000000">
+                <a:alpha val="36000"/>
+              </a:srgbClr>
+            </a:outerShdw>
+          </a:effectLst>
+        </p:spPr>
+        <p:txBody>
+          <a:bodyPr anchor="t">
+            <a:normAutofit/>
+          </a:bodyPr>
+          <a:lstStyle>
+            <a:lvl1pPr marL="0" indent="0" algn="ctr">
+              <a:buNone/>
+              <a:defRPr sz="1600"/>
+            </a:lvl1pPr>
+            <a:lvl2pPr marL="457200" indent="0">
+              <a:buNone/>
+              <a:defRPr sz="1600"/>
+            </a:lvl2pPr>
+            <a:lvl3pPr marL="914400" indent="0">
+              <a:buNone/>
+              <a:defRPr sz="1600"/>
+            </a:lvl3pPr>
+            <a:lvl4pPr marL="1371600" indent="0">
+              <a:buNone/>
+              <a:defRPr sz="1600"/>
+            </a:lvl4pPr>
+            <a:lvl5pPr marL="1828800" indent="0">
+              <a:buNone/>
+              <a:defRPr sz="1600"/>
+            </a:lvl5pPr>
+            <a:lvl6pPr marL="2286000" indent="0">
+              <a:buNone/>
+              <a:defRPr sz="1600"/>
+            </a:lvl6pPr>
+            <a:lvl7pPr marL="2743200" indent="0">
+              <a:buNone/>
+              <a:defRPr sz="1600"/>
+            </a:lvl7pPr>
+            <a:lvl8pPr marL="3200400" indent="0">
+              <a:buNone/>
+              <a:defRPr sz="1600"/>
+            </a:lvl8pPr>
+            <a:lvl9pPr marL="3657600" indent="0">
+              <a:buNone/>
+              <a:defRPr sz="1600"/>
+            </a:lvl9pPr>
+          </a:lstStyle>
+          <a:p>
+            <a:r>
+              <a:rPr lang="en-US"/>
+              <a:t>Click icon to add picture</a:t>
+            </a:r>
+            <a:endParaRPr lang="en-US" dirty="0"/>
+          </a:p>
+        </p:txBody>
+      </p:sp>
+      <p:sp>
+        <p:nvSpPr>
+          <p:cNvPr id="24" name="Text Placeholder 3"/>
+          <p:cNvSpPr>
+            <a:spLocks noGrp="1"/>
+          </p:cNvSpPr>
+          <p:nvPr>
+            <p:ph type="body" sz="half" idx="19"/>
+          </p:nvPr>
+        </p:nvSpPr>
+        <p:spPr>
+          <a:xfrm>
+            <a:off x="4441435" y="4480367"/>
+            <a:ext cx="3300984" cy="1310833"/>
+          </a:xfrm>
+        </p:spPr>
+        <p:txBody>
+          <a:bodyPr anchor="t">
+            <a:normAutofit/>
+          </a:bodyPr>
+          <a:lstStyle>
+            <a:lvl1pPr marL="0" indent="0" algn="ctr">
+              <a:buNone/>
+              <a:defRPr sz="1400"/>
+            </a:lvl1pPr>
+            <a:lvl2pPr marL="457200" indent="0">
+              <a:buNone/>
+              <a:defRPr sz="1200"/>
+            </a:lvl2pPr>
+            <a:lvl3pPr marL="914400" indent="0">
+              <a:buNone/>
+              <a:defRPr sz="1000"/>
+            </a:lvl3pPr>
+            <a:lvl4pPr marL="1371600" indent="0">
+              <a:buNone/>
+              <a:defRPr sz="900"/>
+            </a:lvl4pPr>
+            <a:lvl5pPr marL="1828800" indent="0">
+              <a:buNone/>
+              <a:defRPr sz="900"/>
+            </a:lvl5pPr>
+            <a:lvl6pPr marL="2286000" indent="0">
+              <a:buNone/>
+              <a:defRPr sz="900"/>
+            </a:lvl6pPr>
+            <a:lvl7pPr marL="2743200" indent="0">
+              <a:buNone/>
+              <a:defRPr sz="900"/>
+            </a:lvl7pPr>
+            <a:lvl8pPr marL="3200400" indent="0">
+              <a:buNone/>
+              <a:defRPr sz="900"/>
+            </a:lvl8pPr>
+            <a:lvl9pPr marL="3657600" indent="0">
+              <a:buNone/>
+              <a:defRPr sz="900"/>
+            </a:lvl9pPr>
+          </a:lstStyle>
+          <a:p>
+            <a:pPr lvl="0"/>
+            <a:r>
+              <a:rPr lang="en-US"/>
+              <a:t>Click to edit Master text styles</a:t>
+            </a:r>
+          </a:p>
+        </p:txBody>
+      </p:sp>
+      <p:sp>
+        <p:nvSpPr>
+          <p:cNvPr id="25" name="Text Placeholder 4"/>
+          <p:cNvSpPr>
+            <a:spLocks noGrp="1"/>
+          </p:cNvSpPr>
+          <p:nvPr>
+            <p:ph type="body" sz="quarter" idx="13"/>
+          </p:nvPr>
+        </p:nvSpPr>
+        <p:spPr>
+          <a:xfrm>
+            <a:off x="7966697" y="3904106"/>
+            <a:ext cx="3300984" cy="576262"/>
+          </a:xfrm>
+        </p:spPr>
+        <p:txBody>
+          <a:bodyPr anchor="b">
+            <a:noAutofit/>
+          </a:bodyPr>
+          <a:lstStyle>
+            <a:lvl1pPr marL="0" indent="0" algn="ctr">
+              <a:buNone/>
+              <a:defRPr sz="2000" b="0">
+                <a:solidFill>
+                  <a:schemeClr val="tx1"/>
+                </a:solidFill>
+              </a:defRPr>
+            </a:lvl1pPr>
+            <a:lvl2pPr marL="457200" indent="0">
+              <a:buNone/>
+              <a:defRPr sz="2000" b="1"/>
+            </a:lvl2pPr>
+            <a:lvl3pPr marL="914400" indent="0">
+              <a:buNone/>
+              <a:defRPr sz="1800" b="1"/>
+            </a:lvl3pPr>
+            <a:lvl4pPr marL="1371600" indent="0">
+              <a:buNone/>
+              <a:defRPr sz="1600" b="1"/>
+            </a:lvl4pPr>
+            <a:lvl5pPr marL="1828800" indent="0">
+              <a:buNone/>
+              <a:defRPr sz="1600" b="1"/>
+            </a:lvl5pPr>
+            <a:lvl6pPr marL="2286000" indent="0">
+              <a:buNone/>
+              <a:defRPr sz="1600" b="1"/>
+            </a:lvl6pPr>
+            <a:lvl7pPr marL="2743200" indent="0">
+              <a:buNone/>
+              <a:defRPr sz="1600" b="1"/>
+            </a:lvl7pPr>
+            <a:lvl8pPr marL="3200400" indent="0">
+              <a:buNone/>
+              <a:defRPr sz="1600" b="1"/>
+            </a:lvl8pPr>
+            <a:lvl9pPr marL="3657600" indent="0">
+              <a:buNone/>
+              <a:defRPr sz="1600" b="1"/>
+            </a:lvl9pPr>
+          </a:lstStyle>
+          <a:p>
+            <a:pPr lvl="0"/>
+            <a:r>
+              <a:rPr lang="en-US"/>
+              <a:t>Click to edit Master text styles</a:t>
+            </a:r>
+          </a:p>
+        </p:txBody>
+      </p:sp>
+      <p:sp>
+        <p:nvSpPr>
+          <p:cNvPr id="26" name="Picture Placeholder 2"/>
+          <p:cNvSpPr>
+            <a:spLocks noGrp="1" noChangeAspect="1"/>
+          </p:cNvSpPr>
+          <p:nvPr>
+            <p:ph type="pic" idx="22"/>
+          </p:nvPr>
+        </p:nvSpPr>
+        <p:spPr>
+          <a:xfrm>
+            <a:off x="8075698" y="1934432"/>
+            <a:ext cx="3092368" cy="1607294"/>
+          </a:xfrm>
+          <a:prstGeom prst="roundRect">
+            <a:avLst>
+              <a:gd name="adj" fmla="val 1858"/>
+            </a:avLst>
+          </a:prstGeom>
+          <a:effectLst>
+            <a:outerShdw blurRad="38100" dist="25400" dir="4440000">
+              <a:srgbClr val="000000">
+                <a:alpha val="36000"/>
+              </a:srgbClr>
+            </a:outerShdw>
+          </a:effectLst>
+        </p:spPr>
+        <p:txBody>
+          <a:bodyPr anchor="t">
+            <a:normAutofit/>
+          </a:bodyPr>
+          <a:lstStyle>
+            <a:lvl1pPr marL="0" indent="0" algn="ctr">
+              <a:buNone/>
+              <a:defRPr sz="1600"/>
+            </a:lvl1pPr>
+            <a:lvl2pPr marL="457200" indent="0">
+              <a:buNone/>
+              <a:defRPr sz="1600"/>
+            </a:lvl2pPr>
+            <a:lvl3pPr marL="914400" indent="0">
+              <a:buNone/>
+              <a:defRPr sz="1600"/>
+            </a:lvl3pPr>
+            <a:lvl4pPr marL="1371600" indent="0">
+              <a:buNone/>
+              <a:defRPr sz="1600"/>
+            </a:lvl4pPr>
+            <a:lvl5pPr marL="1828800" indent="0">
+              <a:buNone/>
+              <a:defRPr sz="1600"/>
+            </a:lvl5pPr>
+            <a:lvl6pPr marL="2286000" indent="0">
+              <a:buNone/>
+              <a:defRPr sz="1600"/>
+            </a:lvl6pPr>
+            <a:lvl7pPr marL="2743200" indent="0">
+              <a:buNone/>
+              <a:defRPr sz="1600"/>
+            </a:lvl7pPr>
+            <a:lvl8pPr marL="3200400" indent="0">
+              <a:buNone/>
+              <a:defRPr sz="1600"/>
+            </a:lvl8pPr>
+            <a:lvl9pPr marL="3657600" indent="0">
+              <a:buNone/>
+              <a:defRPr sz="1600"/>
+            </a:lvl9pPr>
+          </a:lstStyle>
+          <a:p>
+            <a:r>
+              <a:rPr lang="en-US"/>
+              <a:t>Click icon to add picture</a:t>
+            </a:r>
+            <a:endParaRPr lang="en-US" dirty="0"/>
+          </a:p>
+        </p:txBody>
+      </p:sp>
+      <p:sp>
+        <p:nvSpPr>
+          <p:cNvPr id="27" name="Text Placeholder 3"/>
+          <p:cNvSpPr>
+            <a:spLocks noGrp="1"/>
+          </p:cNvSpPr>
+          <p:nvPr>
+            <p:ph type="body" sz="half" idx="20"/>
+          </p:nvPr>
+        </p:nvSpPr>
+        <p:spPr>
+          <a:xfrm>
+            <a:off x="7966572" y="4480365"/>
+            <a:ext cx="3300984" cy="1310835"/>
+          </a:xfrm>
+        </p:spPr>
+        <p:txBody>
+          <a:bodyPr anchor="t">
+            <a:normAutofit/>
+          </a:bodyPr>
+          <a:lstStyle>
+            <a:lvl1pPr marL="0" indent="0" algn="ctr">
+              <a:buNone/>
+              <a:defRPr sz="1400"/>
+            </a:lvl1pPr>
+            <a:lvl2pPr marL="457200" indent="0">
+              <a:buNone/>
+              <a:defRPr sz="1200"/>
+            </a:lvl2pPr>
+            <a:lvl3pPr marL="914400" indent="0">
+              <a:buNone/>
+              <a:defRPr sz="1000"/>
+            </a:lvl3pPr>
+            <a:lvl4pPr marL="1371600" indent="0">
+              <a:buNone/>
+              <a:defRPr sz="900"/>
+            </a:lvl4pPr>
+            <a:lvl5pPr marL="1828800" indent="0">
+              <a:buNone/>
+              <a:defRPr sz="900"/>
+            </a:lvl5pPr>
+            <a:lvl6pPr marL="2286000" indent="0">
+              <a:buNone/>
+              <a:defRPr sz="900"/>
+            </a:lvl6pPr>
+            <a:lvl7pPr marL="2743200" indent="0">
+              <a:buNone/>
+              <a:defRPr sz="900"/>
+            </a:lvl7pPr>
+            <a:lvl8pPr marL="3200400" indent="0">
+              <a:buNone/>
+              <a:defRPr sz="900"/>
+            </a:lvl8pPr>
+            <a:lvl9pPr marL="3657600" indent="0">
+              <a:buNone/>
+              <a:defRPr sz="900"/>
+            </a:lvl9pPr>
+          </a:lstStyle>
+          <a:p>
+            <a:pPr lvl="0"/>
+            <a:r>
+              <a:rPr lang="en-US"/>
+              <a:t>Click to edit Master text styles</a:t>
+            </a:r>
+          </a:p>
+        </p:txBody>
+      </p:sp>
+      <p:sp>
+        <p:nvSpPr>
+          <p:cNvPr id="3" name="Date Placeholder 2"/>
+          <p:cNvSpPr>
+            <a:spLocks noGrp="1"/>
+          </p:cNvSpPr>
+          <p:nvPr>
+            <p:ph type="dt" sz="half" idx="10"/>
+          </p:nvPr>
+        </p:nvSpPr>
+        <p:spPr/>
+        <p:txBody>
+          <a:bodyPr/>
+          <a:lstStyle/>
+          <a:p>
+            <a:fld id="{C5CF9B54-0771-4619-91C6-80D4996C31DE}" type="datetimeFigureOut">
+              <a:rPr lang="en-US" smtClean="0"/>
+              <a:t>12/12/2025</a:t>
+            </a:fld>
+            <a:endParaRPr lang="en-US"/>
+          </a:p>
+        </p:txBody>
+      </p:sp>
+      <p:sp>
+        <p:nvSpPr>
+          <p:cNvPr id="4" name="Footer Placeholder 3"/>
+          <p:cNvSpPr>
+            <a:spLocks noGrp="1"/>
+          </p:cNvSpPr>
+          <p:nvPr>
+            <p:ph type="ftr" sz="quarter" idx="11"/>
+          </p:nvPr>
+        </p:nvSpPr>
+        <p:spPr/>
+        <p:txBody>
+          <a:bodyPr/>
+          <a:lstStyle/>
+          <a:p>
+            <a:endParaRPr lang="en-US"/>
+          </a:p>
+        </p:txBody>
+      </p:sp>
+      <p:sp>
+        <p:nvSpPr>
+          <p:cNvPr id="5" name="Slide Number Placeholder 4"/>
+          <p:cNvSpPr>
+            <a:spLocks noGrp="1"/>
+          </p:cNvSpPr>
+          <p:nvPr>
+            <p:ph type="sldNum" sz="quarter" idx="12"/>
+          </p:nvPr>
+        </p:nvSpPr>
+        <p:spPr/>
+        <p:txBody>
+          <a:bodyPr/>
+          <a:lstStyle/>
+          <a:p>
+            <a:fld id="{F0F86407-91C0-4290-8AE1-6C6F7D4BDE86}" type="slidenum">
+              <a:rPr lang="en-US" smtClean="0"/>
+              <a:t>‹#›</a:t>
+            </a:fld>
+            <a:endParaRPr lang="en-US"/>
+          </a:p>
+        </p:txBody>
+      </p:sp>
+    </p:spTree>
+    <p:extLst>
+      <p:ext uri="{BB962C8B-B14F-4D97-AF65-F5344CB8AC3E}">
+        <p14:creationId xmlns:p14="http://schemas.microsoft.com/office/powerpoint/2010/main" val="2981830923"/>
+      </p:ext>
+    </p:extLst>
+  </p:cSld>
+  <p:clrMapOvr>
+    <a:masterClrMapping/>
+  </p:clrMapOvr>
+</p:sldLayout>
+</file>
+
+<file path=ppt/slideLayouts/slideLayout16.xml><?xml version="1.0" encoding="utf-8"?>
 <p:sldLayout xmlns:a="http://schemas.openxmlformats.org/drawingml/2006/main" xmlns:r="http://schemas.openxmlformats.org/officeDocument/2006/relationships" xmlns:p="http://schemas.openxmlformats.org/presentationml/2006/main" type="vertTx" preserve="1">
   <p:cSld name="Title and Vertical Text">
     <p:spTree>
@@ -813,13 +3414,7 @@
       </p:grpSpPr>
       <p:sp>
         <p:nvSpPr>
-          <p:cNvPr id="2" name="Title 1">
-            <a:extLst>
-              <a:ext uri="{FF2B5EF4-FFF2-40B4-BE49-F238E27FC236}">
-                <a16:creationId xmlns:a16="http://schemas.microsoft.com/office/drawing/2014/main" id="{C7DC4116-2FE7-E8C4-B126-1EB09533EB26}"/>
-              </a:ext>
-            </a:extLst>
-          </p:cNvPr>
+          <p:cNvPr id="2" name="Title 1"/>
           <p:cNvSpPr>
             <a:spLocks noGrp="1"/>
           </p:cNvSpPr>
@@ -836,18 +3431,13 @@
               <a:rPr lang="en-US"/>
               <a:t>Click to edit Master title style</a:t>
             </a:r>
-          </a:p>
-        </p:txBody>
-      </p:sp>
-      <p:sp>
-        <p:nvSpPr>
-          <p:cNvPr id="3" name="Vertical Text Placeholder 2">
-            <a:extLst>
-              <a:ext uri="{FF2B5EF4-FFF2-40B4-BE49-F238E27FC236}">
-                <a16:creationId xmlns:a16="http://schemas.microsoft.com/office/drawing/2014/main" id="{2C2AC687-1EE9-7559-FD08-AA34C8D0503A}"/>
-              </a:ext>
-            </a:extLst>
-          </p:cNvPr>
+            <a:endParaRPr lang="en-US" dirty="0"/>
+          </a:p>
+        </p:txBody>
+      </p:sp>
+      <p:sp>
+        <p:nvSpPr>
+          <p:cNvPr id="3" name="Vertical Text Placeholder 2"/>
           <p:cNvSpPr>
             <a:spLocks noGrp="1"/>
           </p:cNvSpPr>
@@ -857,7 +3447,7 @@
         </p:nvSpPr>
         <p:spPr/>
         <p:txBody>
-          <a:bodyPr vert="eaVert"/>
+          <a:bodyPr vert="eaVert" anchor="t"/>
           <a:lstStyle/>
           <a:p>
             <a:pPr lvl="0"/>
@@ -893,18 +3483,13 @@
               <a:rPr lang="en-US"/>
               <a:t>Fifth level</a:t>
             </a:r>
-          </a:p>
-        </p:txBody>
-      </p:sp>
-      <p:sp>
-        <p:nvSpPr>
-          <p:cNvPr id="4" name="Date Placeholder 3">
-            <a:extLst>
-              <a:ext uri="{FF2B5EF4-FFF2-40B4-BE49-F238E27FC236}">
-                <a16:creationId xmlns:a16="http://schemas.microsoft.com/office/drawing/2014/main" id="{32DCD493-627E-5F4F-C249-D8B4E4541B10}"/>
-              </a:ext>
-            </a:extLst>
-          </p:cNvPr>
+            <a:endParaRPr lang="en-US" dirty="0"/>
+          </a:p>
+        </p:txBody>
+      </p:sp>
+      <p:sp>
+        <p:nvSpPr>
+          <p:cNvPr id="4" name="Date Placeholder 3"/>
           <p:cNvSpPr>
             <a:spLocks noGrp="1"/>
           </p:cNvSpPr>
@@ -919,7 +3504,7 @@
           <a:p>
             <a:fld id="{C5CF9B54-0771-4619-91C6-80D4996C31DE}" type="datetimeFigureOut">
               <a:rPr lang="en-US" smtClean="0"/>
-              <a:t>12/11/2025</a:t>
+              <a:t>12/12/2025</a:t>
             </a:fld>
             <a:endParaRPr lang="en-US"/>
           </a:p>
@@ -927,13 +3512,7 @@
       </p:sp>
       <p:sp>
         <p:nvSpPr>
-          <p:cNvPr id="5" name="Footer Placeholder 4">
-            <a:extLst>
-              <a:ext uri="{FF2B5EF4-FFF2-40B4-BE49-F238E27FC236}">
-                <a16:creationId xmlns:a16="http://schemas.microsoft.com/office/drawing/2014/main" id="{9C8EFE6C-5A8C-CBE4-CB3C-A7BEC08BFEF8}"/>
-              </a:ext>
-            </a:extLst>
-          </p:cNvPr>
+          <p:cNvPr id="5" name="Footer Placeholder 4"/>
           <p:cNvSpPr>
             <a:spLocks noGrp="1"/>
           </p:cNvSpPr>
@@ -952,13 +3531,7 @@
       </p:sp>
       <p:sp>
         <p:nvSpPr>
-          <p:cNvPr id="6" name="Slide Number Placeholder 5">
-            <a:extLst>
-              <a:ext uri="{FF2B5EF4-FFF2-40B4-BE49-F238E27FC236}">
-                <a16:creationId xmlns:a16="http://schemas.microsoft.com/office/drawing/2014/main" id="{FEC4C13F-40F1-4783-2F17-8D26D0EA9FD8}"/>
-              </a:ext>
-            </a:extLst>
-          </p:cNvPr>
+          <p:cNvPr id="6" name="Slide Number Placeholder 5"/>
           <p:cNvSpPr>
             <a:spLocks noGrp="1"/>
           </p:cNvSpPr>
@@ -982,7 +3555,7 @@
     </p:spTree>
     <p:extLst>
       <p:ext uri="{BB962C8B-B14F-4D97-AF65-F5344CB8AC3E}">
-        <p14:creationId xmlns:p14="http://schemas.microsoft.com/office/powerpoint/2010/main" val="2730160465"/>
+        <p14:creationId xmlns:p14="http://schemas.microsoft.com/office/powerpoint/2010/main" val="3503625374"/>
       </p:ext>
     </p:extLst>
   </p:cSld>
@@ -992,7 +3565,7 @@
 </p:sldLayout>
 </file>
 
-<file path=ppt/slideLayouts/slideLayout11.xml><?xml version="1.0" encoding="utf-8"?>
+<file path=ppt/slideLayouts/slideLayout17.xml><?xml version="1.0" encoding="utf-8"?>
 <p:sldLayout xmlns:a="http://schemas.openxmlformats.org/drawingml/2006/main" xmlns:r="http://schemas.openxmlformats.org/officeDocument/2006/relationships" xmlns:p="http://schemas.openxmlformats.org/presentationml/2006/main" type="vertTitleAndTx" preserve="1">
   <p:cSld name="Vertical Title and Text">
     <p:spTree>
@@ -1011,13 +3584,7 @@
       </p:grpSpPr>
       <p:sp>
         <p:nvSpPr>
-          <p:cNvPr id="2" name="Vertical Title 1">
-            <a:extLst>
-              <a:ext uri="{FF2B5EF4-FFF2-40B4-BE49-F238E27FC236}">
-                <a16:creationId xmlns:a16="http://schemas.microsoft.com/office/drawing/2014/main" id="{FA9BD8A9-C49D-9C27-8F2B-81238941F9A3}"/>
-              </a:ext>
-            </a:extLst>
-          </p:cNvPr>
+          <p:cNvPr id="2" name="Vertical Title 1"/>
           <p:cNvSpPr>
             <a:spLocks noGrp="1"/>
           </p:cNvSpPr>
@@ -1027,30 +3594,29 @@
         </p:nvSpPr>
         <p:spPr>
           <a:xfrm>
-            <a:off x="8724900" y="365125"/>
-            <a:ext cx="2628900" cy="5811838"/>
+            <a:off x="8983068" y="609599"/>
+            <a:ext cx="2284487" cy="5181601"/>
           </a:xfrm>
         </p:spPr>
         <p:txBody>
           <a:bodyPr vert="eaVert"/>
-          <a:lstStyle/>
+          <a:lstStyle>
+            <a:lvl1pPr algn="l">
+              <a:defRPr/>
+            </a:lvl1pPr>
+          </a:lstStyle>
           <a:p>
             <a:r>
               <a:rPr lang="en-US"/>
               <a:t>Click to edit Master title style</a:t>
             </a:r>
-          </a:p>
-        </p:txBody>
-      </p:sp>
-      <p:sp>
-        <p:nvSpPr>
-          <p:cNvPr id="3" name="Vertical Text Placeholder 2">
-            <a:extLst>
-              <a:ext uri="{FF2B5EF4-FFF2-40B4-BE49-F238E27FC236}">
-                <a16:creationId xmlns:a16="http://schemas.microsoft.com/office/drawing/2014/main" id="{0BE65948-B60F-9314-FF0C-7204AF886D08}"/>
-              </a:ext>
-            </a:extLst>
-          </p:cNvPr>
+            <a:endParaRPr lang="en-US" dirty="0"/>
+          </a:p>
+        </p:txBody>
+      </p:sp>
+      <p:sp>
+        <p:nvSpPr>
+          <p:cNvPr id="3" name="Vertical Text Placeholder 2"/>
           <p:cNvSpPr>
             <a:spLocks noGrp="1"/>
           </p:cNvSpPr>
@@ -1060,12 +3626,12 @@
         </p:nvSpPr>
         <p:spPr>
           <a:xfrm>
-            <a:off x="838200" y="365125"/>
-            <a:ext cx="7734300" cy="5811838"/>
+            <a:off x="913796" y="609599"/>
+            <a:ext cx="7916872" cy="5181601"/>
           </a:xfrm>
         </p:spPr>
         <p:txBody>
-          <a:bodyPr vert="eaVert"/>
+          <a:bodyPr vert="eaVert" anchor="t"/>
           <a:lstStyle/>
           <a:p>
             <a:pPr lvl="0"/>
@@ -1101,18 +3667,13 @@
               <a:rPr lang="en-US"/>
               <a:t>Fifth level</a:t>
             </a:r>
-          </a:p>
-        </p:txBody>
-      </p:sp>
-      <p:sp>
-        <p:nvSpPr>
-          <p:cNvPr id="4" name="Date Placeholder 3">
-            <a:extLst>
-              <a:ext uri="{FF2B5EF4-FFF2-40B4-BE49-F238E27FC236}">
-                <a16:creationId xmlns:a16="http://schemas.microsoft.com/office/drawing/2014/main" id="{E799389B-8510-053C-C0FD-79276CD5DE93}"/>
-              </a:ext>
-            </a:extLst>
-          </p:cNvPr>
+            <a:endParaRPr lang="en-US" dirty="0"/>
+          </a:p>
+        </p:txBody>
+      </p:sp>
+      <p:sp>
+        <p:nvSpPr>
+          <p:cNvPr id="4" name="Date Placeholder 3"/>
           <p:cNvSpPr>
             <a:spLocks noGrp="1"/>
           </p:cNvSpPr>
@@ -1127,7 +3688,7 @@
           <a:p>
             <a:fld id="{C5CF9B54-0771-4619-91C6-80D4996C31DE}" type="datetimeFigureOut">
               <a:rPr lang="en-US" smtClean="0"/>
-              <a:t>12/11/2025</a:t>
+              <a:t>12/12/2025</a:t>
             </a:fld>
             <a:endParaRPr lang="en-US"/>
           </a:p>
@@ -1135,13 +3696,7 @@
       </p:sp>
       <p:sp>
         <p:nvSpPr>
-          <p:cNvPr id="5" name="Footer Placeholder 4">
-            <a:extLst>
-              <a:ext uri="{FF2B5EF4-FFF2-40B4-BE49-F238E27FC236}">
-                <a16:creationId xmlns:a16="http://schemas.microsoft.com/office/drawing/2014/main" id="{24A3E88A-52B6-58D7-6400-FAB1372C5574}"/>
-              </a:ext>
-            </a:extLst>
-          </p:cNvPr>
+          <p:cNvPr id="5" name="Footer Placeholder 4"/>
           <p:cNvSpPr>
             <a:spLocks noGrp="1"/>
           </p:cNvSpPr>
@@ -1160,13 +3715,7 @@
       </p:sp>
       <p:sp>
         <p:nvSpPr>
-          <p:cNvPr id="6" name="Slide Number Placeholder 5">
-            <a:extLst>
-              <a:ext uri="{FF2B5EF4-FFF2-40B4-BE49-F238E27FC236}">
-                <a16:creationId xmlns:a16="http://schemas.microsoft.com/office/drawing/2014/main" id="{57C7B831-06C7-E894-A100-9316DA86D7F4}"/>
-              </a:ext>
-            </a:extLst>
-          </p:cNvPr>
+          <p:cNvPr id="6" name="Slide Number Placeholder 5"/>
           <p:cNvSpPr>
             <a:spLocks noGrp="1"/>
           </p:cNvSpPr>
@@ -1190,7 +3739,7 @@
     </p:spTree>
     <p:extLst>
       <p:ext uri="{BB962C8B-B14F-4D97-AF65-F5344CB8AC3E}">
-        <p14:creationId xmlns:p14="http://schemas.microsoft.com/office/powerpoint/2010/main" val="4000515189"/>
+        <p14:creationId xmlns:p14="http://schemas.microsoft.com/office/powerpoint/2010/main" val="1400190351"/>
       </p:ext>
     </p:extLst>
   </p:cSld>
@@ -1219,13 +3768,7 @@
       </p:grpSpPr>
       <p:sp>
         <p:nvSpPr>
-          <p:cNvPr id="2" name="Title 1">
-            <a:extLst>
-              <a:ext uri="{FF2B5EF4-FFF2-40B4-BE49-F238E27FC236}">
-                <a16:creationId xmlns:a16="http://schemas.microsoft.com/office/drawing/2014/main" id="{1594D3F6-C15C-EF4B-0791-E467B22B9A95}"/>
-              </a:ext>
-            </a:extLst>
-          </p:cNvPr>
+          <p:cNvPr id="2" name="Title 1"/>
           <p:cNvSpPr>
             <a:spLocks noGrp="1"/>
           </p:cNvSpPr>
@@ -1242,18 +3785,13 @@
               <a:rPr lang="en-US"/>
               <a:t>Click to edit Master title style</a:t>
             </a:r>
-          </a:p>
-        </p:txBody>
-      </p:sp>
-      <p:sp>
-        <p:nvSpPr>
-          <p:cNvPr id="3" name="Content Placeholder 2">
-            <a:extLst>
-              <a:ext uri="{FF2B5EF4-FFF2-40B4-BE49-F238E27FC236}">
-                <a16:creationId xmlns:a16="http://schemas.microsoft.com/office/drawing/2014/main" id="{853AD089-54CE-C84A-37EF-6FF454C24BDC}"/>
-              </a:ext>
-            </a:extLst>
-          </p:cNvPr>
+            <a:endParaRPr lang="en-US" dirty="0"/>
+          </a:p>
+        </p:txBody>
+      </p:sp>
+      <p:sp>
+        <p:nvSpPr>
+          <p:cNvPr id="3" name="Content Placeholder 2"/>
           <p:cNvSpPr>
             <a:spLocks noGrp="1"/>
           </p:cNvSpPr>
@@ -1299,18 +3837,13 @@
               <a:rPr lang="en-US"/>
               <a:t>Fifth level</a:t>
             </a:r>
-          </a:p>
-        </p:txBody>
-      </p:sp>
-      <p:sp>
-        <p:nvSpPr>
-          <p:cNvPr id="4" name="Date Placeholder 3">
-            <a:extLst>
-              <a:ext uri="{FF2B5EF4-FFF2-40B4-BE49-F238E27FC236}">
-                <a16:creationId xmlns:a16="http://schemas.microsoft.com/office/drawing/2014/main" id="{AC2C77E9-EA5C-BD25-590D-BB120DD3C129}"/>
-              </a:ext>
-            </a:extLst>
-          </p:cNvPr>
+            <a:endParaRPr lang="en-US" dirty="0"/>
+          </a:p>
+        </p:txBody>
+      </p:sp>
+      <p:sp>
+        <p:nvSpPr>
+          <p:cNvPr id="4" name="Date Placeholder 3"/>
           <p:cNvSpPr>
             <a:spLocks noGrp="1"/>
           </p:cNvSpPr>
@@ -1325,7 +3858,7 @@
           <a:p>
             <a:fld id="{C5CF9B54-0771-4619-91C6-80D4996C31DE}" type="datetimeFigureOut">
               <a:rPr lang="en-US" smtClean="0"/>
-              <a:t>12/11/2025</a:t>
+              <a:t>12/12/2025</a:t>
             </a:fld>
             <a:endParaRPr lang="en-US"/>
           </a:p>
@@ -1333,13 +3866,7 @@
       </p:sp>
       <p:sp>
         <p:nvSpPr>
-          <p:cNvPr id="5" name="Footer Placeholder 4">
-            <a:extLst>
-              <a:ext uri="{FF2B5EF4-FFF2-40B4-BE49-F238E27FC236}">
-                <a16:creationId xmlns:a16="http://schemas.microsoft.com/office/drawing/2014/main" id="{5B38B8AF-28E4-CA85-6922-BE3865768230}"/>
-              </a:ext>
-            </a:extLst>
-          </p:cNvPr>
+          <p:cNvPr id="5" name="Footer Placeholder 4"/>
           <p:cNvSpPr>
             <a:spLocks noGrp="1"/>
           </p:cNvSpPr>
@@ -1358,13 +3885,7 @@
       </p:sp>
       <p:sp>
         <p:nvSpPr>
-          <p:cNvPr id="6" name="Slide Number Placeholder 5">
-            <a:extLst>
-              <a:ext uri="{FF2B5EF4-FFF2-40B4-BE49-F238E27FC236}">
-                <a16:creationId xmlns:a16="http://schemas.microsoft.com/office/drawing/2014/main" id="{7F35504D-383A-6359-3071-911C8F0C2762}"/>
-              </a:ext>
-            </a:extLst>
-          </p:cNvPr>
+          <p:cNvPr id="6" name="Slide Number Placeholder 5"/>
           <p:cNvSpPr>
             <a:spLocks noGrp="1"/>
           </p:cNvSpPr>
@@ -1388,7 +3909,7 @@
     </p:spTree>
     <p:extLst>
       <p:ext uri="{BB962C8B-B14F-4D97-AF65-F5344CB8AC3E}">
-        <p14:creationId xmlns:p14="http://schemas.microsoft.com/office/powerpoint/2010/main" val="1956066663"/>
+        <p14:creationId xmlns:p14="http://schemas.microsoft.com/office/powerpoint/2010/main" val="2802334162"/>
       </p:ext>
     </p:extLst>
   </p:cSld>
@@ -1417,13 +3938,7 @@
       </p:grpSpPr>
       <p:sp>
         <p:nvSpPr>
-          <p:cNvPr id="2" name="Title 1">
-            <a:extLst>
-              <a:ext uri="{FF2B5EF4-FFF2-40B4-BE49-F238E27FC236}">
-                <a16:creationId xmlns:a16="http://schemas.microsoft.com/office/drawing/2014/main" id="{ACF9C8B1-94B8-8CE7-F06D-1F7904FC171B}"/>
-              </a:ext>
-            </a:extLst>
-          </p:cNvPr>
+          <p:cNvPr id="2" name="Title 1"/>
           <p:cNvSpPr>
             <a:spLocks noGrp="1"/>
           </p:cNvSpPr>
@@ -1433,15 +3948,15 @@
         </p:nvSpPr>
         <p:spPr>
           <a:xfrm>
-            <a:off x="831850" y="1709738"/>
-            <a:ext cx="10515600" cy="2852737"/>
+            <a:off x="1295401" y="1761067"/>
+            <a:ext cx="9590550" cy="1828813"/>
           </a:xfrm>
         </p:spPr>
         <p:txBody>
           <a:bodyPr anchor="b"/>
           <a:lstStyle>
-            <a:lvl1pPr>
-              <a:defRPr sz="6000"/>
+            <a:lvl1pPr algn="ctr">
+              <a:defRPr sz="4000" b="0" cap="none"/>
             </a:lvl1pPr>
           </a:lstStyle>
           <a:p>
@@ -1449,18 +3964,13 @@
               <a:rPr lang="en-US"/>
               <a:t>Click to edit Master title style</a:t>
             </a:r>
-          </a:p>
-        </p:txBody>
-      </p:sp>
-      <p:sp>
-        <p:nvSpPr>
-          <p:cNvPr id="3" name="Text Placeholder 2">
-            <a:extLst>
-              <a:ext uri="{FF2B5EF4-FFF2-40B4-BE49-F238E27FC236}">
-                <a16:creationId xmlns:a16="http://schemas.microsoft.com/office/drawing/2014/main" id="{BA2A46EA-CA55-D2FC-3EBD-40A73C80AC20}"/>
-              </a:ext>
-            </a:extLst>
-          </p:cNvPr>
+            <a:endParaRPr lang="en-US" dirty="0"/>
+          </a:p>
+        </p:txBody>
+      </p:sp>
+      <p:sp>
+        <p:nvSpPr>
+          <p:cNvPr id="3" name="Text Placeholder 2"/>
           <p:cNvSpPr>
             <a:spLocks noGrp="1"/>
           </p:cNvSpPr>
@@ -1470,26 +3980,24 @@
         </p:nvSpPr>
         <p:spPr>
           <a:xfrm>
-            <a:off x="831850" y="4589463"/>
-            <a:ext cx="10515600" cy="1500187"/>
+            <a:off x="1295401" y="3589879"/>
+            <a:ext cx="9590550" cy="1507054"/>
           </a:xfrm>
         </p:spPr>
         <p:txBody>
-          <a:bodyPr/>
+          <a:bodyPr anchor="t"/>
           <a:lstStyle>
-            <a:lvl1pPr marL="0" indent="0">
-              <a:buNone/>
-              <a:defRPr sz="2400">
+            <a:lvl1pPr marL="0" indent="0" algn="ctr">
+              <a:buNone/>
+              <a:defRPr sz="2000">
                 <a:solidFill>
-                  <a:schemeClr val="tx1">
-                    <a:tint val="75000"/>
-                  </a:schemeClr>
+                  <a:schemeClr val="tx1"/>
                 </a:solidFill>
               </a:defRPr>
             </a:lvl1pPr>
             <a:lvl2pPr marL="457200" indent="0">
               <a:buNone/>
-              <a:defRPr sz="2000">
+              <a:defRPr sz="1800">
                 <a:solidFill>
                   <a:schemeClr val="tx1">
                     <a:tint val="75000"/>
@@ -1499,7 +4007,7 @@
             </a:lvl2pPr>
             <a:lvl3pPr marL="914400" indent="0">
               <a:buNone/>
-              <a:defRPr sz="1800">
+              <a:defRPr sz="1600">
                 <a:solidFill>
                   <a:schemeClr val="tx1">
                     <a:tint val="75000"/>
@@ -1509,7 +4017,7 @@
             </a:lvl3pPr>
             <a:lvl4pPr marL="1371600" indent="0">
               <a:buNone/>
-              <a:defRPr sz="1600">
+              <a:defRPr sz="1400">
                 <a:solidFill>
                   <a:schemeClr val="tx1">
                     <a:tint val="75000"/>
@@ -1519,7 +4027,7 @@
             </a:lvl4pPr>
             <a:lvl5pPr marL="1828800" indent="0">
               <a:buNone/>
-              <a:defRPr sz="1600">
+              <a:defRPr sz="1400">
                 <a:solidFill>
                   <a:schemeClr val="tx1">
                     <a:tint val="75000"/>
@@ -1529,7 +4037,7 @@
             </a:lvl5pPr>
             <a:lvl6pPr marL="2286000" indent="0">
               <a:buNone/>
-              <a:defRPr sz="1600">
+              <a:defRPr sz="1400">
                 <a:solidFill>
                   <a:schemeClr val="tx1">
                     <a:tint val="75000"/>
@@ -1539,7 +4047,7 @@
             </a:lvl6pPr>
             <a:lvl7pPr marL="2743200" indent="0">
               <a:buNone/>
-              <a:defRPr sz="1600">
+              <a:defRPr sz="1400">
                 <a:solidFill>
                   <a:schemeClr val="tx1">
                     <a:tint val="75000"/>
@@ -1549,7 +4057,7 @@
             </a:lvl7pPr>
             <a:lvl8pPr marL="3200400" indent="0">
               <a:buNone/>
-              <a:defRPr sz="1600">
+              <a:defRPr sz="1400">
                 <a:solidFill>
                   <a:schemeClr val="tx1">
                     <a:tint val="75000"/>
@@ -1559,7 +4067,7 @@
             </a:lvl8pPr>
             <a:lvl9pPr marL="3657600" indent="0">
               <a:buNone/>
-              <a:defRPr sz="1600">
+              <a:defRPr sz="1400">
                 <a:solidFill>
                   <a:schemeClr val="tx1">
                     <a:tint val="75000"/>
@@ -1579,13 +4087,7 @@
       </p:sp>
       <p:sp>
         <p:nvSpPr>
-          <p:cNvPr id="4" name="Date Placeholder 3">
-            <a:extLst>
-              <a:ext uri="{FF2B5EF4-FFF2-40B4-BE49-F238E27FC236}">
-                <a16:creationId xmlns:a16="http://schemas.microsoft.com/office/drawing/2014/main" id="{D92D6BA5-D2E4-7C9C-5C94-B3465546A43C}"/>
-              </a:ext>
-            </a:extLst>
-          </p:cNvPr>
+          <p:cNvPr id="4" name="Date Placeholder 3"/>
           <p:cNvSpPr>
             <a:spLocks noGrp="1"/>
           </p:cNvSpPr>
@@ -1600,7 +4102,7 @@
           <a:p>
             <a:fld id="{C5CF9B54-0771-4619-91C6-80D4996C31DE}" type="datetimeFigureOut">
               <a:rPr lang="en-US" smtClean="0"/>
-              <a:t>12/11/2025</a:t>
+              <a:t>12/12/2025</a:t>
             </a:fld>
             <a:endParaRPr lang="en-US"/>
           </a:p>
@@ -1608,13 +4110,7 @@
       </p:sp>
       <p:sp>
         <p:nvSpPr>
-          <p:cNvPr id="5" name="Footer Placeholder 4">
-            <a:extLst>
-              <a:ext uri="{FF2B5EF4-FFF2-40B4-BE49-F238E27FC236}">
-                <a16:creationId xmlns:a16="http://schemas.microsoft.com/office/drawing/2014/main" id="{07893155-B701-8BA7-09E6-CA61C5D6EA4A}"/>
-              </a:ext>
-            </a:extLst>
-          </p:cNvPr>
+          <p:cNvPr id="5" name="Footer Placeholder 4"/>
           <p:cNvSpPr>
             <a:spLocks noGrp="1"/>
           </p:cNvSpPr>
@@ -1633,13 +4129,7 @@
       </p:sp>
       <p:sp>
         <p:nvSpPr>
-          <p:cNvPr id="6" name="Slide Number Placeholder 5">
-            <a:extLst>
-              <a:ext uri="{FF2B5EF4-FFF2-40B4-BE49-F238E27FC236}">
-                <a16:creationId xmlns:a16="http://schemas.microsoft.com/office/drawing/2014/main" id="{49831296-4B34-561D-4598-FB865A95585C}"/>
-              </a:ext>
-            </a:extLst>
-          </p:cNvPr>
+          <p:cNvPr id="6" name="Slide Number Placeholder 5"/>
           <p:cNvSpPr>
             <a:spLocks noGrp="1"/>
           </p:cNvSpPr>
@@ -1663,7 +4153,7 @@
     </p:spTree>
     <p:extLst>
       <p:ext uri="{BB962C8B-B14F-4D97-AF65-F5344CB8AC3E}">
-        <p14:creationId xmlns:p14="http://schemas.microsoft.com/office/powerpoint/2010/main" val="3968305761"/>
+        <p14:creationId xmlns:p14="http://schemas.microsoft.com/office/powerpoint/2010/main" val="1070839001"/>
       </p:ext>
     </p:extLst>
   </p:cSld>
@@ -1692,13 +4182,7 @@
       </p:grpSpPr>
       <p:sp>
         <p:nvSpPr>
-          <p:cNvPr id="2" name="Title 1">
-            <a:extLst>
-              <a:ext uri="{FF2B5EF4-FFF2-40B4-BE49-F238E27FC236}">
-                <a16:creationId xmlns:a16="http://schemas.microsoft.com/office/drawing/2014/main" id="{8D608A41-AED8-61BE-FBCD-C5EBA12C7BDA}"/>
-              </a:ext>
-            </a:extLst>
-          </p:cNvPr>
+          <p:cNvPr id="2" name="Title 1"/>
           <p:cNvSpPr>
             <a:spLocks noGrp="1"/>
           </p:cNvSpPr>
@@ -1715,18 +4199,13 @@
               <a:rPr lang="en-US"/>
               <a:t>Click to edit Master title style</a:t>
             </a:r>
-          </a:p>
-        </p:txBody>
-      </p:sp>
-      <p:sp>
-        <p:nvSpPr>
-          <p:cNvPr id="3" name="Content Placeholder 2">
-            <a:extLst>
-              <a:ext uri="{FF2B5EF4-FFF2-40B4-BE49-F238E27FC236}">
-                <a16:creationId xmlns:a16="http://schemas.microsoft.com/office/drawing/2014/main" id="{826BFB04-CFE9-A19E-5A84-B58607440F5E}"/>
-              </a:ext>
-            </a:extLst>
-          </p:cNvPr>
+            <a:endParaRPr lang="en-US" dirty="0"/>
+          </a:p>
+        </p:txBody>
+      </p:sp>
+      <p:sp>
+        <p:nvSpPr>
+          <p:cNvPr id="3" name="Content Placeholder 2"/>
           <p:cNvSpPr>
             <a:spLocks noGrp="1"/>
           </p:cNvSpPr>
@@ -1736,175 +4215,157 @@
         </p:nvSpPr>
         <p:spPr>
           <a:xfrm>
-            <a:off x="838200" y="1825625"/>
-            <a:ext cx="5181600" cy="4351338"/>
+            <a:off x="913795" y="1732449"/>
+            <a:ext cx="5060497" cy="4058750"/>
           </a:xfrm>
         </p:spPr>
         <p:txBody>
+          <a:bodyPr anchor="t">
+            <a:normAutofit/>
+          </a:bodyPr>
+          <a:lstStyle/>
+          <a:p>
+            <a:pPr lvl="0"/>
+            <a:r>
+              <a:rPr lang="en-US"/>
+              <a:t>Click to edit Master text styles</a:t>
+            </a:r>
+          </a:p>
+          <a:p>
+            <a:pPr lvl="1"/>
+            <a:r>
+              <a:rPr lang="en-US"/>
+              <a:t>Second level</a:t>
+            </a:r>
+          </a:p>
+          <a:p>
+            <a:pPr lvl="2"/>
+            <a:r>
+              <a:rPr lang="en-US"/>
+              <a:t>Third level</a:t>
+            </a:r>
+          </a:p>
+          <a:p>
+            <a:pPr lvl="3"/>
+            <a:r>
+              <a:rPr lang="en-US"/>
+              <a:t>Fourth level</a:t>
+            </a:r>
+          </a:p>
+          <a:p>
+            <a:pPr lvl="4"/>
+            <a:r>
+              <a:rPr lang="en-US"/>
+              <a:t>Fifth level</a:t>
+            </a:r>
+            <a:endParaRPr lang="en-US" dirty="0"/>
+          </a:p>
+        </p:txBody>
+      </p:sp>
+      <p:sp>
+        <p:nvSpPr>
+          <p:cNvPr id="4" name="Content Placeholder 3"/>
+          <p:cNvSpPr>
+            <a:spLocks noGrp="1"/>
+          </p:cNvSpPr>
+          <p:nvPr>
+            <p:ph sz="half" idx="2"/>
+          </p:nvPr>
+        </p:nvSpPr>
+        <p:spPr>
+          <a:xfrm>
+            <a:off x="6202892" y="1732449"/>
+            <a:ext cx="5064665" cy="4058751"/>
+          </a:xfrm>
+        </p:spPr>
+        <p:txBody>
+          <a:bodyPr anchor="t">
+            <a:normAutofit/>
+          </a:bodyPr>
+          <a:lstStyle/>
+          <a:p>
+            <a:pPr lvl="0"/>
+            <a:r>
+              <a:rPr lang="en-US"/>
+              <a:t>Click to edit Master text styles</a:t>
+            </a:r>
+          </a:p>
+          <a:p>
+            <a:pPr lvl="1"/>
+            <a:r>
+              <a:rPr lang="en-US"/>
+              <a:t>Second level</a:t>
+            </a:r>
+          </a:p>
+          <a:p>
+            <a:pPr lvl="2"/>
+            <a:r>
+              <a:rPr lang="en-US"/>
+              <a:t>Third level</a:t>
+            </a:r>
+          </a:p>
+          <a:p>
+            <a:pPr lvl="3"/>
+            <a:r>
+              <a:rPr lang="en-US"/>
+              <a:t>Fourth level</a:t>
+            </a:r>
+          </a:p>
+          <a:p>
+            <a:pPr lvl="4"/>
+            <a:r>
+              <a:rPr lang="en-US"/>
+              <a:t>Fifth level</a:t>
+            </a:r>
+            <a:endParaRPr lang="en-US" dirty="0"/>
+          </a:p>
+        </p:txBody>
+      </p:sp>
+      <p:sp>
+        <p:nvSpPr>
+          <p:cNvPr id="5" name="Date Placeholder 4"/>
+          <p:cNvSpPr>
+            <a:spLocks noGrp="1"/>
+          </p:cNvSpPr>
+          <p:nvPr>
+            <p:ph type="dt" sz="half" idx="10"/>
+          </p:nvPr>
+        </p:nvSpPr>
+        <p:spPr/>
+        <p:txBody>
           <a:bodyPr/>
           <a:lstStyle/>
           <a:p>
-            <a:pPr lvl="0"/>
-            <a:r>
-              <a:rPr lang="en-US"/>
-              <a:t>Click to edit Master text styles</a:t>
-            </a:r>
-          </a:p>
-          <a:p>
-            <a:pPr lvl="1"/>
-            <a:r>
-              <a:rPr lang="en-US"/>
-              <a:t>Second level</a:t>
-            </a:r>
-          </a:p>
-          <a:p>
-            <a:pPr lvl="2"/>
-            <a:r>
-              <a:rPr lang="en-US"/>
-              <a:t>Third level</a:t>
-            </a:r>
-          </a:p>
-          <a:p>
-            <a:pPr lvl="3"/>
-            <a:r>
-              <a:rPr lang="en-US"/>
-              <a:t>Fourth level</a:t>
-            </a:r>
-          </a:p>
-          <a:p>
-            <a:pPr lvl="4"/>
-            <a:r>
-              <a:rPr lang="en-US"/>
-              <a:t>Fifth level</a:t>
-            </a:r>
-          </a:p>
-        </p:txBody>
-      </p:sp>
-      <p:sp>
-        <p:nvSpPr>
-          <p:cNvPr id="4" name="Content Placeholder 3">
-            <a:extLst>
-              <a:ext uri="{FF2B5EF4-FFF2-40B4-BE49-F238E27FC236}">
-                <a16:creationId xmlns:a16="http://schemas.microsoft.com/office/drawing/2014/main" id="{B120EE82-5DCE-8258-8E90-B39B7F296AC7}"/>
-              </a:ext>
-            </a:extLst>
-          </p:cNvPr>
-          <p:cNvSpPr>
-            <a:spLocks noGrp="1"/>
-          </p:cNvSpPr>
-          <p:nvPr>
-            <p:ph sz="half" idx="2"/>
-          </p:nvPr>
-        </p:nvSpPr>
-        <p:spPr>
-          <a:xfrm>
-            <a:off x="6172200" y="1825625"/>
-            <a:ext cx="5181600" cy="4351338"/>
-          </a:xfrm>
-        </p:spPr>
+            <a:fld id="{C5CF9B54-0771-4619-91C6-80D4996C31DE}" type="datetimeFigureOut">
+              <a:rPr lang="en-US" smtClean="0"/>
+              <a:t>12/12/2025</a:t>
+            </a:fld>
+            <a:endParaRPr lang="en-US"/>
+          </a:p>
+        </p:txBody>
+      </p:sp>
+      <p:sp>
+        <p:nvSpPr>
+          <p:cNvPr id="6" name="Footer Placeholder 5"/>
+          <p:cNvSpPr>
+            <a:spLocks noGrp="1"/>
+          </p:cNvSpPr>
+          <p:nvPr>
+            <p:ph type="ftr" sz="quarter" idx="11"/>
+          </p:nvPr>
+        </p:nvSpPr>
+        <p:spPr/>
         <p:txBody>
           <a:bodyPr/>
           <a:lstStyle/>
           <a:p>
-            <a:pPr lvl="0"/>
-            <a:r>
-              <a:rPr lang="en-US"/>
-              <a:t>Click to edit Master text styles</a:t>
-            </a:r>
-          </a:p>
-          <a:p>
-            <a:pPr lvl="1"/>
-            <a:r>
-              <a:rPr lang="en-US"/>
-              <a:t>Second level</a:t>
-            </a:r>
-          </a:p>
-          <a:p>
-            <a:pPr lvl="2"/>
-            <a:r>
-              <a:rPr lang="en-US"/>
-              <a:t>Third level</a:t>
-            </a:r>
-          </a:p>
-          <a:p>
-            <a:pPr lvl="3"/>
-            <a:r>
-              <a:rPr lang="en-US"/>
-              <a:t>Fourth level</a:t>
-            </a:r>
-          </a:p>
-          <a:p>
-            <a:pPr lvl="4"/>
-            <a:r>
-              <a:rPr lang="en-US"/>
-              <a:t>Fifth level</a:t>
-            </a:r>
-          </a:p>
-        </p:txBody>
-      </p:sp>
-      <p:sp>
-        <p:nvSpPr>
-          <p:cNvPr id="5" name="Date Placeholder 4">
-            <a:extLst>
-              <a:ext uri="{FF2B5EF4-FFF2-40B4-BE49-F238E27FC236}">
-                <a16:creationId xmlns:a16="http://schemas.microsoft.com/office/drawing/2014/main" id="{19559D6A-862D-07FF-B5B6-7B26EF01C7E1}"/>
-              </a:ext>
-            </a:extLst>
-          </p:cNvPr>
-          <p:cNvSpPr>
-            <a:spLocks noGrp="1"/>
-          </p:cNvSpPr>
-          <p:nvPr>
-            <p:ph type="dt" sz="half" idx="10"/>
-          </p:nvPr>
-        </p:nvSpPr>
-        <p:spPr/>
-        <p:txBody>
-          <a:bodyPr/>
-          <a:lstStyle/>
-          <a:p>
-            <a:fld id="{C5CF9B54-0771-4619-91C6-80D4996C31DE}" type="datetimeFigureOut">
-              <a:rPr lang="en-US" smtClean="0"/>
-              <a:t>12/11/2025</a:t>
-            </a:fld>
             <a:endParaRPr lang="en-US"/>
           </a:p>
         </p:txBody>
       </p:sp>
       <p:sp>
         <p:nvSpPr>
-          <p:cNvPr id="6" name="Footer Placeholder 5">
-            <a:extLst>
-              <a:ext uri="{FF2B5EF4-FFF2-40B4-BE49-F238E27FC236}">
-                <a16:creationId xmlns:a16="http://schemas.microsoft.com/office/drawing/2014/main" id="{743F38EA-8453-9937-88D5-4F6FE9126712}"/>
-              </a:ext>
-            </a:extLst>
-          </p:cNvPr>
-          <p:cNvSpPr>
-            <a:spLocks noGrp="1"/>
-          </p:cNvSpPr>
-          <p:nvPr>
-            <p:ph type="ftr" sz="quarter" idx="11"/>
-          </p:nvPr>
-        </p:nvSpPr>
-        <p:spPr/>
-        <p:txBody>
-          <a:bodyPr/>
-          <a:lstStyle/>
-          <a:p>
-            <a:endParaRPr lang="en-US"/>
-          </a:p>
-        </p:txBody>
-      </p:sp>
-      <p:sp>
-        <p:nvSpPr>
-          <p:cNvPr id="7" name="Slide Number Placeholder 6">
-            <a:extLst>
-              <a:ext uri="{FF2B5EF4-FFF2-40B4-BE49-F238E27FC236}">
-                <a16:creationId xmlns:a16="http://schemas.microsoft.com/office/drawing/2014/main" id="{888D7C74-FE16-613D-A0E7-851B918B44AE}"/>
-              </a:ext>
-            </a:extLst>
-          </p:cNvPr>
+          <p:cNvPr id="7" name="Slide Number Placeholder 6"/>
           <p:cNvSpPr>
             <a:spLocks noGrp="1"/>
           </p:cNvSpPr>
@@ -1928,7 +4389,7 @@
     </p:spTree>
     <p:extLst>
       <p:ext uri="{BB962C8B-B14F-4D97-AF65-F5344CB8AC3E}">
-        <p14:creationId xmlns:p14="http://schemas.microsoft.com/office/powerpoint/2010/main" val="3676091277"/>
+        <p14:creationId xmlns:p14="http://schemas.microsoft.com/office/powerpoint/2010/main" val="541467301"/>
       </p:ext>
     </p:extLst>
   </p:cSld>
@@ -1955,67 +4416,117 @@
           <a:chExt cx="0" cy="0"/>
         </a:xfrm>
       </p:grpSpPr>
-      <p:sp>
-        <p:nvSpPr>
-          <p:cNvPr id="2" name="Title 1">
+      <p:pic>
+        <p:nvPicPr>
+          <p:cNvPr id="20" name="Picture 19" descr="Slate-V2-HD-compPhotoInset.png"/>
+          <p:cNvPicPr>
+            <a:picLocks noChangeAspect="1"/>
+          </p:cNvPicPr>
+          <p:nvPr/>
+        </p:nvPicPr>
+        <p:blipFill>
+          <a:blip r:embed="rId2">
             <a:extLst>
-              <a:ext uri="{FF2B5EF4-FFF2-40B4-BE49-F238E27FC236}">
-                <a16:creationId xmlns:a16="http://schemas.microsoft.com/office/drawing/2014/main" id="{53129BD3-48DC-49EB-8DEC-896E331812A2}"/>
+              <a:ext uri="{28A0092B-C50C-407E-A947-70E740481C1C}">
+                <a14:useLocalDpi xmlns:a14="http://schemas.microsoft.com/office/drawing/2010/main" val="0"/>
               </a:ext>
             </a:extLst>
-          </p:cNvPr>
-          <p:cNvSpPr>
-            <a:spLocks noGrp="1"/>
-          </p:cNvSpPr>
-          <p:nvPr>
-            <p:ph type="title"/>
-          </p:nvPr>
-        </p:nvSpPr>
+          </a:blip>
+          <a:stretch>
+            <a:fillRect/>
+          </a:stretch>
+        </p:blipFill>
         <p:spPr>
           <a:xfrm>
-            <a:off x="839788" y="365125"/>
-            <a:ext cx="10515600" cy="1325563"/>
+            <a:off x="913795" y="1734506"/>
+            <a:ext cx="5089072" cy="4148769"/>
+          </a:xfrm>
+          <a:prstGeom prst="rect">
+            <a:avLst/>
+          </a:prstGeom>
+        </p:spPr>
+      </p:pic>
+      <p:pic>
+        <p:nvPicPr>
+          <p:cNvPr id="21" name="Picture 20" descr="Slate-V2-HD-compPhotoInset.png"/>
+          <p:cNvPicPr>
+            <a:picLocks noChangeAspect="1"/>
+          </p:cNvPicPr>
+          <p:nvPr/>
+        </p:nvPicPr>
+        <p:blipFill>
+          <a:blip r:embed="rId2">
+            <a:extLst>
+              <a:ext uri="{28A0092B-C50C-407E-A947-70E740481C1C}">
+                <a14:useLocalDpi xmlns:a14="http://schemas.microsoft.com/office/drawing/2010/main" val="0"/>
+              </a:ext>
+            </a:extLst>
+          </a:blip>
+          <a:stretch>
+            <a:fillRect/>
+          </a:stretch>
+        </p:blipFill>
+        <p:spPr>
+          <a:xfrm>
+            <a:off x="6178485" y="1734506"/>
+            <a:ext cx="5089072" cy="4148769"/>
+          </a:xfrm>
+          <a:prstGeom prst="rect">
+            <a:avLst/>
+          </a:prstGeom>
+        </p:spPr>
+      </p:pic>
+      <p:sp>
+        <p:nvSpPr>
+          <p:cNvPr id="2" name="Title 1"/>
+          <p:cNvSpPr>
+            <a:spLocks noGrp="1"/>
+          </p:cNvSpPr>
+          <p:nvPr>
+            <p:ph type="title"/>
+          </p:nvPr>
+        </p:nvSpPr>
+        <p:spPr/>
+        <p:txBody>
+          <a:bodyPr/>
+          <a:lstStyle>
+            <a:lvl1pPr>
+              <a:defRPr/>
+            </a:lvl1pPr>
+          </a:lstStyle>
+          <a:p>
+            <a:r>
+              <a:rPr lang="en-US"/>
+              <a:t>Click to edit Master title style</a:t>
+            </a:r>
+            <a:endParaRPr lang="en-US" dirty="0"/>
+          </a:p>
+        </p:txBody>
+      </p:sp>
+      <p:sp>
+        <p:nvSpPr>
+          <p:cNvPr id="3" name="Text Placeholder 2"/>
+          <p:cNvSpPr>
+            <a:spLocks noGrp="1"/>
+          </p:cNvSpPr>
+          <p:nvPr>
+            <p:ph type="body" idx="1"/>
+          </p:nvPr>
+        </p:nvSpPr>
+        <p:spPr>
+          <a:xfrm>
+            <a:off x="1005872" y="1835254"/>
+            <a:ext cx="4876344" cy="544884"/>
           </a:xfrm>
         </p:spPr>
         <p:txBody>
-          <a:bodyPr/>
-          <a:lstStyle/>
-          <a:p>
-            <a:r>
-              <a:rPr lang="en-US"/>
-              <a:t>Click to edit Master title style</a:t>
-            </a:r>
-          </a:p>
-        </p:txBody>
-      </p:sp>
-      <p:sp>
-        <p:nvSpPr>
-          <p:cNvPr id="3" name="Text Placeholder 2">
-            <a:extLst>
-              <a:ext uri="{FF2B5EF4-FFF2-40B4-BE49-F238E27FC236}">
-                <a16:creationId xmlns:a16="http://schemas.microsoft.com/office/drawing/2014/main" id="{2280F2BD-FE8C-8E13-5462-F4AE4B1B9FFB}"/>
-              </a:ext>
-            </a:extLst>
-          </p:cNvPr>
-          <p:cNvSpPr>
-            <a:spLocks noGrp="1"/>
-          </p:cNvSpPr>
-          <p:nvPr>
-            <p:ph type="body" idx="1"/>
-          </p:nvPr>
-        </p:nvSpPr>
-        <p:spPr>
-          <a:xfrm>
-            <a:off x="839788" y="1681163"/>
-            <a:ext cx="5157787" cy="823912"/>
-          </a:xfrm>
-        </p:spPr>
-        <p:txBody>
-          <a:bodyPr anchor="b"/>
+          <a:bodyPr anchor="b">
+            <a:noAutofit/>
+          </a:bodyPr>
           <a:lstStyle>
-            <a:lvl1pPr marL="0" indent="0">
-              <a:buNone/>
-              <a:defRPr sz="2400" b="1"/>
+            <a:lvl1pPr marL="0" indent="0" algn="ctr">
+              <a:buNone/>
+              <a:defRPr sz="2400" b="0"/>
             </a:lvl1pPr>
             <a:lvl2pPr marL="457200" indent="0">
               <a:buNone/>
@@ -2061,13 +4572,7 @@
       </p:sp>
       <p:sp>
         <p:nvSpPr>
-          <p:cNvPr id="4" name="Content Placeholder 3">
-            <a:extLst>
-              <a:ext uri="{FF2B5EF4-FFF2-40B4-BE49-F238E27FC236}">
-                <a16:creationId xmlns:a16="http://schemas.microsoft.com/office/drawing/2014/main" id="{E626553F-F641-4684-4A3E-9270C0194816}"/>
-              </a:ext>
-            </a:extLst>
-          </p:cNvPr>
+          <p:cNvPr id="4" name="Content Placeholder 3"/>
           <p:cNvSpPr>
             <a:spLocks noGrp="1"/>
           </p:cNvSpPr>
@@ -2077,13 +4582,31 @@
         </p:nvSpPr>
         <p:spPr>
           <a:xfrm>
-            <a:off x="839788" y="2505075"/>
-            <a:ext cx="5157787" cy="3684588"/>
+            <a:off x="1005872" y="2380137"/>
+            <a:ext cx="4876344" cy="3411063"/>
           </a:xfrm>
         </p:spPr>
         <p:txBody>
-          <a:bodyPr/>
-          <a:lstStyle/>
+          <a:bodyPr anchor="t">
+            <a:normAutofit/>
+          </a:bodyPr>
+          <a:lstStyle>
+            <a:lvl1pPr>
+              <a:defRPr sz="1800"/>
+            </a:lvl1pPr>
+            <a:lvl2pPr>
+              <a:defRPr sz="1600"/>
+            </a:lvl2pPr>
+            <a:lvl3pPr>
+              <a:defRPr sz="1400"/>
+            </a:lvl3pPr>
+            <a:lvl4pPr>
+              <a:defRPr sz="1200"/>
+            </a:lvl4pPr>
+            <a:lvl5pPr>
+              <a:defRPr sz="1200"/>
+            </a:lvl5pPr>
+          </a:lstStyle>
           <a:p>
             <a:pPr lvl="0"/>
             <a:r>
@@ -2118,18 +4641,13 @@
               <a:rPr lang="en-US"/>
               <a:t>Fifth level</a:t>
             </a:r>
-          </a:p>
-        </p:txBody>
-      </p:sp>
-      <p:sp>
-        <p:nvSpPr>
-          <p:cNvPr id="5" name="Text Placeholder 4">
-            <a:extLst>
-              <a:ext uri="{FF2B5EF4-FFF2-40B4-BE49-F238E27FC236}">
-                <a16:creationId xmlns:a16="http://schemas.microsoft.com/office/drawing/2014/main" id="{973C8F6E-795A-9E46-22B4-B3C1DD22246B}"/>
-              </a:ext>
-            </a:extLst>
-          </p:cNvPr>
+            <a:endParaRPr lang="en-US" dirty="0"/>
+          </a:p>
+        </p:txBody>
+      </p:sp>
+      <p:sp>
+        <p:nvSpPr>
+          <p:cNvPr id="5" name="Text Placeholder 4"/>
           <p:cNvSpPr>
             <a:spLocks noGrp="1"/>
           </p:cNvSpPr>
@@ -2139,16 +4657,18 @@
         </p:nvSpPr>
         <p:spPr>
           <a:xfrm>
-            <a:off x="6172200" y="1681163"/>
-            <a:ext cx="5183188" cy="823912"/>
+            <a:off x="6294967" y="1835254"/>
+            <a:ext cx="4895330" cy="544883"/>
           </a:xfrm>
         </p:spPr>
         <p:txBody>
-          <a:bodyPr anchor="b"/>
+          <a:bodyPr anchor="b">
+            <a:noAutofit/>
+          </a:bodyPr>
           <a:lstStyle>
-            <a:lvl1pPr marL="0" indent="0">
-              <a:buNone/>
-              <a:defRPr sz="2400" b="1"/>
+            <a:lvl1pPr marL="0" indent="0" algn="ctr">
+              <a:buNone/>
+              <a:defRPr sz="2400" b="0"/>
             </a:lvl1pPr>
             <a:lvl2pPr marL="457200" indent="0">
               <a:buNone/>
@@ -2194,13 +4714,7 @@
       </p:sp>
       <p:sp>
         <p:nvSpPr>
-          <p:cNvPr id="6" name="Content Placeholder 5">
-            <a:extLst>
-              <a:ext uri="{FF2B5EF4-FFF2-40B4-BE49-F238E27FC236}">
-                <a16:creationId xmlns:a16="http://schemas.microsoft.com/office/drawing/2014/main" id="{A34B384A-50AB-B45C-57D3-2E7A91F15D3B}"/>
-              </a:ext>
-            </a:extLst>
-          </p:cNvPr>
+          <p:cNvPr id="6" name="Content Placeholder 5"/>
           <p:cNvSpPr>
             <a:spLocks noGrp="1"/>
           </p:cNvSpPr>
@@ -2210,64 +4724,100 @@
         </p:nvSpPr>
         <p:spPr>
           <a:xfrm>
-            <a:off x="6172200" y="2505075"/>
-            <a:ext cx="5183188" cy="3684588"/>
+            <a:off x="6294967" y="2380137"/>
+            <a:ext cx="4895330" cy="3411063"/>
           </a:xfrm>
         </p:spPr>
         <p:txBody>
+          <a:bodyPr anchor="t">
+            <a:normAutofit/>
+          </a:bodyPr>
+          <a:lstStyle>
+            <a:lvl1pPr>
+              <a:defRPr sz="1800"/>
+            </a:lvl1pPr>
+            <a:lvl2pPr>
+              <a:defRPr sz="1600"/>
+            </a:lvl2pPr>
+            <a:lvl3pPr>
+              <a:defRPr sz="1400"/>
+            </a:lvl3pPr>
+            <a:lvl4pPr>
+              <a:defRPr sz="1200"/>
+            </a:lvl4pPr>
+            <a:lvl5pPr>
+              <a:defRPr sz="1200"/>
+            </a:lvl5pPr>
+          </a:lstStyle>
+          <a:p>
+            <a:pPr lvl="0"/>
+            <a:r>
+              <a:rPr lang="en-US"/>
+              <a:t>Click to edit Master text styles</a:t>
+            </a:r>
+          </a:p>
+          <a:p>
+            <a:pPr lvl="1"/>
+            <a:r>
+              <a:rPr lang="en-US"/>
+              <a:t>Second level</a:t>
+            </a:r>
+          </a:p>
+          <a:p>
+            <a:pPr lvl="2"/>
+            <a:r>
+              <a:rPr lang="en-US"/>
+              <a:t>Third level</a:t>
+            </a:r>
+          </a:p>
+          <a:p>
+            <a:pPr lvl="3"/>
+            <a:r>
+              <a:rPr lang="en-US"/>
+              <a:t>Fourth level</a:t>
+            </a:r>
+          </a:p>
+          <a:p>
+            <a:pPr lvl="4"/>
+            <a:r>
+              <a:rPr lang="en-US"/>
+              <a:t>Fifth level</a:t>
+            </a:r>
+            <a:endParaRPr lang="en-US" dirty="0"/>
+          </a:p>
+        </p:txBody>
+      </p:sp>
+      <p:sp>
+        <p:nvSpPr>
+          <p:cNvPr id="7" name="Date Placeholder 6"/>
+          <p:cNvSpPr>
+            <a:spLocks noGrp="1"/>
+          </p:cNvSpPr>
+          <p:nvPr>
+            <p:ph type="dt" sz="half" idx="10"/>
+          </p:nvPr>
+        </p:nvSpPr>
+        <p:spPr/>
+        <p:txBody>
           <a:bodyPr/>
           <a:lstStyle/>
           <a:p>
-            <a:pPr lvl="0"/>
-            <a:r>
-              <a:rPr lang="en-US"/>
-              <a:t>Click to edit Master text styles</a:t>
-            </a:r>
-          </a:p>
-          <a:p>
-            <a:pPr lvl="1"/>
-            <a:r>
-              <a:rPr lang="en-US"/>
-              <a:t>Second level</a:t>
-            </a:r>
-          </a:p>
-          <a:p>
-            <a:pPr lvl="2"/>
-            <a:r>
-              <a:rPr lang="en-US"/>
-              <a:t>Third level</a:t>
-            </a:r>
-          </a:p>
-          <a:p>
-            <a:pPr lvl="3"/>
-            <a:r>
-              <a:rPr lang="en-US"/>
-              <a:t>Fourth level</a:t>
-            </a:r>
-          </a:p>
-          <a:p>
-            <a:pPr lvl="4"/>
-            <a:r>
-              <a:rPr lang="en-US"/>
-              <a:t>Fifth level</a:t>
-            </a:r>
-          </a:p>
-        </p:txBody>
-      </p:sp>
-      <p:sp>
-        <p:nvSpPr>
-          <p:cNvPr id="7" name="Date Placeholder 6">
-            <a:extLst>
-              <a:ext uri="{FF2B5EF4-FFF2-40B4-BE49-F238E27FC236}">
-                <a16:creationId xmlns:a16="http://schemas.microsoft.com/office/drawing/2014/main" id="{13554547-073D-B71E-9E90-4CB9C0761C88}"/>
-              </a:ext>
-            </a:extLst>
-          </p:cNvPr>
-          <p:cNvSpPr>
-            <a:spLocks noGrp="1"/>
-          </p:cNvSpPr>
-          <p:nvPr>
-            <p:ph type="dt" sz="half" idx="10"/>
+            <a:fld id="{C5CF9B54-0771-4619-91C6-80D4996C31DE}" type="datetimeFigureOut">
+              <a:rPr lang="en-US" smtClean="0"/>
+              <a:t>12/12/2025</a:t>
+            </a:fld>
+            <a:endParaRPr lang="en-US"/>
+          </a:p>
+        </p:txBody>
+      </p:sp>
+      <p:sp>
+        <p:nvSpPr>
+          <p:cNvPr id="8" name="Footer Placeholder 7"/>
+          <p:cNvSpPr>
+            <a:spLocks noGrp="1"/>
+          </p:cNvSpPr>
+          <p:nvPr>
+            <p:ph type="ftr" sz="quarter" idx="11"/>
           </p:nvPr>
         </p:nvSpPr>
         <p:spPr/>
@@ -2275,48 +4825,13 @@
           <a:bodyPr/>
           <a:lstStyle/>
           <a:p>
-            <a:fld id="{C5CF9B54-0771-4619-91C6-80D4996C31DE}" type="datetimeFigureOut">
-              <a:rPr lang="en-US" smtClean="0"/>
-              <a:t>12/11/2025</a:t>
-            </a:fld>
             <a:endParaRPr lang="en-US"/>
           </a:p>
         </p:txBody>
       </p:sp>
       <p:sp>
         <p:nvSpPr>
-          <p:cNvPr id="8" name="Footer Placeholder 7">
-            <a:extLst>
-              <a:ext uri="{FF2B5EF4-FFF2-40B4-BE49-F238E27FC236}">
-                <a16:creationId xmlns:a16="http://schemas.microsoft.com/office/drawing/2014/main" id="{E7C1F269-A971-1130-B08C-6125687A6E58}"/>
-              </a:ext>
-            </a:extLst>
-          </p:cNvPr>
-          <p:cNvSpPr>
-            <a:spLocks noGrp="1"/>
-          </p:cNvSpPr>
-          <p:nvPr>
-            <p:ph type="ftr" sz="quarter" idx="11"/>
-          </p:nvPr>
-        </p:nvSpPr>
-        <p:spPr/>
-        <p:txBody>
-          <a:bodyPr/>
-          <a:lstStyle/>
-          <a:p>
-            <a:endParaRPr lang="en-US"/>
-          </a:p>
-        </p:txBody>
-      </p:sp>
-      <p:sp>
-        <p:nvSpPr>
-          <p:cNvPr id="9" name="Slide Number Placeholder 8">
-            <a:extLst>
-              <a:ext uri="{FF2B5EF4-FFF2-40B4-BE49-F238E27FC236}">
-                <a16:creationId xmlns:a16="http://schemas.microsoft.com/office/drawing/2014/main" id="{E6F236CB-2FF9-5F67-3C6B-FCDEFB2E15E1}"/>
-              </a:ext>
-            </a:extLst>
-          </p:cNvPr>
+          <p:cNvPr id="9" name="Slide Number Placeholder 8"/>
           <p:cNvSpPr>
             <a:spLocks noGrp="1"/>
           </p:cNvSpPr>
@@ -2340,7 +4855,7 @@
     </p:spTree>
     <p:extLst>
       <p:ext uri="{BB962C8B-B14F-4D97-AF65-F5344CB8AC3E}">
-        <p14:creationId xmlns:p14="http://schemas.microsoft.com/office/powerpoint/2010/main" val="3242039229"/>
+        <p14:creationId xmlns:p14="http://schemas.microsoft.com/office/powerpoint/2010/main" val="4209684110"/>
       </p:ext>
     </p:extLst>
   </p:cSld>
@@ -2369,13 +4884,7 @@
       </p:grpSpPr>
       <p:sp>
         <p:nvSpPr>
-          <p:cNvPr id="2" name="Title 1">
-            <a:extLst>
-              <a:ext uri="{FF2B5EF4-FFF2-40B4-BE49-F238E27FC236}">
-                <a16:creationId xmlns:a16="http://schemas.microsoft.com/office/drawing/2014/main" id="{09BD20BE-D2C7-4846-1F6E-E07AF4A312C7}"/>
-              </a:ext>
-            </a:extLst>
-          </p:cNvPr>
+          <p:cNvPr id="2" name="Title 1"/>
           <p:cNvSpPr>
             <a:spLocks noGrp="1"/>
           </p:cNvSpPr>
@@ -2392,18 +4901,13 @@
               <a:rPr lang="en-US"/>
               <a:t>Click to edit Master title style</a:t>
             </a:r>
-          </a:p>
-        </p:txBody>
-      </p:sp>
-      <p:sp>
-        <p:nvSpPr>
-          <p:cNvPr id="3" name="Date Placeholder 2">
-            <a:extLst>
-              <a:ext uri="{FF2B5EF4-FFF2-40B4-BE49-F238E27FC236}">
-                <a16:creationId xmlns:a16="http://schemas.microsoft.com/office/drawing/2014/main" id="{853EB550-5AA3-994E-59A7-4539D74B8729}"/>
-              </a:ext>
-            </a:extLst>
-          </p:cNvPr>
+            <a:endParaRPr lang="en-US" dirty="0"/>
+          </a:p>
+        </p:txBody>
+      </p:sp>
+      <p:sp>
+        <p:nvSpPr>
+          <p:cNvPr id="3" name="Date Placeholder 2"/>
           <p:cNvSpPr>
             <a:spLocks noGrp="1"/>
           </p:cNvSpPr>
@@ -2418,7 +4922,7 @@
           <a:p>
             <a:fld id="{C5CF9B54-0771-4619-91C6-80D4996C31DE}" type="datetimeFigureOut">
               <a:rPr lang="en-US" smtClean="0"/>
-              <a:t>12/11/2025</a:t>
+              <a:t>12/12/2025</a:t>
             </a:fld>
             <a:endParaRPr lang="en-US"/>
           </a:p>
@@ -2426,13 +4930,7 @@
       </p:sp>
       <p:sp>
         <p:nvSpPr>
-          <p:cNvPr id="4" name="Footer Placeholder 3">
-            <a:extLst>
-              <a:ext uri="{FF2B5EF4-FFF2-40B4-BE49-F238E27FC236}">
-                <a16:creationId xmlns:a16="http://schemas.microsoft.com/office/drawing/2014/main" id="{A34D31F2-3A76-D376-99E2-9F579043380E}"/>
-              </a:ext>
-            </a:extLst>
-          </p:cNvPr>
+          <p:cNvPr id="4" name="Footer Placeholder 3"/>
           <p:cNvSpPr>
             <a:spLocks noGrp="1"/>
           </p:cNvSpPr>
@@ -2451,13 +4949,7 @@
       </p:sp>
       <p:sp>
         <p:nvSpPr>
-          <p:cNvPr id="5" name="Slide Number Placeholder 4">
-            <a:extLst>
-              <a:ext uri="{FF2B5EF4-FFF2-40B4-BE49-F238E27FC236}">
-                <a16:creationId xmlns:a16="http://schemas.microsoft.com/office/drawing/2014/main" id="{797555D6-C320-E58A-0860-630CE07B7A53}"/>
-              </a:ext>
-            </a:extLst>
-          </p:cNvPr>
+          <p:cNvPr id="5" name="Slide Number Placeholder 4"/>
           <p:cNvSpPr>
             <a:spLocks noGrp="1"/>
           </p:cNvSpPr>
@@ -2481,7 +4973,7 @@
     </p:spTree>
     <p:extLst>
       <p:ext uri="{BB962C8B-B14F-4D97-AF65-F5344CB8AC3E}">
-        <p14:creationId xmlns:p14="http://schemas.microsoft.com/office/powerpoint/2010/main" val="3044648409"/>
+        <p14:creationId xmlns:p14="http://schemas.microsoft.com/office/powerpoint/2010/main" val="816428320"/>
       </p:ext>
     </p:extLst>
   </p:cSld>
@@ -2510,13 +5002,7 @@
       </p:grpSpPr>
       <p:sp>
         <p:nvSpPr>
-          <p:cNvPr id="2" name="Date Placeholder 1">
-            <a:extLst>
-              <a:ext uri="{FF2B5EF4-FFF2-40B4-BE49-F238E27FC236}">
-                <a16:creationId xmlns:a16="http://schemas.microsoft.com/office/drawing/2014/main" id="{46E37E72-AC37-E520-D052-8F09071C259F}"/>
-              </a:ext>
-            </a:extLst>
-          </p:cNvPr>
+          <p:cNvPr id="2" name="Date Placeholder 1"/>
           <p:cNvSpPr>
             <a:spLocks noGrp="1"/>
           </p:cNvSpPr>
@@ -2531,7 +5017,7 @@
           <a:p>
             <a:fld id="{C5CF9B54-0771-4619-91C6-80D4996C31DE}" type="datetimeFigureOut">
               <a:rPr lang="en-US" smtClean="0"/>
-              <a:t>12/11/2025</a:t>
+              <a:t>12/12/2025</a:t>
             </a:fld>
             <a:endParaRPr lang="en-US"/>
           </a:p>
@@ -2539,13 +5025,7 @@
       </p:sp>
       <p:sp>
         <p:nvSpPr>
-          <p:cNvPr id="3" name="Footer Placeholder 2">
-            <a:extLst>
-              <a:ext uri="{FF2B5EF4-FFF2-40B4-BE49-F238E27FC236}">
-                <a16:creationId xmlns:a16="http://schemas.microsoft.com/office/drawing/2014/main" id="{16ACF029-FD50-40EC-8089-80845A4783C8}"/>
-              </a:ext>
-            </a:extLst>
-          </p:cNvPr>
+          <p:cNvPr id="3" name="Footer Placeholder 2"/>
           <p:cNvSpPr>
             <a:spLocks noGrp="1"/>
           </p:cNvSpPr>
@@ -2564,13 +5044,7 @@
       </p:sp>
       <p:sp>
         <p:nvSpPr>
-          <p:cNvPr id="4" name="Slide Number Placeholder 3">
-            <a:extLst>
-              <a:ext uri="{FF2B5EF4-FFF2-40B4-BE49-F238E27FC236}">
-                <a16:creationId xmlns:a16="http://schemas.microsoft.com/office/drawing/2014/main" id="{67042F28-9751-56D8-C35E-D912807E32B7}"/>
-              </a:ext>
-            </a:extLst>
-          </p:cNvPr>
+          <p:cNvPr id="4" name="Slide Number Placeholder 3"/>
           <p:cNvSpPr>
             <a:spLocks noGrp="1"/>
           </p:cNvSpPr>
@@ -2594,7 +5068,7 @@
     </p:spTree>
     <p:extLst>
       <p:ext uri="{BB962C8B-B14F-4D97-AF65-F5344CB8AC3E}">
-        <p14:creationId xmlns:p14="http://schemas.microsoft.com/office/powerpoint/2010/main" val="1495952872"/>
+        <p14:creationId xmlns:p14="http://schemas.microsoft.com/office/powerpoint/2010/main" val="3928808563"/>
       </p:ext>
     </p:extLst>
   </p:cSld>
@@ -2623,13 +5097,7 @@
       </p:grpSpPr>
       <p:sp>
         <p:nvSpPr>
-          <p:cNvPr id="2" name="Title 1">
-            <a:extLst>
-              <a:ext uri="{FF2B5EF4-FFF2-40B4-BE49-F238E27FC236}">
-                <a16:creationId xmlns:a16="http://schemas.microsoft.com/office/drawing/2014/main" id="{AB642DDA-497F-CB1C-E985-A6EAAB330501}"/>
-              </a:ext>
-            </a:extLst>
-          </p:cNvPr>
+          <p:cNvPr id="2" name="Title 1"/>
           <p:cNvSpPr>
             <a:spLocks noGrp="1"/>
           </p:cNvSpPr>
@@ -2639,15 +5107,17 @@
         </p:nvSpPr>
         <p:spPr>
           <a:xfrm>
-            <a:off x="839788" y="457200"/>
-            <a:ext cx="3932237" cy="1600200"/>
+            <a:off x="913795" y="609600"/>
+            <a:ext cx="3706889" cy="1821918"/>
           </a:xfrm>
         </p:spPr>
         <p:txBody>
-          <a:bodyPr anchor="b"/>
+          <a:bodyPr anchor="b">
+            <a:normAutofit/>
+          </a:bodyPr>
           <a:lstStyle>
-            <a:lvl1pPr>
-              <a:defRPr sz="3200"/>
+            <a:lvl1pPr algn="ctr">
+              <a:defRPr sz="2400" b="0"/>
             </a:lvl1pPr>
           </a:lstStyle>
           <a:p>
@@ -2655,18 +5125,13 @@
               <a:rPr lang="en-US"/>
               <a:t>Click to edit Master title style</a:t>
             </a:r>
-          </a:p>
-        </p:txBody>
-      </p:sp>
-      <p:sp>
-        <p:nvSpPr>
-          <p:cNvPr id="3" name="Content Placeholder 2">
-            <a:extLst>
-              <a:ext uri="{FF2B5EF4-FFF2-40B4-BE49-F238E27FC236}">
-                <a16:creationId xmlns:a16="http://schemas.microsoft.com/office/drawing/2014/main" id="{B298AD9B-70BE-2E52-35EE-85EFCD024734}"/>
-              </a:ext>
-            </a:extLst>
-          </p:cNvPr>
+            <a:endParaRPr lang="en-US" dirty="0"/>
+          </a:p>
+        </p:txBody>
+      </p:sp>
+      <p:sp>
+        <p:nvSpPr>
+          <p:cNvPr id="3" name="Content Placeholder 2"/>
           <p:cNvSpPr>
             <a:spLocks noGrp="1"/>
           </p:cNvSpPr>
@@ -2676,41 +5141,15 @@
         </p:nvSpPr>
         <p:spPr>
           <a:xfrm>
-            <a:off x="5183188" y="987425"/>
-            <a:ext cx="6172200" cy="4873625"/>
+            <a:off x="4855633" y="609600"/>
+            <a:ext cx="6411924" cy="5181600"/>
           </a:xfrm>
         </p:spPr>
         <p:txBody>
-          <a:bodyPr/>
-          <a:lstStyle>
-            <a:lvl1pPr>
-              <a:defRPr sz="3200"/>
-            </a:lvl1pPr>
-            <a:lvl2pPr>
-              <a:defRPr sz="2800"/>
-            </a:lvl2pPr>
-            <a:lvl3pPr>
-              <a:defRPr sz="2400"/>
-            </a:lvl3pPr>
-            <a:lvl4pPr>
-              <a:defRPr sz="2000"/>
-            </a:lvl4pPr>
-            <a:lvl5pPr>
-              <a:defRPr sz="2000"/>
-            </a:lvl5pPr>
-            <a:lvl6pPr>
-              <a:defRPr sz="2000"/>
-            </a:lvl6pPr>
-            <a:lvl7pPr>
-              <a:defRPr sz="2000"/>
-            </a:lvl7pPr>
-            <a:lvl8pPr>
-              <a:defRPr sz="2000"/>
-            </a:lvl8pPr>
-            <a:lvl9pPr>
-              <a:defRPr sz="2000"/>
-            </a:lvl9pPr>
-          </a:lstStyle>
+          <a:bodyPr>
+            <a:normAutofit/>
+          </a:bodyPr>
+          <a:lstStyle/>
           <a:p>
             <a:pPr lvl="0"/>
             <a:r>
@@ -2745,18 +5184,13 @@
               <a:rPr lang="en-US"/>
               <a:t>Fifth level</a:t>
             </a:r>
-          </a:p>
-        </p:txBody>
-      </p:sp>
-      <p:sp>
-        <p:nvSpPr>
-          <p:cNvPr id="4" name="Text Placeholder 3">
-            <a:extLst>
-              <a:ext uri="{FF2B5EF4-FFF2-40B4-BE49-F238E27FC236}">
-                <a16:creationId xmlns:a16="http://schemas.microsoft.com/office/drawing/2014/main" id="{8F702156-C0FD-3D64-0347-601B1B4E4307}"/>
-              </a:ext>
-            </a:extLst>
-          </p:cNvPr>
+            <a:endParaRPr lang="en-US" dirty="0"/>
+          </a:p>
+        </p:txBody>
+      </p:sp>
+      <p:sp>
+        <p:nvSpPr>
+          <p:cNvPr id="4" name="Text Placeholder 3"/>
           <p:cNvSpPr>
             <a:spLocks noGrp="1"/>
           </p:cNvSpPr>
@@ -2766,48 +5200,50 @@
         </p:nvSpPr>
         <p:spPr>
           <a:xfrm>
-            <a:off x="839788" y="2057400"/>
-            <a:ext cx="3932237" cy="3811588"/>
+            <a:off x="913795" y="2431518"/>
+            <a:ext cx="3706889" cy="3359681"/>
           </a:xfrm>
         </p:spPr>
         <p:txBody>
-          <a:bodyPr/>
+          <a:bodyPr anchor="t">
+            <a:normAutofit/>
+          </a:bodyPr>
           <a:lstStyle>
-            <a:lvl1pPr marL="0" indent="0">
+            <a:lvl1pPr marL="0" indent="0" algn="ctr">
               <a:buNone/>
               <a:defRPr sz="1600"/>
             </a:lvl1pPr>
             <a:lvl2pPr marL="457200" indent="0">
               <a:buNone/>
-              <a:defRPr sz="1400"/>
+              <a:defRPr sz="1200"/>
             </a:lvl2pPr>
             <a:lvl3pPr marL="914400" indent="0">
               <a:buNone/>
-              <a:defRPr sz="1200"/>
+              <a:defRPr sz="1000"/>
             </a:lvl3pPr>
             <a:lvl4pPr marL="1371600" indent="0">
               <a:buNone/>
-              <a:defRPr sz="1000"/>
+              <a:defRPr sz="900"/>
             </a:lvl4pPr>
             <a:lvl5pPr marL="1828800" indent="0">
               <a:buNone/>
-              <a:defRPr sz="1000"/>
+              <a:defRPr sz="900"/>
             </a:lvl5pPr>
             <a:lvl6pPr marL="2286000" indent="0">
               <a:buNone/>
-              <a:defRPr sz="1000"/>
+              <a:defRPr sz="900"/>
             </a:lvl6pPr>
             <a:lvl7pPr marL="2743200" indent="0">
               <a:buNone/>
-              <a:defRPr sz="1000"/>
+              <a:defRPr sz="900"/>
             </a:lvl7pPr>
             <a:lvl8pPr marL="3200400" indent="0">
               <a:buNone/>
-              <a:defRPr sz="1000"/>
+              <a:defRPr sz="900"/>
             </a:lvl8pPr>
             <a:lvl9pPr marL="3657600" indent="0">
               <a:buNone/>
-              <a:defRPr sz="1000"/>
+              <a:defRPr sz="900"/>
             </a:lvl9pPr>
           </a:lstStyle>
           <a:p>
@@ -2821,13 +5257,7 @@
       </p:sp>
       <p:sp>
         <p:nvSpPr>
-          <p:cNvPr id="5" name="Date Placeholder 4">
-            <a:extLst>
-              <a:ext uri="{FF2B5EF4-FFF2-40B4-BE49-F238E27FC236}">
-                <a16:creationId xmlns:a16="http://schemas.microsoft.com/office/drawing/2014/main" id="{D834D0BD-D93B-47AC-48AB-68D5948E6C18}"/>
-              </a:ext>
-            </a:extLst>
-          </p:cNvPr>
+          <p:cNvPr id="5" name="Date Placeholder 4"/>
           <p:cNvSpPr>
             <a:spLocks noGrp="1"/>
           </p:cNvSpPr>
@@ -2842,7 +5272,7 @@
           <a:p>
             <a:fld id="{C5CF9B54-0771-4619-91C6-80D4996C31DE}" type="datetimeFigureOut">
               <a:rPr lang="en-US" smtClean="0"/>
-              <a:t>12/11/2025</a:t>
+              <a:t>12/12/2025</a:t>
             </a:fld>
             <a:endParaRPr lang="en-US"/>
           </a:p>
@@ -2850,13 +5280,7 @@
       </p:sp>
       <p:sp>
         <p:nvSpPr>
-          <p:cNvPr id="6" name="Footer Placeholder 5">
-            <a:extLst>
-              <a:ext uri="{FF2B5EF4-FFF2-40B4-BE49-F238E27FC236}">
-                <a16:creationId xmlns:a16="http://schemas.microsoft.com/office/drawing/2014/main" id="{AFA2FBEA-BF4A-1777-CE4F-27FE6DA67BA1}"/>
-              </a:ext>
-            </a:extLst>
-          </p:cNvPr>
+          <p:cNvPr id="6" name="Footer Placeholder 5"/>
           <p:cNvSpPr>
             <a:spLocks noGrp="1"/>
           </p:cNvSpPr>
@@ -2875,13 +5299,7 @@
       </p:sp>
       <p:sp>
         <p:nvSpPr>
-          <p:cNvPr id="7" name="Slide Number Placeholder 6">
-            <a:extLst>
-              <a:ext uri="{FF2B5EF4-FFF2-40B4-BE49-F238E27FC236}">
-                <a16:creationId xmlns:a16="http://schemas.microsoft.com/office/drawing/2014/main" id="{E4E0165D-E190-40F7-BFCB-4AE83CCC3924}"/>
-              </a:ext>
-            </a:extLst>
-          </p:cNvPr>
+          <p:cNvPr id="7" name="Slide Number Placeholder 6"/>
           <p:cNvSpPr>
             <a:spLocks noGrp="1"/>
           </p:cNvSpPr>
@@ -2905,7 +5323,7 @@
     </p:spTree>
     <p:extLst>
       <p:ext uri="{BB962C8B-B14F-4D97-AF65-F5344CB8AC3E}">
-        <p14:creationId xmlns:p14="http://schemas.microsoft.com/office/powerpoint/2010/main" val="3651552773"/>
+        <p14:creationId xmlns:p14="http://schemas.microsoft.com/office/powerpoint/2010/main" val="2484205291"/>
       </p:ext>
     </p:extLst>
   </p:cSld>
@@ -2932,33 +5350,59 @@
           <a:chExt cx="0" cy="0"/>
         </a:xfrm>
       </p:grpSpPr>
-      <p:sp>
-        <p:nvSpPr>
-          <p:cNvPr id="2" name="Title 1">
+      <p:pic>
+        <p:nvPicPr>
+          <p:cNvPr id="22" name="Picture 21" descr="Slate-V2-HD-vertPhotoInset.png"/>
+          <p:cNvPicPr>
+            <a:picLocks noChangeAspect="1"/>
+          </p:cNvPicPr>
+          <p:nvPr/>
+        </p:nvPicPr>
+        <p:blipFill>
+          <a:blip r:embed="rId2">
             <a:extLst>
-              <a:ext uri="{FF2B5EF4-FFF2-40B4-BE49-F238E27FC236}">
-                <a16:creationId xmlns:a16="http://schemas.microsoft.com/office/drawing/2014/main" id="{43652F38-4D24-BD26-0831-0F937A9A007F}"/>
+              <a:ext uri="{28A0092B-C50C-407E-A947-70E740481C1C}">
+                <a14:useLocalDpi xmlns:a14="http://schemas.microsoft.com/office/drawing/2010/main" val="0"/>
               </a:ext>
             </a:extLst>
-          </p:cNvPr>
-          <p:cNvSpPr>
-            <a:spLocks noGrp="1"/>
-          </p:cNvSpPr>
-          <p:nvPr>
-            <p:ph type="title"/>
-          </p:nvPr>
-        </p:nvSpPr>
+          </a:blip>
+          <a:stretch>
+            <a:fillRect/>
+          </a:stretch>
+        </p:blipFill>
         <p:spPr>
           <a:xfrm>
-            <a:off x="839788" y="457200"/>
-            <a:ext cx="3932237" cy="1600200"/>
+            <a:off x="7293665" y="609600"/>
+            <a:ext cx="3584166" cy="5204832"/>
+          </a:xfrm>
+          <a:prstGeom prst="rect">
+            <a:avLst/>
+          </a:prstGeom>
+        </p:spPr>
+      </p:pic>
+      <p:sp>
+        <p:nvSpPr>
+          <p:cNvPr id="2" name="Title 1"/>
+          <p:cNvSpPr>
+            <a:spLocks noGrp="1"/>
+          </p:cNvSpPr>
+          <p:nvPr>
+            <p:ph type="title"/>
+          </p:nvPr>
+        </p:nvSpPr>
+        <p:spPr>
+          <a:xfrm>
+            <a:off x="913795" y="609923"/>
+            <a:ext cx="5934949" cy="1829338"/>
           </a:xfrm>
         </p:spPr>
         <p:txBody>
-          <a:bodyPr anchor="b"/>
+          <a:bodyPr anchor="b">
+            <a:noAutofit/>
+          </a:bodyPr>
           <a:lstStyle>
-            <a:lvl1pPr>
-              <a:defRPr sz="3200"/>
+            <a:lvl1pPr algn="ctr">
+              <a:defRPr sz="3200" b="0"/>
             </a:lvl1pPr>
           </a:lstStyle>
           <a:p>
@@ -2966,20 +5410,15 @@
               <a:rPr lang="en-US"/>
               <a:t>Click to edit Master title style</a:t>
             </a:r>
-          </a:p>
-        </p:txBody>
-      </p:sp>
-      <p:sp>
-        <p:nvSpPr>
-          <p:cNvPr id="3" name="Picture Placeholder 2">
-            <a:extLst>
-              <a:ext uri="{FF2B5EF4-FFF2-40B4-BE49-F238E27FC236}">
-                <a16:creationId xmlns:a16="http://schemas.microsoft.com/office/drawing/2014/main" id="{80B6F98C-F711-66A4-1B53-FE6AD778FB73}"/>
-              </a:ext>
-            </a:extLst>
-          </p:cNvPr>
-          <p:cNvSpPr>
-            <a:spLocks noGrp="1"/>
+            <a:endParaRPr lang="en-US" dirty="0"/>
+          </a:p>
+        </p:txBody>
+      </p:sp>
+      <p:sp>
+        <p:nvSpPr>
+          <p:cNvPr id="3" name="Picture Placeholder 2"/>
+          <p:cNvSpPr>
+            <a:spLocks noGrp="1" noChangeAspect="1"/>
           </p:cNvSpPr>
           <p:nvPr>
             <p:ph type="pic" idx="1"/>
@@ -2987,118 +5426,127 @@
         </p:nvSpPr>
         <p:spPr>
           <a:xfrm>
-            <a:off x="5183188" y="987425"/>
-            <a:ext cx="6172200" cy="4873625"/>
+            <a:off x="7442551" y="763702"/>
+            <a:ext cx="3275751" cy="4912822"/>
           </a:xfrm>
+          <a:effectLst>
+            <a:outerShdw blurRad="38100" dist="25400" dir="4440000">
+              <a:srgbClr val="000000">
+                <a:alpha val="36000"/>
+              </a:srgbClr>
+            </a:outerShdw>
+          </a:effectLst>
         </p:spPr>
         <p:txBody>
-          <a:bodyPr/>
+          <a:bodyPr anchor="t">
+            <a:normAutofit/>
+          </a:bodyPr>
           <a:lstStyle>
-            <a:lvl1pPr marL="0" indent="0">
-              <a:buNone/>
-              <a:defRPr sz="3200"/>
-            </a:lvl1pPr>
-            <a:lvl2pPr marL="457200" indent="0">
-              <a:buNone/>
-              <a:defRPr sz="2800"/>
-            </a:lvl2pPr>
-            <a:lvl3pPr marL="914400" indent="0">
-              <a:buNone/>
-              <a:defRPr sz="2400"/>
-            </a:lvl3pPr>
-            <a:lvl4pPr marL="1371600" indent="0">
-              <a:buNone/>
-              <a:defRPr sz="2000"/>
-            </a:lvl4pPr>
-            <a:lvl5pPr marL="1828800" indent="0">
-              <a:buNone/>
-              <a:defRPr sz="2000"/>
-            </a:lvl5pPr>
-            <a:lvl6pPr marL="2286000" indent="0">
-              <a:buNone/>
-              <a:defRPr sz="2000"/>
-            </a:lvl6pPr>
-            <a:lvl7pPr marL="2743200" indent="0">
-              <a:buNone/>
-              <a:defRPr sz="2000"/>
-            </a:lvl7pPr>
-            <a:lvl8pPr marL="3200400" indent="0">
-              <a:buNone/>
-              <a:defRPr sz="2000"/>
-            </a:lvl8pPr>
-            <a:lvl9pPr marL="3657600" indent="0">
-              <a:buNone/>
-              <a:defRPr sz="2000"/>
-            </a:lvl9pPr>
-          </a:lstStyle>
-          <a:p>
-            <a:endParaRPr lang="en-US"/>
-          </a:p>
-        </p:txBody>
-      </p:sp>
-      <p:sp>
-        <p:nvSpPr>
-          <p:cNvPr id="4" name="Text Placeholder 3">
-            <a:extLst>
-              <a:ext uri="{FF2B5EF4-FFF2-40B4-BE49-F238E27FC236}">
-                <a16:creationId xmlns:a16="http://schemas.microsoft.com/office/drawing/2014/main" id="{16786B32-FF6B-E2FF-1FFC-CE3F4F04088F}"/>
-              </a:ext>
-            </a:extLst>
-          </p:cNvPr>
-          <p:cNvSpPr>
-            <a:spLocks noGrp="1"/>
-          </p:cNvSpPr>
-          <p:nvPr>
-            <p:ph type="body" sz="half" idx="2"/>
-          </p:nvPr>
-        </p:nvSpPr>
-        <p:spPr>
-          <a:xfrm>
-            <a:off x="839788" y="2057400"/>
-            <a:ext cx="3932237" cy="3811588"/>
-          </a:xfrm>
-        </p:spPr>
-        <p:txBody>
-          <a:bodyPr/>
-          <a:lstStyle>
-            <a:lvl1pPr marL="0" indent="0">
+            <a:lvl1pPr marL="0" indent="0" algn="ctr">
               <a:buNone/>
               <a:defRPr sz="1600"/>
             </a:lvl1pPr>
             <a:lvl2pPr marL="457200" indent="0">
               <a:buNone/>
-              <a:defRPr sz="1400"/>
+              <a:defRPr sz="1600"/>
             </a:lvl2pPr>
             <a:lvl3pPr marL="914400" indent="0">
               <a:buNone/>
-              <a:defRPr sz="1200"/>
+              <a:defRPr sz="1600"/>
             </a:lvl3pPr>
             <a:lvl4pPr marL="1371600" indent="0">
               <a:buNone/>
-              <a:defRPr sz="1000"/>
+              <a:defRPr sz="1600"/>
             </a:lvl4pPr>
             <a:lvl5pPr marL="1828800" indent="0">
               <a:buNone/>
-              <a:defRPr sz="1000"/>
+              <a:defRPr sz="1600"/>
             </a:lvl5pPr>
             <a:lvl6pPr marL="2286000" indent="0">
               <a:buNone/>
-              <a:defRPr sz="1000"/>
+              <a:defRPr sz="1600"/>
             </a:lvl6pPr>
             <a:lvl7pPr marL="2743200" indent="0">
               <a:buNone/>
-              <a:defRPr sz="1000"/>
+              <a:defRPr sz="1600"/>
             </a:lvl7pPr>
             <a:lvl8pPr marL="3200400" indent="0">
               <a:buNone/>
-              <a:defRPr sz="1000"/>
+              <a:defRPr sz="1600"/>
             </a:lvl8pPr>
             <a:lvl9pPr marL="3657600" indent="0">
               <a:buNone/>
-              <a:defRPr sz="1000"/>
+              <a:defRPr sz="1600"/>
             </a:lvl9pPr>
           </a:lstStyle>
           <a:p>
+            <a:r>
+              <a:rPr lang="en-US"/>
+              <a:t>Click icon to add picture</a:t>
+            </a:r>
+            <a:endParaRPr lang="en-US" dirty="0"/>
+          </a:p>
+        </p:txBody>
+      </p:sp>
+      <p:sp>
+        <p:nvSpPr>
+          <p:cNvPr id="4" name="Text Placeholder 3"/>
+          <p:cNvSpPr>
+            <a:spLocks noGrp="1"/>
+          </p:cNvSpPr>
+          <p:nvPr>
+            <p:ph type="body" sz="half" idx="2"/>
+          </p:nvPr>
+        </p:nvSpPr>
+        <p:spPr>
+          <a:xfrm>
+            <a:off x="913795" y="2439261"/>
+            <a:ext cx="5934949" cy="3376134"/>
+          </a:xfrm>
+        </p:spPr>
+        <p:txBody>
+          <a:bodyPr anchor="t">
+            <a:normAutofit/>
+          </a:bodyPr>
+          <a:lstStyle>
+            <a:lvl1pPr marL="0" indent="0" algn="ctr">
+              <a:buNone/>
+              <a:defRPr sz="1600"/>
+            </a:lvl1pPr>
+            <a:lvl2pPr marL="457200" indent="0">
+              <a:buNone/>
+              <a:defRPr sz="1200"/>
+            </a:lvl2pPr>
+            <a:lvl3pPr marL="914400" indent="0">
+              <a:buNone/>
+              <a:defRPr sz="1000"/>
+            </a:lvl3pPr>
+            <a:lvl4pPr marL="1371600" indent="0">
+              <a:buNone/>
+              <a:defRPr sz="900"/>
+            </a:lvl4pPr>
+            <a:lvl5pPr marL="1828800" indent="0">
+              <a:buNone/>
+              <a:defRPr sz="900"/>
+            </a:lvl5pPr>
+            <a:lvl6pPr marL="2286000" indent="0">
+              <a:buNone/>
+              <a:defRPr sz="900"/>
+            </a:lvl6pPr>
+            <a:lvl7pPr marL="2743200" indent="0">
+              <a:buNone/>
+              <a:defRPr sz="900"/>
+            </a:lvl7pPr>
+            <a:lvl8pPr marL="3200400" indent="0">
+              <a:buNone/>
+              <a:defRPr sz="900"/>
+            </a:lvl8pPr>
+            <a:lvl9pPr marL="3657600" indent="0">
+              <a:buNone/>
+              <a:defRPr sz="900"/>
+            </a:lvl9pPr>
+          </a:lstStyle>
+          <a:p>
             <a:pPr lvl="0"/>
             <a:r>
               <a:rPr lang="en-US"/>
@@ -3109,13 +5557,7 @@
       </p:sp>
       <p:sp>
         <p:nvSpPr>
-          <p:cNvPr id="5" name="Date Placeholder 4">
-            <a:extLst>
-              <a:ext uri="{FF2B5EF4-FFF2-40B4-BE49-F238E27FC236}">
-                <a16:creationId xmlns:a16="http://schemas.microsoft.com/office/drawing/2014/main" id="{96D33CC2-F0DD-8BE2-AF58-5855BF027428}"/>
-              </a:ext>
-            </a:extLst>
-          </p:cNvPr>
+          <p:cNvPr id="5" name="Date Placeholder 4"/>
           <p:cNvSpPr>
             <a:spLocks noGrp="1"/>
           </p:cNvSpPr>
@@ -3130,7 +5572,7 @@
           <a:p>
             <a:fld id="{C5CF9B54-0771-4619-91C6-80D4996C31DE}" type="datetimeFigureOut">
               <a:rPr lang="en-US" smtClean="0"/>
-              <a:t>12/11/2025</a:t>
+              <a:t>12/12/2025</a:t>
             </a:fld>
             <a:endParaRPr lang="en-US"/>
           </a:p>
@@ -3138,13 +5580,7 @@
       </p:sp>
       <p:sp>
         <p:nvSpPr>
-          <p:cNvPr id="6" name="Footer Placeholder 5">
-            <a:extLst>
-              <a:ext uri="{FF2B5EF4-FFF2-40B4-BE49-F238E27FC236}">
-                <a16:creationId xmlns:a16="http://schemas.microsoft.com/office/drawing/2014/main" id="{A77DBF33-871C-07C6-24D7-FB01A3AFDFCC}"/>
-              </a:ext>
-            </a:extLst>
-          </p:cNvPr>
+          <p:cNvPr id="6" name="Footer Placeholder 5"/>
           <p:cNvSpPr>
             <a:spLocks noGrp="1"/>
           </p:cNvSpPr>
@@ -3163,13 +5599,7 @@
       </p:sp>
       <p:sp>
         <p:nvSpPr>
-          <p:cNvPr id="7" name="Slide Number Placeholder 6">
-            <a:extLst>
-              <a:ext uri="{FF2B5EF4-FFF2-40B4-BE49-F238E27FC236}">
-                <a16:creationId xmlns:a16="http://schemas.microsoft.com/office/drawing/2014/main" id="{C3F31592-D732-6ACB-7D67-AC201D70A85D}"/>
-              </a:ext>
-            </a:extLst>
-          </p:cNvPr>
+          <p:cNvPr id="7" name="Slide Number Placeholder 6"/>
           <p:cNvSpPr>
             <a:spLocks noGrp="1"/>
           </p:cNvSpPr>
@@ -3193,7 +5623,7 @@
     </p:spTree>
     <p:extLst>
       <p:ext uri="{BB962C8B-B14F-4D97-AF65-F5344CB8AC3E}">
-        <p14:creationId xmlns:p14="http://schemas.microsoft.com/office/powerpoint/2010/main" val="4135439041"/>
+        <p14:creationId xmlns:p14="http://schemas.microsoft.com/office/powerpoint/2010/main" val="1847609339"/>
       </p:ext>
     </p:extLst>
   </p:cSld>
@@ -3207,8 +5637,8 @@
 <p:sldMaster xmlns:a="http://schemas.openxmlformats.org/drawingml/2006/main" xmlns:r="http://schemas.openxmlformats.org/officeDocument/2006/relationships" xmlns:p="http://schemas.openxmlformats.org/presentationml/2006/main">
   <p:cSld>
     <p:bg>
-      <p:bgRef idx="1001">
-        <a:schemeClr val="bg1"/>
+      <p:bgRef idx="1003">
+        <a:schemeClr val="bg2"/>
       </p:bgRef>
     </p:bg>
     <p:spTree>
@@ -3227,13 +5657,7 @@
       </p:grpSpPr>
       <p:sp>
         <p:nvSpPr>
-          <p:cNvPr id="2" name="Title Placeholder 1">
-            <a:extLst>
-              <a:ext uri="{FF2B5EF4-FFF2-40B4-BE49-F238E27FC236}">
-                <a16:creationId xmlns:a16="http://schemas.microsoft.com/office/drawing/2014/main" id="{01180364-09C5-A62E-420D-EAEECA181C0E}"/>
-              </a:ext>
-            </a:extLst>
-          </p:cNvPr>
+          <p:cNvPr id="2" name="Title Placeholder 1"/>
           <p:cNvSpPr>
             <a:spLocks noGrp="1"/>
           </p:cNvSpPr>
@@ -3243,12 +5667,19 @@
         </p:nvSpPr>
         <p:spPr>
           <a:xfrm>
-            <a:off x="838200" y="365125"/>
-            <a:ext cx="10515600" cy="1325563"/>
+            <a:off x="913795" y="609600"/>
+            <a:ext cx="10353762" cy="970450"/>
           </a:xfrm>
           <a:prstGeom prst="rect">
             <a:avLst/>
           </a:prstGeom>
+          <a:effectLst>
+            <a:outerShdw blurRad="25400" dir="17880000">
+              <a:srgbClr val="000000">
+                <a:alpha val="46000"/>
+              </a:srgbClr>
+            </a:outerShdw>
+          </a:effectLst>
         </p:spPr>
         <p:txBody>
           <a:bodyPr vert="horz" lIns="91440" tIns="45720" rIns="91440" bIns="45720" rtlCol="0" anchor="ctr">
@@ -3260,18 +5691,13 @@
               <a:rPr lang="en-US"/>
               <a:t>Click to edit Master title style</a:t>
             </a:r>
-          </a:p>
-        </p:txBody>
-      </p:sp>
-      <p:sp>
-        <p:nvSpPr>
-          <p:cNvPr id="3" name="Text Placeholder 2">
-            <a:extLst>
-              <a:ext uri="{FF2B5EF4-FFF2-40B4-BE49-F238E27FC236}">
-                <a16:creationId xmlns:a16="http://schemas.microsoft.com/office/drawing/2014/main" id="{35B149D9-1B12-0A94-47F0-D55D81433952}"/>
-              </a:ext>
-            </a:extLst>
-          </p:cNvPr>
+            <a:endParaRPr lang="en-US" dirty="0"/>
+          </a:p>
+        </p:txBody>
+      </p:sp>
+      <p:sp>
+        <p:nvSpPr>
+          <p:cNvPr id="3" name="Text Placeholder 2"/>
           <p:cNvSpPr>
             <a:spLocks noGrp="1"/>
           </p:cNvSpPr>
@@ -3281,15 +5707,22 @@
         </p:nvSpPr>
         <p:spPr>
           <a:xfrm>
-            <a:off x="838200" y="1825625"/>
-            <a:ext cx="10515600" cy="4351338"/>
+            <a:off x="913795" y="1732449"/>
+            <a:ext cx="10353762" cy="4058751"/>
           </a:xfrm>
           <a:prstGeom prst="rect">
             <a:avLst/>
           </a:prstGeom>
+          <a:effectLst>
+            <a:outerShdw blurRad="25400" dir="17880000">
+              <a:srgbClr val="000000">
+                <a:alpha val="46000"/>
+              </a:srgbClr>
+            </a:outerShdw>
+          </a:effectLst>
         </p:spPr>
         <p:txBody>
-          <a:bodyPr vert="horz" lIns="91440" tIns="45720" rIns="91440" bIns="45720" rtlCol="0">
+          <a:bodyPr vert="horz" lIns="91440" tIns="45720" rIns="91440" bIns="45720" rtlCol="0" anchor="t">
             <a:normAutofit/>
           </a:bodyPr>
           <a:lstStyle/>
@@ -3327,18 +5760,13 @@
               <a:rPr lang="en-US"/>
               <a:t>Fifth level</a:t>
             </a:r>
-          </a:p>
-        </p:txBody>
-      </p:sp>
-      <p:sp>
-        <p:nvSpPr>
-          <p:cNvPr id="4" name="Date Placeholder 3">
-            <a:extLst>
-              <a:ext uri="{FF2B5EF4-FFF2-40B4-BE49-F238E27FC236}">
-                <a16:creationId xmlns:a16="http://schemas.microsoft.com/office/drawing/2014/main" id="{861371CC-20A0-5152-0A9C-0B2AA9964866}"/>
-              </a:ext>
-            </a:extLst>
-          </p:cNvPr>
+            <a:endParaRPr lang="en-US" dirty="0"/>
+          </a:p>
+        </p:txBody>
+      </p:sp>
+      <p:sp>
+        <p:nvSpPr>
+          <p:cNvPr id="4" name="Date Placeholder 3"/>
           <p:cNvSpPr>
             <a:spLocks noGrp="1"/>
           </p:cNvSpPr>
@@ -3348,7 +5776,7 @@
         </p:nvSpPr>
         <p:spPr>
           <a:xfrm>
-            <a:off x="838200" y="6356350"/>
+            <a:off x="7678736" y="5883275"/>
             <a:ext cx="2743200" cy="365125"/>
           </a:xfrm>
           <a:prstGeom prst="rect">
@@ -3358,20 +5786,27 @@
         <p:txBody>
           <a:bodyPr vert="horz" lIns="91440" tIns="45720" rIns="91440" bIns="45720" rtlCol="0" anchor="ctr"/>
           <a:lstStyle>
-            <a:lvl1pPr algn="l">
-              <a:defRPr sz="1200">
+            <a:lvl1pPr algn="r">
+              <a:defRPr sz="1000">
                 <a:solidFill>
                   <a:schemeClr val="tx1">
-                    <a:tint val="75000"/>
+                    <a:lumMod val="95000"/>
                   </a:schemeClr>
                 </a:solidFill>
+                <a:effectLst>
+                  <a:outerShdw blurRad="50800" dist="38100" dir="2700000" algn="tl" rotWithShape="0">
+                    <a:schemeClr val="bg1">
+                      <a:alpha val="43000"/>
+                    </a:schemeClr>
+                  </a:outerShdw>
+                </a:effectLst>
               </a:defRPr>
             </a:lvl1pPr>
           </a:lstStyle>
           <a:p>
             <a:fld id="{C5CF9B54-0771-4619-91C6-80D4996C31DE}" type="datetimeFigureOut">
               <a:rPr lang="en-US" smtClean="0"/>
-              <a:t>12/11/2025</a:t>
+              <a:t>12/12/2025</a:t>
             </a:fld>
             <a:endParaRPr lang="en-US"/>
           </a:p>
@@ -3379,13 +5814,7 @@
       </p:sp>
       <p:sp>
         <p:nvSpPr>
-          <p:cNvPr id="5" name="Footer Placeholder 4">
-            <a:extLst>
-              <a:ext uri="{FF2B5EF4-FFF2-40B4-BE49-F238E27FC236}">
-                <a16:creationId xmlns:a16="http://schemas.microsoft.com/office/drawing/2014/main" id="{B40B86FE-7EDD-A998-4ABA-E5B3CCBFBDBF}"/>
-              </a:ext>
-            </a:extLst>
-          </p:cNvPr>
+          <p:cNvPr id="5" name="Footer Placeholder 4"/>
           <p:cNvSpPr>
             <a:spLocks noGrp="1"/>
           </p:cNvSpPr>
@@ -3395,8 +5824,8 @@
         </p:nvSpPr>
         <p:spPr>
           <a:xfrm>
-            <a:off x="4038600" y="6356350"/>
-            <a:ext cx="4114800" cy="365125"/>
+            <a:off x="913795" y="5883275"/>
+            <a:ext cx="6672865" cy="365125"/>
           </a:xfrm>
           <a:prstGeom prst="rect">
             <a:avLst/>
@@ -3405,13 +5834,20 @@
         <p:txBody>
           <a:bodyPr vert="horz" lIns="91440" tIns="45720" rIns="91440" bIns="45720" rtlCol="0" anchor="ctr"/>
           <a:lstStyle>
-            <a:lvl1pPr algn="ctr">
-              <a:defRPr sz="1200">
+            <a:lvl1pPr algn="l">
+              <a:defRPr sz="1000">
                 <a:solidFill>
                   <a:schemeClr val="tx1">
-                    <a:tint val="75000"/>
+                    <a:lumMod val="95000"/>
                   </a:schemeClr>
                 </a:solidFill>
+                <a:effectLst>
+                  <a:outerShdw blurRad="50800" dist="38100" dir="2700000" algn="tl" rotWithShape="0">
+                    <a:schemeClr val="bg1">
+                      <a:alpha val="43000"/>
+                    </a:schemeClr>
+                  </a:outerShdw>
+                </a:effectLst>
               </a:defRPr>
             </a:lvl1pPr>
           </a:lstStyle>
@@ -3422,13 +5858,7 @@
       </p:sp>
       <p:sp>
         <p:nvSpPr>
-          <p:cNvPr id="6" name="Slide Number Placeholder 5">
-            <a:extLst>
-              <a:ext uri="{FF2B5EF4-FFF2-40B4-BE49-F238E27FC236}">
-                <a16:creationId xmlns:a16="http://schemas.microsoft.com/office/drawing/2014/main" id="{9DDF323F-8BD9-43F9-8476-F930F3E7EF24}"/>
-              </a:ext>
-            </a:extLst>
-          </p:cNvPr>
+          <p:cNvPr id="6" name="Slide Number Placeholder 5"/>
           <p:cNvSpPr>
             <a:spLocks noGrp="1"/>
           </p:cNvSpPr>
@@ -3438,8 +5868,8 @@
         </p:nvSpPr>
         <p:spPr>
           <a:xfrm>
-            <a:off x="8610600" y="6356350"/>
-            <a:ext cx="2743200" cy="365125"/>
+            <a:off x="10514011" y="5883275"/>
+            <a:ext cx="753545" cy="365125"/>
           </a:xfrm>
           <a:prstGeom prst="rect">
             <a:avLst/>
@@ -3449,12 +5879,19 @@
           <a:bodyPr vert="horz" lIns="91440" tIns="45720" rIns="91440" bIns="45720" rtlCol="0" anchor="ctr"/>
           <a:lstStyle>
             <a:lvl1pPr algn="r">
-              <a:defRPr sz="1200">
+              <a:defRPr sz="1000">
                 <a:solidFill>
                   <a:schemeClr val="tx1">
-                    <a:tint val="75000"/>
+                    <a:lumMod val="95000"/>
                   </a:schemeClr>
                 </a:solidFill>
+                <a:effectLst>
+                  <a:outerShdw blurRad="50800" dist="38100" dir="2700000" algn="tl" rotWithShape="0">
+                    <a:schemeClr val="bg1">
+                      <a:alpha val="43000"/>
+                    </a:schemeClr>
+                  </a:outerShdw>
+                </a:effectLst>
               </a:defRPr>
             </a:lvl1pPr>
           </a:lstStyle>
@@ -3470,202 +5907,457 @@
     </p:spTree>
     <p:extLst>
       <p:ext uri="{BB962C8B-B14F-4D97-AF65-F5344CB8AC3E}">
-        <p14:creationId xmlns:p14="http://schemas.microsoft.com/office/powerpoint/2010/main" val="3191358157"/>
+        <p14:creationId xmlns:p14="http://schemas.microsoft.com/office/powerpoint/2010/main" val="2647081319"/>
       </p:ext>
     </p:extLst>
   </p:cSld>
-  <p:clrMap bg1="lt1" tx1="dk1" bg2="lt2" tx2="dk2" accent1="accent1" accent2="accent2" accent3="accent3" accent4="accent4" accent5="accent5" accent6="accent6" hlink="hlink" folHlink="folHlink"/>
+  <p:clrMap bg1="dk1" tx1="lt1" bg2="dk2" tx2="lt2" accent1="accent1" accent2="accent2" accent3="accent3" accent4="accent4" accent5="accent5" accent6="accent6" hlink="hlink" folHlink="folHlink"/>
   <p:sldLayoutIdLst>
-    <p:sldLayoutId id="2147483649" r:id="rId1"/>
-    <p:sldLayoutId id="2147483650" r:id="rId2"/>
-    <p:sldLayoutId id="2147483651" r:id="rId3"/>
-    <p:sldLayoutId id="2147483652" r:id="rId4"/>
-    <p:sldLayoutId id="2147483653" r:id="rId5"/>
-    <p:sldLayoutId id="2147483654" r:id="rId6"/>
-    <p:sldLayoutId id="2147483655" r:id="rId7"/>
-    <p:sldLayoutId id="2147483656" r:id="rId8"/>
-    <p:sldLayoutId id="2147483657" r:id="rId9"/>
-    <p:sldLayoutId id="2147483658" r:id="rId10"/>
-    <p:sldLayoutId id="2147483659" r:id="rId11"/>
+    <p:sldLayoutId id="2147483661" r:id="rId1"/>
+    <p:sldLayoutId id="2147483662" r:id="rId2"/>
+    <p:sldLayoutId id="2147483663" r:id="rId3"/>
+    <p:sldLayoutId id="2147483664" r:id="rId4"/>
+    <p:sldLayoutId id="2147483665" r:id="rId5"/>
+    <p:sldLayoutId id="2147483666" r:id="rId6"/>
+    <p:sldLayoutId id="2147483667" r:id="rId7"/>
+    <p:sldLayoutId id="2147483668" r:id="rId8"/>
+    <p:sldLayoutId id="2147483669" r:id="rId9"/>
+    <p:sldLayoutId id="2147483670" r:id="rId10"/>
+    <p:sldLayoutId id="2147483671" r:id="rId11"/>
+    <p:sldLayoutId id="2147483672" r:id="rId12"/>
+    <p:sldLayoutId id="2147483673" r:id="rId13"/>
+    <p:sldLayoutId id="2147483674" r:id="rId14"/>
+    <p:sldLayoutId id="2147483675" r:id="rId15"/>
+    <p:sldLayoutId id="2147483676" r:id="rId16"/>
+    <p:sldLayoutId id="2147483677" r:id="rId17"/>
   </p:sldLayoutIdLst>
   <p:txStyles>
     <p:titleStyle>
-      <a:lvl1pPr algn="l" defTabSz="914400" rtl="0" eaLnBrk="1" latinLnBrk="0" hangingPunct="1">
-        <a:lnSpc>
-          <a:spcPct val="90000"/>
-        </a:lnSpc>
+      <a:lvl1pPr algn="ctr" defTabSz="457200" rtl="0" eaLnBrk="1" latinLnBrk="0" hangingPunct="1">
         <a:spcBef>
           <a:spcPct val="0"/>
         </a:spcBef>
         <a:buNone/>
-        <a:defRPr sz="4400" kern="1200">
+        <a:defRPr sz="4000" kern="1200">
+          <a:ln>
+            <a:solidFill>
+              <a:schemeClr val="bg1">
+                <a:lumMod val="75000"/>
+                <a:lumOff val="25000"/>
+                <a:alpha val="10000"/>
+              </a:schemeClr>
+            </a:solidFill>
+          </a:ln>
           <a:solidFill>
-            <a:schemeClr val="tx1"/>
+            <a:schemeClr val="tx2"/>
           </a:solidFill>
+          <a:effectLst>
+            <a:outerShdw blurRad="9525" dist="25400" dir="14640000" algn="tl" rotWithShape="0">
+              <a:schemeClr val="bg1">
+                <a:alpha val="30000"/>
+              </a:schemeClr>
+            </a:outerShdw>
+          </a:effectLst>
           <a:latin typeface="+mj-lt"/>
           <a:ea typeface="+mj-ea"/>
-          <a:cs typeface="+mj-cs"/>
+          <a:cs typeface="Trebuchet MS"/>
         </a:defRPr>
       </a:lvl1pPr>
+      <a:lvl2pPr eaLnBrk="1" hangingPunct="1">
+        <a:defRPr>
+          <a:solidFill>
+            <a:schemeClr val="tx2"/>
+          </a:solidFill>
+        </a:defRPr>
+      </a:lvl2pPr>
+      <a:lvl3pPr eaLnBrk="1" hangingPunct="1">
+        <a:defRPr>
+          <a:solidFill>
+            <a:schemeClr val="tx2"/>
+          </a:solidFill>
+        </a:defRPr>
+      </a:lvl3pPr>
+      <a:lvl4pPr eaLnBrk="1" hangingPunct="1">
+        <a:defRPr>
+          <a:solidFill>
+            <a:schemeClr val="tx2"/>
+          </a:solidFill>
+        </a:defRPr>
+      </a:lvl4pPr>
+      <a:lvl5pPr eaLnBrk="1" hangingPunct="1">
+        <a:defRPr>
+          <a:solidFill>
+            <a:schemeClr val="tx2"/>
+          </a:solidFill>
+        </a:defRPr>
+      </a:lvl5pPr>
+      <a:lvl6pPr eaLnBrk="1" hangingPunct="1">
+        <a:defRPr>
+          <a:solidFill>
+            <a:schemeClr val="tx2"/>
+          </a:solidFill>
+        </a:defRPr>
+      </a:lvl6pPr>
+      <a:lvl7pPr eaLnBrk="1" hangingPunct="1">
+        <a:defRPr>
+          <a:solidFill>
+            <a:schemeClr val="tx2"/>
+          </a:solidFill>
+        </a:defRPr>
+      </a:lvl7pPr>
+      <a:lvl8pPr eaLnBrk="1" hangingPunct="1">
+        <a:defRPr>
+          <a:solidFill>
+            <a:schemeClr val="tx2"/>
+          </a:solidFill>
+        </a:defRPr>
+      </a:lvl8pPr>
+      <a:lvl9pPr eaLnBrk="1" hangingPunct="1">
+        <a:defRPr>
+          <a:solidFill>
+            <a:schemeClr val="tx2"/>
+          </a:solidFill>
+        </a:defRPr>
+      </a:lvl9pPr>
     </p:titleStyle>
     <p:bodyStyle>
-      <a:lvl1pPr marL="228600" indent="-228600" algn="l" defTabSz="914400" rtl="0" eaLnBrk="1" latinLnBrk="0" hangingPunct="1">
-        <a:lnSpc>
-          <a:spcPct val="90000"/>
-        </a:lnSpc>
+      <a:lvl1pPr marL="342900" indent="-306000" algn="l" defTabSz="457200" rtl="0" eaLnBrk="1" latinLnBrk="0" hangingPunct="1">
         <a:spcBef>
-          <a:spcPts val="1000"/>
+          <a:spcPct val="20000"/>
         </a:spcBef>
-        <a:buFont typeface="Arial" panose="020B0604020202020204" pitchFamily="34" charset="0"/>
-        <a:buChar char="•"/>
-        <a:defRPr sz="2800" kern="1200">
+        <a:spcAft>
+          <a:spcPts val="600"/>
+        </a:spcAft>
+        <a:buClr>
+          <a:schemeClr val="tx2"/>
+        </a:buClr>
+        <a:buSzPct val="70000"/>
+        <a:buFont typeface="Wingdings 2" charset="2"/>
+        <a:buChar char=""/>
+        <a:defRPr sz="2000" kern="1200">
+          <a:ln>
+            <a:solidFill>
+              <a:schemeClr val="bg1">
+                <a:lumMod val="75000"/>
+                <a:lumOff val="25000"/>
+                <a:alpha val="10000"/>
+              </a:schemeClr>
+            </a:solidFill>
+          </a:ln>
           <a:solidFill>
-            <a:schemeClr val="tx1"/>
+            <a:schemeClr val="tx2"/>
           </a:solidFill>
+          <a:effectLst>
+            <a:outerShdw blurRad="9525" dist="25400" dir="14640000" algn="tl" rotWithShape="0">
+              <a:schemeClr val="bg1">
+                <a:alpha val="30000"/>
+              </a:schemeClr>
+            </a:outerShdw>
+          </a:effectLst>
           <a:latin typeface="+mn-lt"/>
           <a:ea typeface="+mn-ea"/>
           <a:cs typeface="+mn-cs"/>
         </a:defRPr>
       </a:lvl1pPr>
-      <a:lvl2pPr marL="685800" indent="-228600" algn="l" defTabSz="914400" rtl="0" eaLnBrk="1" latinLnBrk="0" hangingPunct="1">
-        <a:lnSpc>
-          <a:spcPct val="90000"/>
-        </a:lnSpc>
+      <a:lvl2pPr marL="720000" indent="-270000" algn="l" defTabSz="457200" rtl="0" eaLnBrk="1" latinLnBrk="0" hangingPunct="1">
         <a:spcBef>
-          <a:spcPts val="500"/>
+          <a:spcPct val="20000"/>
         </a:spcBef>
-        <a:buFont typeface="Arial" panose="020B0604020202020204" pitchFamily="34" charset="0"/>
-        <a:buChar char="•"/>
-        <a:defRPr sz="2400" kern="1200">
+        <a:spcAft>
+          <a:spcPts val="600"/>
+        </a:spcAft>
+        <a:buClr>
+          <a:schemeClr val="tx2"/>
+        </a:buClr>
+        <a:buSzPct val="70000"/>
+        <a:buFont typeface="Wingdings 2" charset="2"/>
+        <a:buChar char=""/>
+        <a:defRPr sz="1800" kern="1200">
+          <a:ln>
+            <a:solidFill>
+              <a:schemeClr val="bg1">
+                <a:lumMod val="75000"/>
+                <a:lumOff val="25000"/>
+                <a:alpha val="10000"/>
+              </a:schemeClr>
+            </a:solidFill>
+          </a:ln>
           <a:solidFill>
-            <a:schemeClr val="tx1"/>
+            <a:schemeClr val="tx2"/>
           </a:solidFill>
+          <a:effectLst>
+            <a:outerShdw blurRad="9525" dist="25400" dir="14640000" algn="tl" rotWithShape="0">
+              <a:schemeClr val="bg1">
+                <a:alpha val="30000"/>
+              </a:schemeClr>
+            </a:outerShdw>
+          </a:effectLst>
           <a:latin typeface="+mn-lt"/>
           <a:ea typeface="+mn-ea"/>
           <a:cs typeface="+mn-cs"/>
         </a:defRPr>
       </a:lvl2pPr>
-      <a:lvl3pPr marL="1143000" indent="-228600" algn="l" defTabSz="914400" rtl="0" eaLnBrk="1" latinLnBrk="0" hangingPunct="1">
-        <a:lnSpc>
-          <a:spcPct val="90000"/>
-        </a:lnSpc>
+      <a:lvl3pPr marL="1026000" indent="-216000" algn="l" defTabSz="457200" rtl="0" eaLnBrk="1" latinLnBrk="0" hangingPunct="1">
         <a:spcBef>
-          <a:spcPts val="500"/>
+          <a:spcPct val="20000"/>
         </a:spcBef>
-        <a:buFont typeface="Arial" panose="020B0604020202020204" pitchFamily="34" charset="0"/>
-        <a:buChar char="•"/>
-        <a:defRPr sz="2000" kern="1200">
+        <a:spcAft>
+          <a:spcPts val="600"/>
+        </a:spcAft>
+        <a:buClr>
+          <a:schemeClr val="tx2"/>
+        </a:buClr>
+        <a:buSzPct val="70000"/>
+        <a:buFont typeface="Wingdings 2" charset="2"/>
+        <a:buChar char=""/>
+        <a:defRPr sz="1600" kern="1200">
+          <a:ln>
+            <a:solidFill>
+              <a:schemeClr val="bg1">
+                <a:lumMod val="75000"/>
+                <a:lumOff val="25000"/>
+                <a:alpha val="10000"/>
+              </a:schemeClr>
+            </a:solidFill>
+          </a:ln>
           <a:solidFill>
-            <a:schemeClr val="tx1"/>
+            <a:schemeClr val="tx2"/>
           </a:solidFill>
+          <a:effectLst>
+            <a:outerShdw blurRad="9525" dist="25400" dir="14640000" algn="tl" rotWithShape="0">
+              <a:schemeClr val="bg1">
+                <a:alpha val="30000"/>
+              </a:schemeClr>
+            </a:outerShdw>
+          </a:effectLst>
           <a:latin typeface="+mn-lt"/>
           <a:ea typeface="+mn-ea"/>
           <a:cs typeface="+mn-cs"/>
         </a:defRPr>
       </a:lvl3pPr>
-      <a:lvl4pPr marL="1600200" indent="-228600" algn="l" defTabSz="914400" rtl="0" eaLnBrk="1" latinLnBrk="0" hangingPunct="1">
-        <a:lnSpc>
-          <a:spcPct val="90000"/>
-        </a:lnSpc>
+      <a:lvl4pPr marL="1386000" indent="-216000" algn="l" defTabSz="457200" rtl="0" eaLnBrk="1" latinLnBrk="0" hangingPunct="1">
         <a:spcBef>
-          <a:spcPts val="500"/>
+          <a:spcPct val="20000"/>
         </a:spcBef>
-        <a:buFont typeface="Arial" panose="020B0604020202020204" pitchFamily="34" charset="0"/>
-        <a:buChar char="•"/>
-        <a:defRPr sz="1800" kern="1200">
+        <a:spcAft>
+          <a:spcPts val="600"/>
+        </a:spcAft>
+        <a:buClr>
+          <a:schemeClr val="tx2"/>
+        </a:buClr>
+        <a:buSzPct val="70000"/>
+        <a:buFont typeface="Wingdings 2" charset="2"/>
+        <a:buChar char=""/>
+        <a:defRPr sz="1400" kern="1200">
+          <a:ln>
+            <a:solidFill>
+              <a:schemeClr val="bg1">
+                <a:lumMod val="75000"/>
+                <a:lumOff val="25000"/>
+                <a:alpha val="10000"/>
+              </a:schemeClr>
+            </a:solidFill>
+          </a:ln>
           <a:solidFill>
-            <a:schemeClr val="tx1"/>
+            <a:schemeClr val="tx2"/>
           </a:solidFill>
+          <a:effectLst>
+            <a:outerShdw blurRad="9525" dist="25400" dir="14640000" algn="tl" rotWithShape="0">
+              <a:schemeClr val="bg1">
+                <a:alpha val="30000"/>
+              </a:schemeClr>
+            </a:outerShdw>
+          </a:effectLst>
           <a:latin typeface="+mn-lt"/>
           <a:ea typeface="+mn-ea"/>
           <a:cs typeface="+mn-cs"/>
         </a:defRPr>
       </a:lvl4pPr>
-      <a:lvl5pPr marL="2057400" indent="-228600" algn="l" defTabSz="914400" rtl="0" eaLnBrk="1" latinLnBrk="0" hangingPunct="1">
-        <a:lnSpc>
-          <a:spcPct val="90000"/>
-        </a:lnSpc>
+      <a:lvl5pPr marL="1674000" indent="-216000" algn="l" defTabSz="457200" rtl="0" eaLnBrk="1" latinLnBrk="0" hangingPunct="1">
         <a:spcBef>
-          <a:spcPts val="500"/>
+          <a:spcPct val="20000"/>
         </a:spcBef>
-        <a:buFont typeface="Arial" panose="020B0604020202020204" pitchFamily="34" charset="0"/>
-        <a:buChar char="•"/>
-        <a:defRPr sz="1800" kern="1200">
+        <a:spcAft>
+          <a:spcPts val="600"/>
+        </a:spcAft>
+        <a:buClr>
+          <a:schemeClr val="tx2"/>
+        </a:buClr>
+        <a:buSzPct val="70000"/>
+        <a:buFont typeface="Wingdings 2" charset="2"/>
+        <a:buChar char=""/>
+        <a:defRPr sz="1400" kern="1200">
+          <a:ln>
+            <a:solidFill>
+              <a:schemeClr val="bg1">
+                <a:lumMod val="75000"/>
+                <a:lumOff val="25000"/>
+                <a:alpha val="10000"/>
+              </a:schemeClr>
+            </a:solidFill>
+          </a:ln>
           <a:solidFill>
-            <a:schemeClr val="tx1"/>
+            <a:schemeClr val="tx2"/>
           </a:solidFill>
+          <a:effectLst>
+            <a:outerShdw blurRad="9525" dist="25400" dir="14640000" algn="tl" rotWithShape="0">
+              <a:schemeClr val="bg1">
+                <a:alpha val="30000"/>
+              </a:schemeClr>
+            </a:outerShdw>
+          </a:effectLst>
           <a:latin typeface="+mn-lt"/>
           <a:ea typeface="+mn-ea"/>
           <a:cs typeface="+mn-cs"/>
         </a:defRPr>
       </a:lvl5pPr>
-      <a:lvl6pPr marL="2514600" indent="-228600" algn="l" defTabSz="914400" rtl="0" eaLnBrk="1" latinLnBrk="0" hangingPunct="1">
-        <a:lnSpc>
-          <a:spcPct val="90000"/>
-        </a:lnSpc>
+      <a:lvl6pPr marL="2014600" indent="-228600" algn="l" defTabSz="457200" rtl="0" eaLnBrk="1" latinLnBrk="0" hangingPunct="1">
         <a:spcBef>
-          <a:spcPts val="500"/>
+          <a:spcPct val="20000"/>
         </a:spcBef>
-        <a:buFont typeface="Arial" panose="020B0604020202020204" pitchFamily="34" charset="0"/>
-        <a:buChar char="•"/>
-        <a:defRPr sz="1800" kern="1200">
+        <a:spcAft>
+          <a:spcPts val="600"/>
+        </a:spcAft>
+        <a:buClr>
+          <a:schemeClr val="tx2"/>
+        </a:buClr>
+        <a:buSzPct val="70000"/>
+        <a:buFont typeface="Wingdings 2" charset="2"/>
+        <a:buChar char=""/>
+        <a:defRPr sz="1400" kern="1200">
+          <a:ln>
+            <a:solidFill>
+              <a:schemeClr val="bg1">
+                <a:lumMod val="75000"/>
+                <a:lumOff val="25000"/>
+                <a:alpha val="10000"/>
+              </a:schemeClr>
+            </a:solidFill>
+          </a:ln>
           <a:solidFill>
-            <a:schemeClr val="tx1"/>
+            <a:schemeClr val="tx2"/>
           </a:solidFill>
+          <a:effectLst>
+            <a:outerShdw blurRad="9525" dist="25400" dir="14640000" algn="tl" rotWithShape="0">
+              <a:schemeClr val="bg1">
+                <a:alpha val="30000"/>
+              </a:schemeClr>
+            </a:outerShdw>
+          </a:effectLst>
           <a:latin typeface="+mn-lt"/>
           <a:ea typeface="+mn-ea"/>
           <a:cs typeface="+mn-cs"/>
         </a:defRPr>
       </a:lvl6pPr>
-      <a:lvl7pPr marL="2971800" indent="-228600" algn="l" defTabSz="914400" rtl="0" eaLnBrk="1" latinLnBrk="0" hangingPunct="1">
-        <a:lnSpc>
-          <a:spcPct val="90000"/>
-        </a:lnSpc>
+      <a:lvl7pPr marL="2401800" indent="-228600" algn="l" defTabSz="457200" rtl="0" eaLnBrk="1" latinLnBrk="0" hangingPunct="1">
         <a:spcBef>
-          <a:spcPts val="500"/>
+          <a:spcPct val="20000"/>
         </a:spcBef>
-        <a:buFont typeface="Arial" panose="020B0604020202020204" pitchFamily="34" charset="0"/>
-        <a:buChar char="•"/>
-        <a:defRPr sz="1800" kern="1200">
+        <a:spcAft>
+          <a:spcPts val="600"/>
+        </a:spcAft>
+        <a:buClr>
+          <a:schemeClr val="tx2"/>
+        </a:buClr>
+        <a:buSzPct val="70000"/>
+        <a:buFont typeface="Wingdings 2" charset="2"/>
+        <a:buChar char=""/>
+        <a:defRPr sz="1400" kern="1200">
+          <a:ln>
+            <a:solidFill>
+              <a:schemeClr val="bg1">
+                <a:lumMod val="75000"/>
+                <a:lumOff val="25000"/>
+                <a:alpha val="10000"/>
+              </a:schemeClr>
+            </a:solidFill>
+          </a:ln>
           <a:solidFill>
-            <a:schemeClr val="tx1"/>
+            <a:schemeClr val="tx2"/>
           </a:solidFill>
+          <a:effectLst>
+            <a:outerShdw blurRad="9525" dist="25400" dir="14640000" algn="tl" rotWithShape="0">
+              <a:schemeClr val="bg1">
+                <a:alpha val="30000"/>
+              </a:schemeClr>
+            </a:outerShdw>
+          </a:effectLst>
           <a:latin typeface="+mn-lt"/>
           <a:ea typeface="+mn-ea"/>
           <a:cs typeface="+mn-cs"/>
         </a:defRPr>
       </a:lvl7pPr>
-      <a:lvl8pPr marL="3429000" indent="-228600" algn="l" defTabSz="914400" rtl="0" eaLnBrk="1" latinLnBrk="0" hangingPunct="1">
-        <a:lnSpc>
-          <a:spcPct val="90000"/>
-        </a:lnSpc>
+      <a:lvl8pPr marL="2789000" indent="-228600" algn="l" defTabSz="457200" rtl="0" eaLnBrk="1" latinLnBrk="0" hangingPunct="1">
         <a:spcBef>
-          <a:spcPts val="500"/>
+          <a:spcPct val="20000"/>
         </a:spcBef>
-        <a:buFont typeface="Arial" panose="020B0604020202020204" pitchFamily="34" charset="0"/>
-        <a:buChar char="•"/>
-        <a:defRPr sz="1800" kern="1200">
+        <a:spcAft>
+          <a:spcPts val="600"/>
+        </a:spcAft>
+        <a:buClr>
+          <a:schemeClr val="tx2"/>
+        </a:buClr>
+        <a:buSzPct val="70000"/>
+        <a:buFont typeface="Wingdings 2" charset="2"/>
+        <a:buChar char=""/>
+        <a:defRPr sz="1400" kern="1200">
+          <a:ln>
+            <a:solidFill>
+              <a:schemeClr val="bg1">
+                <a:lumMod val="75000"/>
+                <a:lumOff val="25000"/>
+                <a:alpha val="10000"/>
+              </a:schemeClr>
+            </a:solidFill>
+          </a:ln>
           <a:solidFill>
-            <a:schemeClr val="tx1"/>
+            <a:schemeClr val="tx2"/>
           </a:solidFill>
+          <a:effectLst>
+            <a:outerShdw blurRad="9525" dist="25400" dir="14640000" algn="tl" rotWithShape="0">
+              <a:schemeClr val="bg1">
+                <a:alpha val="30000"/>
+              </a:schemeClr>
+            </a:outerShdw>
+          </a:effectLst>
           <a:latin typeface="+mn-lt"/>
           <a:ea typeface="+mn-ea"/>
           <a:cs typeface="+mn-cs"/>
         </a:defRPr>
       </a:lvl8pPr>
-      <a:lvl9pPr marL="3886200" indent="-228600" algn="l" defTabSz="914400" rtl="0" eaLnBrk="1" latinLnBrk="0" hangingPunct="1">
-        <a:lnSpc>
-          <a:spcPct val="90000"/>
-        </a:lnSpc>
+      <a:lvl9pPr marL="3106200" indent="-228600" algn="l" defTabSz="457200" rtl="0" eaLnBrk="1" latinLnBrk="0" hangingPunct="1">
         <a:spcBef>
-          <a:spcPts val="500"/>
+          <a:spcPct val="20000"/>
         </a:spcBef>
-        <a:buFont typeface="Arial" panose="020B0604020202020204" pitchFamily="34" charset="0"/>
-        <a:buChar char="•"/>
-        <a:defRPr sz="1800" kern="1200">
+        <a:spcAft>
+          <a:spcPts val="600"/>
+        </a:spcAft>
+        <a:buClr>
+          <a:schemeClr val="tx2"/>
+        </a:buClr>
+        <a:buSzPct val="70000"/>
+        <a:buFont typeface="Wingdings 2" charset="2"/>
+        <a:buChar char=""/>
+        <a:defRPr sz="1400" kern="1200">
+          <a:ln>
+            <a:solidFill>
+              <a:schemeClr val="bg1">
+                <a:lumMod val="75000"/>
+                <a:lumOff val="25000"/>
+                <a:alpha val="10000"/>
+              </a:schemeClr>
+            </a:solidFill>
+          </a:ln>
           <a:solidFill>
-            <a:schemeClr val="tx1"/>
+            <a:schemeClr val="tx2"/>
           </a:solidFill>
+          <a:effectLst>
+            <a:outerShdw blurRad="9525" dist="25400" dir="14640000" algn="tl" rotWithShape="0">
+              <a:schemeClr val="bg1">
+                <a:alpha val="30000"/>
+              </a:schemeClr>
+            </a:outerShdw>
+          </a:effectLst>
           <a:latin typeface="+mn-lt"/>
           <a:ea typeface="+mn-ea"/>
           <a:cs typeface="+mn-cs"/>
@@ -3676,7 +6368,7 @@
       <a:defPPr>
         <a:defRPr lang="en-US"/>
       </a:defPPr>
-      <a:lvl1pPr marL="0" algn="l" defTabSz="914400" rtl="0" eaLnBrk="1" latinLnBrk="0" hangingPunct="1">
+      <a:lvl1pPr marL="0" algn="l" defTabSz="457200" rtl="0" eaLnBrk="1" latinLnBrk="0" hangingPunct="1">
         <a:defRPr sz="1800" kern="1200">
           <a:solidFill>
             <a:schemeClr val="tx1"/>
@@ -3686,7 +6378,7 @@
           <a:cs typeface="+mn-cs"/>
         </a:defRPr>
       </a:lvl1pPr>
-      <a:lvl2pPr marL="457200" algn="l" defTabSz="914400" rtl="0" eaLnBrk="1" latinLnBrk="0" hangingPunct="1">
+      <a:lvl2pPr marL="457200" algn="l" defTabSz="457200" rtl="0" eaLnBrk="1" latinLnBrk="0" hangingPunct="1">
         <a:defRPr sz="1800" kern="1200">
           <a:solidFill>
             <a:schemeClr val="tx1"/>
@@ -3696,7 +6388,7 @@
           <a:cs typeface="+mn-cs"/>
         </a:defRPr>
       </a:lvl2pPr>
-      <a:lvl3pPr marL="914400" algn="l" defTabSz="914400" rtl="0" eaLnBrk="1" latinLnBrk="0" hangingPunct="1">
+      <a:lvl3pPr marL="914400" algn="l" defTabSz="457200" rtl="0" eaLnBrk="1" latinLnBrk="0" hangingPunct="1">
         <a:defRPr sz="1800" kern="1200">
           <a:solidFill>
             <a:schemeClr val="tx1"/>
@@ -3706,7 +6398,7 @@
           <a:cs typeface="+mn-cs"/>
         </a:defRPr>
       </a:lvl3pPr>
-      <a:lvl4pPr marL="1371600" algn="l" defTabSz="914400" rtl="0" eaLnBrk="1" latinLnBrk="0" hangingPunct="1">
+      <a:lvl4pPr marL="1371600" algn="l" defTabSz="457200" rtl="0" eaLnBrk="1" latinLnBrk="0" hangingPunct="1">
         <a:defRPr sz="1800" kern="1200">
           <a:solidFill>
             <a:schemeClr val="tx1"/>
@@ -3716,7 +6408,7 @@
           <a:cs typeface="+mn-cs"/>
         </a:defRPr>
       </a:lvl4pPr>
-      <a:lvl5pPr marL="1828800" algn="l" defTabSz="914400" rtl="0" eaLnBrk="1" latinLnBrk="0" hangingPunct="1">
+      <a:lvl5pPr marL="1828800" algn="l" defTabSz="457200" rtl="0" eaLnBrk="1" latinLnBrk="0" hangingPunct="1">
         <a:defRPr sz="1800" kern="1200">
           <a:solidFill>
             <a:schemeClr val="tx1"/>
@@ -3726,7 +6418,7 @@
           <a:cs typeface="+mn-cs"/>
         </a:defRPr>
       </a:lvl5pPr>
-      <a:lvl6pPr marL="2286000" algn="l" defTabSz="914400" rtl="0" eaLnBrk="1" latinLnBrk="0" hangingPunct="1">
+      <a:lvl6pPr marL="2286000" algn="l" defTabSz="457200" rtl="0" eaLnBrk="1" latinLnBrk="0" hangingPunct="1">
         <a:defRPr sz="1800" kern="1200">
           <a:solidFill>
             <a:schemeClr val="tx1"/>
@@ -3736,7 +6428,7 @@
           <a:cs typeface="+mn-cs"/>
         </a:defRPr>
       </a:lvl6pPr>
-      <a:lvl7pPr marL="2743200" algn="l" defTabSz="914400" rtl="0" eaLnBrk="1" latinLnBrk="0" hangingPunct="1">
+      <a:lvl7pPr marL="2743200" algn="l" defTabSz="457200" rtl="0" eaLnBrk="1" latinLnBrk="0" hangingPunct="1">
         <a:defRPr sz="1800" kern="1200">
           <a:solidFill>
             <a:schemeClr val="tx1"/>
@@ -3746,7 +6438,7 @@
           <a:cs typeface="+mn-cs"/>
         </a:defRPr>
       </a:lvl7pPr>
-      <a:lvl8pPr marL="3200400" algn="l" defTabSz="914400" rtl="0" eaLnBrk="1" latinLnBrk="0" hangingPunct="1">
+      <a:lvl8pPr marL="3200400" algn="l" defTabSz="457200" rtl="0" eaLnBrk="1" latinLnBrk="0" hangingPunct="1">
         <a:defRPr sz="1800" kern="1200">
           <a:solidFill>
             <a:schemeClr val="tx1"/>
@@ -3756,7 +6448,7 @@
           <a:cs typeface="+mn-cs"/>
         </a:defRPr>
       </a:lvl8pPr>
-      <a:lvl9pPr marL="3657600" algn="l" defTabSz="914400" rtl="0" eaLnBrk="1" latinLnBrk="0" hangingPunct="1">
+      <a:lvl9pPr marL="3657600" algn="l" defTabSz="457200" rtl="0" eaLnBrk="1" latinLnBrk="0" hangingPunct="1">
         <a:defRPr sz="1800" kern="1200">
           <a:solidFill>
             <a:schemeClr val="tx1"/>
@@ -3840,7 +6532,7 @@
         </p:spPr>
         <p:txBody>
           <a:bodyPr>
-            <a:normAutofit fontScale="77500" lnSpcReduction="20000"/>
+            <a:normAutofit fontScale="85000" lnSpcReduction="20000"/>
           </a:bodyPr>
           <a:lstStyle/>
           <a:p>
@@ -3879,139 +6571,6 @@
     <p:extLst>
       <p:ext uri="{BB962C8B-B14F-4D97-AF65-F5344CB8AC3E}">
         <p14:creationId xmlns:p14="http://schemas.microsoft.com/office/powerpoint/2010/main" val="3820270275"/>
-      </p:ext>
-    </p:extLst>
-  </p:cSld>
-  <p:clrMapOvr>
-    <a:masterClrMapping/>
-  </p:clrMapOvr>
-</p:sld>
-</file>
-
-<file path=ppt/slides/slide10.xml><?xml version="1.0" encoding="utf-8"?>
-<p:sld xmlns:a="http://schemas.openxmlformats.org/drawingml/2006/main" xmlns:r="http://schemas.openxmlformats.org/officeDocument/2006/relationships" xmlns:p="http://schemas.openxmlformats.org/presentationml/2006/main">
-  <p:cSld>
-    <p:spTree>
-      <p:nvGrpSpPr>
-        <p:cNvPr id="1" name="">
-          <a:extLst>
-            <a:ext uri="{FF2B5EF4-FFF2-40B4-BE49-F238E27FC236}">
-              <a16:creationId xmlns:a16="http://schemas.microsoft.com/office/drawing/2014/main" id="{34897C29-D4F1-10A4-9D87-94E4188CC2CC}"/>
-            </a:ext>
-          </a:extLst>
-        </p:cNvPr>
-        <p:cNvGrpSpPr/>
-        <p:nvPr/>
-      </p:nvGrpSpPr>
-      <p:grpSpPr>
-        <a:xfrm>
-          <a:off x="0" y="0"/>
-          <a:ext cx="0" cy="0"/>
-          <a:chOff x="0" y="0"/>
-          <a:chExt cx="0" cy="0"/>
-        </a:xfrm>
-      </p:grpSpPr>
-      <p:sp>
-        <p:nvSpPr>
-          <p:cNvPr id="3" name="Content Placeholder 2">
-            <a:extLst>
-              <a:ext uri="{FF2B5EF4-FFF2-40B4-BE49-F238E27FC236}">
-                <a16:creationId xmlns:a16="http://schemas.microsoft.com/office/drawing/2014/main" id="{927D85CE-F8B4-3344-E795-4A159C48E02C}"/>
-              </a:ext>
-            </a:extLst>
-          </p:cNvPr>
-          <p:cNvSpPr>
-            <a:spLocks noGrp="1"/>
-          </p:cNvSpPr>
-          <p:nvPr>
-            <p:ph idx="1"/>
-          </p:nvPr>
-        </p:nvSpPr>
-        <p:spPr/>
-        <p:txBody>
-          <a:bodyPr>
-            <a:normAutofit/>
-          </a:bodyPr>
-          <a:lstStyle/>
-          <a:p>
-            <a:r>
-              <a:rPr lang="en-US" dirty="0"/>
-              <a:t>Complex stochastic process, difficult to predict with deterministic methods</a:t>
-            </a:r>
-          </a:p>
-          <a:p>
-            <a:r>
-              <a:rPr lang="en-US" dirty="0"/>
-              <a:t>There are correlations and indications of a relationship between legislation passed and rates of gun deaths</a:t>
-            </a:r>
-          </a:p>
-          <a:p>
-            <a:endParaRPr lang="en-US" dirty="0"/>
-          </a:p>
-        </p:txBody>
-      </p:sp>
-      <p:sp>
-        <p:nvSpPr>
-          <p:cNvPr id="4" name="Title 1">
-            <a:extLst>
-              <a:ext uri="{FF2B5EF4-FFF2-40B4-BE49-F238E27FC236}">
-                <a16:creationId xmlns:a16="http://schemas.microsoft.com/office/drawing/2014/main" id="{CBCCA915-A2D2-1273-0586-B236E12C9942}"/>
-              </a:ext>
-            </a:extLst>
-          </p:cNvPr>
-          <p:cNvSpPr txBox="1">
-            <a:spLocks/>
-          </p:cNvSpPr>
-          <p:nvPr/>
-        </p:nvSpPr>
-        <p:spPr>
-          <a:xfrm>
-            <a:off x="838200" y="365125"/>
-            <a:ext cx="11163300" cy="1325563"/>
-          </a:xfrm>
-          <a:prstGeom prst="rect">
-            <a:avLst/>
-          </a:prstGeom>
-        </p:spPr>
-        <p:txBody>
-          <a:bodyPr vert="horz" lIns="91440" tIns="45720" rIns="91440" bIns="45720" rtlCol="0" anchor="ctr">
-            <a:normAutofit fontScale="97500"/>
-          </a:bodyPr>
-          <a:lstStyle>
-            <a:lvl1pPr algn="l" defTabSz="914400" rtl="0" eaLnBrk="1" latinLnBrk="0" hangingPunct="1">
-              <a:lnSpc>
-                <a:spcPct val="90000"/>
-              </a:lnSpc>
-              <a:spcBef>
-                <a:spcPct val="0"/>
-              </a:spcBef>
-              <a:buNone/>
-              <a:defRPr sz="4400" kern="1200">
-                <a:solidFill>
-                  <a:schemeClr val="tx1"/>
-                </a:solidFill>
-                <a:latin typeface="+mj-lt"/>
-                <a:ea typeface="+mj-ea"/>
-                <a:cs typeface="+mj-cs"/>
-              </a:defRPr>
-            </a:lvl1pPr>
-          </a:lstStyle>
-          <a:p>
-            <a:r>
-              <a:rPr lang="en-US" sz="4000" dirty="0"/>
-              <a:t>Conclusions: </a:t>
-            </a:r>
-            <a:br>
-              <a:rPr lang="en-US" sz="4000" dirty="0"/>
-            </a:br>
-            <a:endParaRPr lang="en-US" sz="4000" dirty="0"/>
-          </a:p>
-        </p:txBody>
-      </p:sp>
-    </p:spTree>
-    <p:extLst>
-      <p:ext uri="{BB962C8B-B14F-4D97-AF65-F5344CB8AC3E}">
-        <p14:creationId xmlns:p14="http://schemas.microsoft.com/office/powerpoint/2010/main" val="2424616309"/>
       </p:ext>
     </p:extLst>
   </p:cSld>
@@ -4053,14 +6612,14 @@
           <p:nvPr>
             <p:extLst>
               <p:ext uri="{D42A27DB-BD31-4B8C-83A1-F6EECF244321}">
-                <p14:modId xmlns:p14="http://schemas.microsoft.com/office/powerpoint/2010/main" val="3589273593"/>
+                <p14:modId xmlns:p14="http://schemas.microsoft.com/office/powerpoint/2010/main" val="3458387289"/>
               </p:ext>
             </p:extLst>
           </p:nvPr>
         </p:nvGraphicFramePr>
         <p:xfrm>
-          <a:off x="3173452" y="4266371"/>
-          <a:ext cx="4996205" cy="1112520"/>
+          <a:off x="3597897" y="4480409"/>
+          <a:ext cx="4996205" cy="1381760"/>
         </p:xfrm>
         <a:graphic>
           <a:graphicData uri="http://schemas.openxmlformats.org/drawingml/2006/table">
@@ -4356,7 +6915,7 @@
         </p:spPr>
         <p:txBody>
           <a:bodyPr>
-            <a:normAutofit fontScale="97500"/>
+            <a:normAutofit fontScale="67500" lnSpcReduction="20000"/>
           </a:bodyPr>
           <a:lstStyle>
             <a:lvl1pPr algn="l" defTabSz="914400" rtl="0" eaLnBrk="1" latinLnBrk="0" hangingPunct="1">
@@ -4378,15 +6937,150 @@
             </a:lvl1pPr>
           </a:lstStyle>
           <a:p>
-            <a:r>
-              <a:rPr lang="en-US" sz="4000" dirty="0"/>
-              <a:t>Research Question 1a: </a:t>
-            </a:r>
-            <a:br>
-              <a:rPr lang="en-US" sz="4000" dirty="0"/>
-            </a:br>
-            <a:r>
-              <a:rPr lang="en-US" sz="4000" dirty="0"/>
+            <a:endParaRPr lang="en-US" sz="4000" dirty="0"/>
+          </a:p>
+          <a:p>
+            <a:pPr algn="ctr"/>
+            <a:r>
+              <a:rPr lang="en-US" sz="6600" dirty="0">
+                <a:ln>
+                  <a:solidFill>
+                    <a:schemeClr val="bg1">
+                      <a:lumMod val="75000"/>
+                      <a:lumOff val="25000"/>
+                      <a:alpha val="10000"/>
+                    </a:schemeClr>
+                  </a:solidFill>
+                </a:ln>
+                <a:solidFill>
+                  <a:schemeClr val="tx2"/>
+                </a:solidFill>
+                <a:effectLst>
+                  <a:outerShdw blurRad="9525" dist="25400" dir="14640000" algn="tl" rotWithShape="0">
+                    <a:schemeClr val="bg1">
+                      <a:alpha val="30000"/>
+                    </a:schemeClr>
+                  </a:outerShdw>
+                </a:effectLst>
+              </a:rPr>
+              <a:t>Research Question 1:</a:t>
+            </a:r>
+          </a:p>
+          <a:p>
+            <a:r>
+              <a:rPr lang="en-US" sz="4000" dirty="0">
+                <a:ln>
+                  <a:solidFill>
+                    <a:schemeClr val="bg1">
+                      <a:lumMod val="75000"/>
+                      <a:lumOff val="25000"/>
+                      <a:alpha val="10000"/>
+                    </a:schemeClr>
+                  </a:solidFill>
+                </a:ln>
+                <a:solidFill>
+                  <a:schemeClr val="tx2"/>
+                </a:solidFill>
+                <a:effectLst>
+                  <a:outerShdw blurRad="9525" dist="25400" dir="14640000" algn="tl" rotWithShape="0">
+                    <a:schemeClr val="bg1">
+                      <a:alpha val="30000"/>
+                    </a:schemeClr>
+                  </a:outerShdw>
+                </a:effectLst>
+              </a:rPr>
+              <a:t>Can we predict firearm death rates based on gun law characteristics?</a:t>
+            </a:r>
+          </a:p>
+          <a:p>
+            <a:endParaRPr lang="en-US" sz="4800" dirty="0">
+              <a:ln>
+                <a:solidFill>
+                  <a:schemeClr val="bg1">
+                    <a:lumMod val="75000"/>
+                    <a:lumOff val="25000"/>
+                    <a:alpha val="10000"/>
+                  </a:schemeClr>
+                </a:solidFill>
+              </a:ln>
+              <a:solidFill>
+                <a:schemeClr val="tx2"/>
+              </a:solidFill>
+              <a:effectLst>
+                <a:outerShdw blurRad="9525" dist="25400" dir="14640000" algn="tl" rotWithShape="0">
+                  <a:schemeClr val="bg1">
+                    <a:alpha val="30000"/>
+                  </a:schemeClr>
+                </a:outerShdw>
+              </a:effectLst>
+            </a:endParaRPr>
+          </a:p>
+          <a:p>
+            <a:endParaRPr lang="en-US" sz="3600" dirty="0"/>
+          </a:p>
+        </p:txBody>
+      </p:sp>
+      <p:sp>
+        <p:nvSpPr>
+          <p:cNvPr id="2" name="TextBox 1">
+            <a:extLst>
+              <a:ext uri="{FF2B5EF4-FFF2-40B4-BE49-F238E27FC236}">
+                <a16:creationId xmlns:a16="http://schemas.microsoft.com/office/drawing/2014/main" id="{F9A60B0B-4ECA-7CCA-EB11-33CFC6876901}"/>
+              </a:ext>
+            </a:extLst>
+          </p:cNvPr>
+          <p:cNvSpPr txBox="1"/>
+          <p:nvPr/>
+        </p:nvSpPr>
+        <p:spPr>
+          <a:xfrm>
+            <a:off x="4077048" y="1686711"/>
+            <a:ext cx="4681058" cy="315086"/>
+          </a:xfrm>
+          <a:prstGeom prst="rect">
+            <a:avLst/>
+          </a:prstGeom>
+          <a:noFill/>
+        </p:spPr>
+        <p:txBody>
+          <a:bodyPr wrap="square" rtlCol="0">
+            <a:spAutoFit/>
+          </a:bodyPr>
+          <a:lstStyle/>
+          <a:p>
+            <a:pPr defTabSz="914400">
+              <a:lnSpc>
+                <a:spcPct val="70000"/>
+              </a:lnSpc>
+              <a:spcBef>
+                <a:spcPct val="0"/>
+              </a:spcBef>
+            </a:pPr>
+            <a:r>
+              <a:rPr lang="en-US" sz="2000" dirty="0">
+                <a:ln>
+                  <a:solidFill>
+                    <a:schemeClr val="bg1">
+                      <a:lumMod val="75000"/>
+                      <a:lumOff val="25000"/>
+                      <a:alpha val="10000"/>
+                    </a:schemeClr>
+                  </a:solidFill>
+                </a:ln>
+                <a:solidFill>
+                  <a:schemeClr val="tx2"/>
+                </a:solidFill>
+                <a:effectLst>
+                  <a:outerShdw blurRad="9525" dist="25400" dir="14640000" algn="tl" rotWithShape="0">
+                    <a:schemeClr val="bg1">
+                      <a:alpha val="30000"/>
+                    </a:schemeClr>
+                  </a:outerShdw>
+                </a:effectLst>
+                <a:latin typeface="+mj-lt"/>
+                <a:ea typeface="+mj-ea"/>
+                <a:cs typeface="+mj-cs"/>
+              </a:rPr>
               <a:t>Basic Multi-Linear Regression Models</a:t>
             </a:r>
           </a:p>
@@ -4437,14 +7131,14 @@
           <p:nvPr>
             <p:extLst>
               <p:ext uri="{D42A27DB-BD31-4B8C-83A1-F6EECF244321}">
-                <p14:modId xmlns:p14="http://schemas.microsoft.com/office/powerpoint/2010/main" val="163996517"/>
+                <p14:modId xmlns:p14="http://schemas.microsoft.com/office/powerpoint/2010/main" val="4290183788"/>
               </p:ext>
             </p:extLst>
           </p:nvPr>
         </p:nvGraphicFramePr>
         <p:xfrm>
-          <a:off x="3172968" y="4270248"/>
-          <a:ext cx="4996205" cy="1112520"/>
+          <a:off x="3597897" y="4572252"/>
+          <a:ext cx="4996205" cy="1381760"/>
         </p:xfrm>
         <a:graphic>
           <a:graphicData uri="http://schemas.openxmlformats.org/drawingml/2006/table">
@@ -4749,7 +7443,7 @@
         </p:nvSpPr>
         <p:spPr>
           <a:xfrm>
-            <a:off x="838200" y="365125"/>
+            <a:off x="950053" y="211874"/>
             <a:ext cx="10515600" cy="1325563"/>
           </a:xfrm>
           <a:prstGeom prst="rect">
@@ -4758,7 +7452,7 @@
         </p:spPr>
         <p:txBody>
           <a:bodyPr>
-            <a:normAutofit fontScale="97500"/>
+            <a:normAutofit fontScale="67500" lnSpcReduction="20000"/>
           </a:bodyPr>
           <a:lstStyle>
             <a:lvl1pPr algn="l" defTabSz="914400" rtl="0" eaLnBrk="1" latinLnBrk="0" hangingPunct="1">
@@ -4780,15 +7474,120 @@
             </a:lvl1pPr>
           </a:lstStyle>
           <a:p>
-            <a:r>
-              <a:rPr lang="en-US" sz="4000" dirty="0"/>
-              <a:t>Research Question 1b: </a:t>
-            </a:r>
-            <a:br>
-              <a:rPr lang="en-US" sz="4000" dirty="0"/>
-            </a:br>
-            <a:r>
-              <a:rPr lang="en-US" sz="4000" dirty="0"/>
+            <a:endParaRPr lang="en-US" sz="4000" dirty="0"/>
+          </a:p>
+          <a:p>
+            <a:pPr algn="ctr"/>
+            <a:r>
+              <a:rPr lang="en-US" sz="6600" dirty="0">
+                <a:ln>
+                  <a:solidFill>
+                    <a:schemeClr val="bg1">
+                      <a:lumMod val="75000"/>
+                      <a:lumOff val="25000"/>
+                      <a:alpha val="10000"/>
+                    </a:schemeClr>
+                  </a:solidFill>
+                </a:ln>
+                <a:solidFill>
+                  <a:schemeClr val="tx2"/>
+                </a:solidFill>
+                <a:effectLst>
+                  <a:outerShdw blurRad="9525" dist="25400" dir="14640000" algn="tl" rotWithShape="0">
+                    <a:schemeClr val="bg1">
+                      <a:alpha val="30000"/>
+                    </a:schemeClr>
+                  </a:outerShdw>
+                </a:effectLst>
+              </a:rPr>
+              <a:t>Research Question 1c:</a:t>
+            </a:r>
+          </a:p>
+          <a:p>
+            <a:pPr algn="ctr"/>
+            <a:r>
+              <a:rPr lang="en-US" sz="4000" dirty="0">
+                <a:ln>
+                  <a:solidFill>
+                    <a:schemeClr val="bg1">
+                      <a:lumMod val="75000"/>
+                      <a:lumOff val="25000"/>
+                      <a:alpha val="10000"/>
+                    </a:schemeClr>
+                  </a:solidFill>
+                </a:ln>
+                <a:solidFill>
+                  <a:schemeClr val="tx2"/>
+                </a:solidFill>
+                <a:effectLst>
+                  <a:outerShdw blurRad="9525" dist="25400" dir="14640000" algn="tl" rotWithShape="0">
+                    <a:schemeClr val="bg1">
+                      <a:alpha val="30000"/>
+                    </a:schemeClr>
+                  </a:outerShdw>
+                </a:effectLst>
+              </a:rPr>
+              <a:t>Can we predict firearm death rates based on gun law characteristics?</a:t>
+            </a:r>
+          </a:p>
+          <a:p>
+            <a:endParaRPr lang="en-US" sz="4000" dirty="0"/>
+          </a:p>
+        </p:txBody>
+      </p:sp>
+      <p:sp>
+        <p:nvSpPr>
+          <p:cNvPr id="2" name="TextBox 1">
+            <a:extLst>
+              <a:ext uri="{FF2B5EF4-FFF2-40B4-BE49-F238E27FC236}">
+                <a16:creationId xmlns:a16="http://schemas.microsoft.com/office/drawing/2014/main" id="{FAC40FD4-72AB-EE42-889C-F36377527DF0}"/>
+              </a:ext>
+            </a:extLst>
+          </p:cNvPr>
+          <p:cNvSpPr txBox="1"/>
+          <p:nvPr/>
+        </p:nvSpPr>
+        <p:spPr>
+          <a:xfrm>
+            <a:off x="4764947" y="1500677"/>
+            <a:ext cx="3221372" cy="400110"/>
+          </a:xfrm>
+          <a:prstGeom prst="rect">
+            <a:avLst/>
+          </a:prstGeom>
+          <a:noFill/>
+        </p:spPr>
+        <p:txBody>
+          <a:bodyPr wrap="square" rtlCol="0">
+            <a:spAutoFit/>
+          </a:bodyPr>
+          <a:lstStyle/>
+          <a:p>
+            <a:r>
+              <a:rPr lang="en-US" sz="2000" dirty="0">
+                <a:ln>
+                  <a:solidFill>
+                    <a:schemeClr val="bg1">
+                      <a:lumMod val="75000"/>
+                      <a:lumOff val="25000"/>
+                      <a:alpha val="10000"/>
+                    </a:schemeClr>
+                  </a:solidFill>
+                </a:ln>
+                <a:solidFill>
+                  <a:schemeClr val="tx2"/>
+                </a:solidFill>
+                <a:effectLst>
+                  <a:outerShdw blurRad="9525" dist="25400" dir="14640000" algn="tl" rotWithShape="0">
+                    <a:schemeClr val="bg1">
+                      <a:alpha val="30000"/>
+                    </a:schemeClr>
+                  </a:outerShdw>
+                </a:effectLst>
+                <a:latin typeface="+mj-lt"/>
+                <a:ea typeface="+mj-ea"/>
+                <a:cs typeface="+mj-cs"/>
+              </a:rPr>
               <a:t>Ridge-Regressed Models</a:t>
             </a:r>
           </a:p>
@@ -4845,14 +7644,14 @@
           <p:nvPr>
             <p:extLst>
               <p:ext uri="{D42A27DB-BD31-4B8C-83A1-F6EECF244321}">
-                <p14:modId xmlns:p14="http://schemas.microsoft.com/office/powerpoint/2010/main" val="330833128"/>
+                <p14:modId xmlns:p14="http://schemas.microsoft.com/office/powerpoint/2010/main" val="1767929854"/>
               </p:ext>
             </p:extLst>
           </p:nvPr>
         </p:nvGraphicFramePr>
         <p:xfrm>
-          <a:off x="3172968" y="4270248"/>
-          <a:ext cx="4996205" cy="1112520"/>
+          <a:off x="3597897" y="4597424"/>
+          <a:ext cx="4996205" cy="1390401"/>
         </p:xfrm>
         <a:graphic>
           <a:graphicData uri="http://schemas.openxmlformats.org/drawingml/2006/table">
@@ -4883,7 +7682,7 @@
                   </a:extLst>
                 </a:gridCol>
               </a:tblGrid>
-              <a:tr h="370840">
+              <a:tr h="379481">
                 <a:tc>
                   <a:txBody>
                     <a:bodyPr/>
@@ -5140,7 +7939,7 @@
         </p:spPr>
         <p:txBody>
           <a:bodyPr>
-            <a:normAutofit fontScale="97500"/>
+            <a:normAutofit fontScale="90000"/>
           </a:bodyPr>
           <a:lstStyle>
             <a:lvl1pPr algn="l" defTabSz="914400" rtl="0" eaLnBrk="1" latinLnBrk="0" hangingPunct="1">
@@ -5162,17 +7961,136 @@
             </a:lvl1pPr>
           </a:lstStyle>
           <a:p>
-            <a:r>
-              <a:rPr lang="en-US" sz="4000" dirty="0"/>
-              <a:t>Research Question 1: </a:t>
-            </a:r>
-            <a:br>
-              <a:rPr lang="en-US" sz="4000" dirty="0"/>
-            </a:br>
-            <a:r>
-              <a:rPr lang="en-US" sz="4000" dirty="0"/>
+            <a:pPr algn="ctr"/>
+            <a:r>
+              <a:rPr lang="en-US" sz="5300" dirty="0">
+                <a:ln>
+                  <a:solidFill>
+                    <a:schemeClr val="bg1">
+                      <a:lumMod val="75000"/>
+                      <a:lumOff val="25000"/>
+                      <a:alpha val="10000"/>
+                    </a:schemeClr>
+                  </a:solidFill>
+                </a:ln>
+                <a:solidFill>
+                  <a:schemeClr val="tx2"/>
+                </a:solidFill>
+                <a:effectLst>
+                  <a:outerShdw blurRad="9525" dist="25400" dir="14640000" algn="tl" rotWithShape="0">
+                    <a:schemeClr val="bg1">
+                      <a:alpha val="30000"/>
+                    </a:schemeClr>
+                  </a:outerShdw>
+                </a:effectLst>
+              </a:rPr>
+              <a:t>Research Question 1c:</a:t>
+            </a:r>
+          </a:p>
+          <a:p>
+            <a:r>
+              <a:rPr lang="en-US" sz="3100" dirty="0">
+                <a:ln>
+                  <a:solidFill>
+                    <a:schemeClr val="bg1">
+                      <a:lumMod val="75000"/>
+                      <a:lumOff val="25000"/>
+                      <a:alpha val="10000"/>
+                    </a:schemeClr>
+                  </a:solidFill>
+                </a:ln>
+                <a:solidFill>
+                  <a:schemeClr val="tx2"/>
+                </a:solidFill>
+                <a:effectLst>
+                  <a:outerShdw blurRad="9525" dist="25400" dir="14640000" algn="tl" rotWithShape="0">
+                    <a:schemeClr val="bg1">
+                      <a:alpha val="30000"/>
+                    </a:schemeClr>
+                  </a:outerShdw>
+                </a:effectLst>
+              </a:rPr>
+              <a:t>Can we predict firearm death rates based on gun law characteristics?</a:t>
+            </a:r>
+          </a:p>
+          <a:p>
+            <a:endParaRPr lang="en-US" sz="3900" dirty="0">
+              <a:ln>
+                <a:solidFill>
+                  <a:schemeClr val="bg1">
+                    <a:lumMod val="75000"/>
+                    <a:lumOff val="25000"/>
+                    <a:alpha val="10000"/>
+                  </a:schemeClr>
+                </a:solidFill>
+              </a:ln>
+              <a:solidFill>
+                <a:schemeClr val="tx2"/>
+              </a:solidFill>
+              <a:effectLst>
+                <a:outerShdw blurRad="9525" dist="25400" dir="14640000" algn="tl" rotWithShape="0">
+                  <a:schemeClr val="bg1">
+                    <a:alpha val="30000"/>
+                  </a:schemeClr>
+                </a:outerShdw>
+              </a:effectLst>
+            </a:endParaRPr>
+          </a:p>
+        </p:txBody>
+      </p:sp>
+      <p:sp>
+        <p:nvSpPr>
+          <p:cNvPr id="2" name="TextBox 1">
+            <a:extLst>
+              <a:ext uri="{FF2B5EF4-FFF2-40B4-BE49-F238E27FC236}">
+                <a16:creationId xmlns:a16="http://schemas.microsoft.com/office/drawing/2014/main" id="{BD716696-48E0-12AD-DC0C-B94CEB5F6A62}"/>
+              </a:ext>
+            </a:extLst>
+          </p:cNvPr>
+          <p:cNvSpPr txBox="1"/>
+          <p:nvPr/>
+        </p:nvSpPr>
+        <p:spPr>
+          <a:xfrm>
+            <a:off x="4438698" y="1560351"/>
+            <a:ext cx="3540155" cy="400110"/>
+          </a:xfrm>
+          <a:prstGeom prst="rect">
+            <a:avLst/>
+          </a:prstGeom>
+          <a:noFill/>
+        </p:spPr>
+        <p:txBody>
+          <a:bodyPr wrap="square" rtlCol="0">
+            <a:spAutoFit/>
+          </a:bodyPr>
+          <a:lstStyle/>
+          <a:p>
+            <a:r>
+              <a:rPr lang="en-US" sz="2000" dirty="0">
+                <a:ln>
+                  <a:solidFill>
+                    <a:schemeClr val="bg1">
+                      <a:lumMod val="75000"/>
+                      <a:lumOff val="25000"/>
+                      <a:alpha val="10000"/>
+                    </a:schemeClr>
+                  </a:solidFill>
+                </a:ln>
+                <a:solidFill>
+                  <a:schemeClr val="tx2"/>
+                </a:solidFill>
+                <a:effectLst>
+                  <a:outerShdw blurRad="9525" dist="25400" dir="14640000" algn="tl" rotWithShape="0">
+                    <a:schemeClr val="bg1">
+                      <a:alpha val="30000"/>
+                    </a:schemeClr>
+                  </a:outerShdw>
+                </a:effectLst>
+              </a:rPr>
               <a:t>Principal Component Model</a:t>
             </a:r>
+            <a:endParaRPr lang="en-US" sz="2000" dirty="0"/>
           </a:p>
         </p:txBody>
       </p:sp>
@@ -5190,110 +8108,6 @@
 </file>
 
 <file path=ppt/slides/slide5.xml><?xml version="1.0" encoding="utf-8"?>
-<p:sld xmlns:a="http://schemas.openxmlformats.org/drawingml/2006/main" xmlns:r="http://schemas.openxmlformats.org/officeDocument/2006/relationships" xmlns:p="http://schemas.openxmlformats.org/presentationml/2006/main">
-  <p:cSld>
-    <p:spTree>
-      <p:nvGrpSpPr>
-        <p:cNvPr id="1" name=""/>
-        <p:cNvGrpSpPr/>
-        <p:nvPr/>
-      </p:nvGrpSpPr>
-      <p:grpSpPr>
-        <a:xfrm>
-          <a:off x="0" y="0"/>
-          <a:ext cx="0" cy="0"/>
-          <a:chOff x="0" y="0"/>
-          <a:chExt cx="0" cy="0"/>
-        </a:xfrm>
-      </p:grpSpPr>
-      <p:sp>
-        <p:nvSpPr>
-          <p:cNvPr id="2" name="Title 1">
-            <a:extLst>
-              <a:ext uri="{FF2B5EF4-FFF2-40B4-BE49-F238E27FC236}">
-                <a16:creationId xmlns:a16="http://schemas.microsoft.com/office/drawing/2014/main" id="{8F8F429D-F13F-3566-49E4-CC7DEDADB5CD}"/>
-              </a:ext>
-            </a:extLst>
-          </p:cNvPr>
-          <p:cNvSpPr>
-            <a:spLocks noGrp="1"/>
-          </p:cNvSpPr>
-          <p:nvPr>
-            <p:ph type="title"/>
-          </p:nvPr>
-        </p:nvSpPr>
-        <p:spPr/>
-        <p:txBody>
-          <a:bodyPr>
-            <a:normAutofit/>
-          </a:bodyPr>
-          <a:lstStyle/>
-          <a:p>
-            <a:r>
-              <a:rPr lang="en-US" sz="3900" dirty="0"/>
-              <a:t>Research Question 2a: </a:t>
-            </a:r>
-            <a:br>
-              <a:rPr lang="en-US" sz="3900" dirty="0"/>
-            </a:br>
-            <a:r>
-              <a:rPr lang="en-US" sz="3900" dirty="0"/>
-              <a:t>Correlation of Features to Firearm Death Rates</a:t>
-            </a:r>
-          </a:p>
-        </p:txBody>
-      </p:sp>
-      <p:pic>
-        <p:nvPicPr>
-          <p:cNvPr id="6" name="Picture 5">
-            <a:extLst>
-              <a:ext uri="{FF2B5EF4-FFF2-40B4-BE49-F238E27FC236}">
-                <a16:creationId xmlns:a16="http://schemas.microsoft.com/office/drawing/2014/main" id="{F260BC56-BDC0-80C7-7BFF-63EC447E1C91}"/>
-              </a:ext>
-            </a:extLst>
-          </p:cNvPr>
-          <p:cNvPicPr>
-            <a:picLocks noChangeAspect="1"/>
-          </p:cNvPicPr>
-          <p:nvPr/>
-        </p:nvPicPr>
-        <p:blipFill>
-          <a:blip r:embed="rId2">
-            <a:extLst>
-              <a:ext uri="{28A0092B-C50C-407E-A947-70E740481C1C}">
-                <a14:useLocalDpi xmlns:a14="http://schemas.microsoft.com/office/drawing/2010/main" val="0"/>
-              </a:ext>
-            </a:extLst>
-          </a:blip>
-          <a:srcRect t="11152" b="3380"/>
-          <a:stretch>
-            <a:fillRect/>
-          </a:stretch>
-        </p:blipFill>
-        <p:spPr>
-          <a:xfrm>
-            <a:off x="1428750" y="1648654"/>
-            <a:ext cx="8742242" cy="4828346"/>
-          </a:xfrm>
-          <a:prstGeom prst="rect">
-            <a:avLst/>
-          </a:prstGeom>
-        </p:spPr>
-      </p:pic>
-    </p:spTree>
-    <p:extLst>
-      <p:ext uri="{BB962C8B-B14F-4D97-AF65-F5344CB8AC3E}">
-        <p14:creationId xmlns:p14="http://schemas.microsoft.com/office/powerpoint/2010/main" val="3354316654"/>
-      </p:ext>
-    </p:extLst>
-  </p:cSld>
-  <p:clrMapOvr>
-    <a:masterClrMapping/>
-  </p:clrMapOvr>
-</p:sld>
-</file>
-
-<file path=ppt/slides/slide6.xml><?xml version="1.0" encoding="utf-8"?>
 <p:sld xmlns:a="http://schemas.openxmlformats.org/drawingml/2006/main" xmlns:r="http://schemas.openxmlformats.org/officeDocument/2006/relationships" xmlns:p="http://schemas.openxmlformats.org/presentationml/2006/main">
   <p:cSld>
     <p:spTree>
@@ -5346,14 +8160,14 @@
           <a:p>
             <a:r>
               <a:rPr lang="en-US" sz="3900" dirty="0"/>
-              <a:t>Research Question 2b: </a:t>
+              <a:t>Research Question 2: </a:t>
             </a:r>
             <a:br>
               <a:rPr lang="en-US" sz="3900" dirty="0"/>
             </a:br>
             <a:r>
-              <a:rPr lang="en-US" sz="3900" dirty="0"/>
-              <a:t>Correlation of Law Strengths to Firearm Death Rates</a:t>
+              <a:rPr lang="en-US" sz="2400" dirty="0"/>
+              <a:t>Which specific law types are most strongly associated with death rates?</a:t>
             </a:r>
           </a:p>
         </p:txBody>
@@ -5387,14 +8201,121 @@
         </p:blipFill>
         <p:spPr>
           <a:xfrm>
-            <a:off x="1426464" y="1645920"/>
-            <a:ext cx="8857870" cy="4828032"/>
+            <a:off x="6362699" y="2429352"/>
+            <a:ext cx="5754867" cy="3971272"/>
           </a:xfrm>
           <a:prstGeom prst="rect">
             <a:avLst/>
           </a:prstGeom>
         </p:spPr>
       </p:pic>
+      <p:pic>
+        <p:nvPicPr>
+          <p:cNvPr id="3" name="Picture 2">
+            <a:extLst>
+              <a:ext uri="{FF2B5EF4-FFF2-40B4-BE49-F238E27FC236}">
+                <a16:creationId xmlns:a16="http://schemas.microsoft.com/office/drawing/2014/main" id="{6CE1EC6D-3CAE-CFAC-9143-AC9EEF070235}"/>
+              </a:ext>
+            </a:extLst>
+          </p:cNvPr>
+          <p:cNvPicPr>
+            <a:picLocks noChangeAspect="1"/>
+          </p:cNvPicPr>
+          <p:nvPr/>
+        </p:nvPicPr>
+        <p:blipFill>
+          <a:blip r:embed="rId3">
+            <a:extLst>
+              <a:ext uri="{28A0092B-C50C-407E-A947-70E740481C1C}">
+                <a14:useLocalDpi xmlns:a14="http://schemas.microsoft.com/office/drawing/2010/main" val="0"/>
+              </a:ext>
+            </a:extLst>
+          </a:blip>
+          <a:srcRect t="11152" b="3380"/>
+          <a:stretch>
+            <a:fillRect/>
+          </a:stretch>
+        </p:blipFill>
+        <p:spPr>
+          <a:xfrm>
+            <a:off x="125835" y="2429352"/>
+            <a:ext cx="6140885" cy="3971272"/>
+          </a:xfrm>
+          <a:prstGeom prst="rect">
+            <a:avLst/>
+          </a:prstGeom>
+        </p:spPr>
+      </p:pic>
+      <p:sp>
+        <p:nvSpPr>
+          <p:cNvPr id="5" name="TextBox 4">
+            <a:extLst>
+              <a:ext uri="{FF2B5EF4-FFF2-40B4-BE49-F238E27FC236}">
+                <a16:creationId xmlns:a16="http://schemas.microsoft.com/office/drawing/2014/main" id="{83E472A3-102B-4EEE-AA2D-4F6DD4C6F5EA}"/>
+              </a:ext>
+            </a:extLst>
+          </p:cNvPr>
+          <p:cNvSpPr txBox="1"/>
+          <p:nvPr/>
+        </p:nvSpPr>
+        <p:spPr>
+          <a:xfrm>
+            <a:off x="6437133" y="1875354"/>
+            <a:ext cx="5754867" cy="369332"/>
+          </a:xfrm>
+          <a:prstGeom prst="rect">
+            <a:avLst/>
+          </a:prstGeom>
+          <a:noFill/>
+        </p:spPr>
+        <p:txBody>
+          <a:bodyPr wrap="square" rtlCol="0">
+            <a:spAutoFit/>
+          </a:bodyPr>
+          <a:lstStyle/>
+          <a:p>
+            <a:r>
+              <a:rPr lang="en-US" dirty="0"/>
+              <a:t>Correlation of Law Strengths to Firearm Death Rates</a:t>
+            </a:r>
+          </a:p>
+        </p:txBody>
+      </p:sp>
+      <p:sp>
+        <p:nvSpPr>
+          <p:cNvPr id="6" name="TextBox 5">
+            <a:extLst>
+              <a:ext uri="{FF2B5EF4-FFF2-40B4-BE49-F238E27FC236}">
+                <a16:creationId xmlns:a16="http://schemas.microsoft.com/office/drawing/2014/main" id="{14E2C767-BE86-6940-0748-57FA39C6E963}"/>
+              </a:ext>
+            </a:extLst>
+          </p:cNvPr>
+          <p:cNvSpPr txBox="1"/>
+          <p:nvPr/>
+        </p:nvSpPr>
+        <p:spPr>
+          <a:xfrm>
+            <a:off x="838199" y="1875354"/>
+            <a:ext cx="5754867" cy="369332"/>
+          </a:xfrm>
+          <a:prstGeom prst="rect">
+            <a:avLst/>
+          </a:prstGeom>
+          <a:noFill/>
+        </p:spPr>
+        <p:txBody>
+          <a:bodyPr wrap="square" rtlCol="0">
+            <a:spAutoFit/>
+          </a:bodyPr>
+          <a:lstStyle/>
+          <a:p>
+            <a:r>
+              <a:rPr lang="en-US" dirty="0"/>
+              <a:t>Correlation of Features to Firearm Death Rates</a:t>
+            </a:r>
+          </a:p>
+        </p:txBody>
+      </p:sp>
     </p:spTree>
     <p:extLst>
       <p:ext uri="{BB962C8B-B14F-4D97-AF65-F5344CB8AC3E}">
@@ -5408,7 +8329,7 @@
 </p:sld>
 </file>
 
-<file path=ppt/slides/slide7.xml><?xml version="1.0" encoding="utf-8"?>
+<file path=ppt/slides/slide6.xml><?xml version="1.0" encoding="utf-8"?>
 <p:sld xmlns:a="http://schemas.openxmlformats.org/drawingml/2006/main" xmlns:r="http://schemas.openxmlformats.org/officeDocument/2006/relationships" xmlns:p="http://schemas.openxmlformats.org/presentationml/2006/main">
   <p:cSld>
     <p:spTree>
@@ -5450,12 +8371,6 @@
           <a:p>
             <a:r>
               <a:rPr lang="en-US" dirty="0"/>
-              <a:t>Goal: Detect natural groupings of states based on gun law profiles.</a:t>
-            </a:r>
-          </a:p>
-          <a:p>
-            <a:r>
-              <a:rPr lang="en-US" dirty="0"/>
               <a:t>Methods: K-Means (k=3), Hierarchical Clustering, PCA visualization.</a:t>
             </a:r>
           </a:p>
@@ -5530,7 +8445,7 @@
         </p:spPr>
         <p:txBody>
           <a:bodyPr vert="horz" lIns="91440" tIns="45720" rIns="91440" bIns="45720" rtlCol="0" anchor="ctr">
-            <a:normAutofit fontScale="97500"/>
+            <a:normAutofit fontScale="67500" lnSpcReduction="20000"/>
           </a:bodyPr>
           <a:lstStyle>
             <a:lvl1pPr algn="l" defTabSz="914400" rtl="0" eaLnBrk="1" latinLnBrk="0" hangingPunct="1">
@@ -5552,17 +8467,50 @@
             </a:lvl1pPr>
           </a:lstStyle>
           <a:p>
-            <a:r>
-              <a:rPr lang="en-US" sz="4000" dirty="0"/>
+            <a:pPr algn="ctr">
+              <a:lnSpc>
+                <a:spcPct val="110000"/>
+              </a:lnSpc>
+            </a:pPr>
+            <a:r>
+              <a:rPr lang="en-US" sz="6400" dirty="0">
+                <a:ln>
+                  <a:solidFill>
+                    <a:schemeClr val="bg1">
+                      <a:lumMod val="75000"/>
+                      <a:lumOff val="25000"/>
+                      <a:alpha val="10000"/>
+                    </a:schemeClr>
+                  </a:solidFill>
+                </a:ln>
+                <a:solidFill>
+                  <a:schemeClr val="tx2"/>
+                </a:solidFill>
+                <a:effectLst>
+                  <a:outerShdw blurRad="9525" dist="25400" dir="14640000" algn="tl" rotWithShape="0">
+                    <a:schemeClr val="bg1">
+                      <a:alpha val="30000"/>
+                    </a:schemeClr>
+                  </a:outerShdw>
+                </a:effectLst>
+              </a:rPr>
               <a:t>Research Question 3: </a:t>
+            </a:r>
+          </a:p>
+          <a:p>
+            <a:pPr algn="ctr"/>
+            <a:r>
+              <a:rPr lang="en-US" sz="3700" dirty="0">
+                <a:solidFill>
+                  <a:schemeClr val="tx2"/>
+                </a:solidFill>
+              </a:rPr>
+              <a:t>Can we identify distinct groups of states based on gun law profiles?</a:t>
             </a:r>
             <a:br>
               <a:rPr lang="en-US" sz="4000" dirty="0"/>
             </a:br>
-            <a:r>
-              <a:rPr lang="en-US" sz="4000" dirty="0"/>
-              <a:t>Identifying State Clusters</a:t>
-            </a:r>
+            <a:endParaRPr lang="en-US" sz="4000" dirty="0"/>
           </a:p>
         </p:txBody>
       </p:sp>
@@ -5579,7 +8527,7 @@
 </p:sld>
 </file>
 
-<file path=ppt/slides/slide8.xml><?xml version="1.0" encoding="utf-8"?>
+<file path=ppt/slides/slide7.xml><?xml version="1.0" encoding="utf-8"?>
 <p:sld xmlns:a="http://schemas.openxmlformats.org/drawingml/2006/main" xmlns:r="http://schemas.openxmlformats.org/officeDocument/2006/relationships" xmlns:p="http://schemas.openxmlformats.org/presentationml/2006/main">
   <p:cSld>
     <p:spTree>
@@ -5625,7 +8573,7 @@
         </p:blipFill>
         <p:spPr>
           <a:xfrm>
-            <a:off x="25088" y="1422253"/>
+            <a:off x="25088" y="1584178"/>
             <a:ext cx="12141824" cy="5273822"/>
           </a:xfrm>
           <a:prstGeom prst="rect">
@@ -5680,17 +8628,38 @@
             </a:lvl1pPr>
           </a:lstStyle>
           <a:p>
-            <a:r>
-              <a:rPr lang="en-US" sz="4000" dirty="0"/>
+            <a:pPr algn="ctr"/>
+            <a:r>
+              <a:rPr lang="en-US" sz="4000" dirty="0">
+                <a:solidFill>
+                  <a:schemeClr val="tx2"/>
+                </a:solidFill>
+              </a:rPr>
               <a:t>Research Question 4a: </a:t>
             </a:r>
             <a:br>
-              <a:rPr lang="en-US" sz="4000" dirty="0"/>
+              <a:rPr lang="en-US" sz="4000" dirty="0">
+                <a:solidFill>
+                  <a:schemeClr val="tx2"/>
+                </a:solidFill>
+              </a:rPr>
             </a:br>
             <a:r>
-              <a:rPr lang="en-US" sz="4000" dirty="0"/>
+              <a:rPr lang="en-US" sz="2900" dirty="0">
+                <a:solidFill>
+                  <a:schemeClr val="tx2"/>
+                </a:solidFill>
+              </a:rPr>
               <a:t>Temporal Trends of Gun Law Strength</a:t>
             </a:r>
+          </a:p>
+          <a:p>
+            <a:pPr algn="ctr"/>
+            <a:endParaRPr lang="en-US" sz="2900" dirty="0">
+              <a:solidFill>
+                <a:schemeClr val="tx2"/>
+              </a:solidFill>
+            </a:endParaRPr>
           </a:p>
         </p:txBody>
       </p:sp>
@@ -5707,7 +8676,7 @@
 </p:sld>
 </file>
 
-<file path=ppt/slides/slide9.xml><?xml version="1.0" encoding="utf-8"?>
+<file path=ppt/slides/slide8.xml><?xml version="1.0" encoding="utf-8"?>
 <p:sld xmlns:a="http://schemas.openxmlformats.org/drawingml/2006/main" xmlns:r="http://schemas.openxmlformats.org/officeDocument/2006/relationships" xmlns:p="http://schemas.openxmlformats.org/presentationml/2006/main">
   <p:cSld>
     <p:spTree>
@@ -5777,17 +8746,38 @@
             </a:lvl1pPr>
           </a:lstStyle>
           <a:p>
-            <a:r>
-              <a:rPr lang="en-US" sz="4000" dirty="0"/>
+            <a:pPr algn="ctr"/>
+            <a:r>
+              <a:rPr lang="en-US" sz="4000" dirty="0">
+                <a:solidFill>
+                  <a:schemeClr val="tx2"/>
+                </a:solidFill>
+              </a:rPr>
               <a:t>Research Question 4b: </a:t>
             </a:r>
             <a:br>
-              <a:rPr lang="en-US" sz="4000" dirty="0"/>
+              <a:rPr lang="en-US" sz="4000" dirty="0">
+                <a:solidFill>
+                  <a:schemeClr val="tx2"/>
+                </a:solidFill>
+              </a:rPr>
             </a:br>
             <a:r>
-              <a:rPr lang="en-US" sz="4000" dirty="0"/>
-              <a:t>Temporal Trends of Gun Law Strength</a:t>
-            </a:r>
+              <a:rPr lang="en-US" sz="2900" dirty="0">
+                <a:solidFill>
+                  <a:schemeClr val="tx2"/>
+                </a:solidFill>
+              </a:rPr>
+              <a:t>Temporal Trends of Gun Death Rate (per 100k)</a:t>
+            </a:r>
+          </a:p>
+          <a:p>
+            <a:pPr algn="ctr"/>
+            <a:endParaRPr lang="en-US" sz="2900" dirty="0">
+              <a:solidFill>
+                <a:schemeClr val="tx2"/>
+              </a:solidFill>
+            </a:endParaRPr>
           </a:p>
         </p:txBody>
       </p:sp>
@@ -5841,10 +8831,143 @@
 </p:sld>
 </file>
 
+<file path=ppt/slides/slide9.xml><?xml version="1.0" encoding="utf-8"?>
+<p:sld xmlns:a="http://schemas.openxmlformats.org/drawingml/2006/main" xmlns:r="http://schemas.openxmlformats.org/officeDocument/2006/relationships" xmlns:p="http://schemas.openxmlformats.org/presentationml/2006/main">
+  <p:cSld>
+    <p:spTree>
+      <p:nvGrpSpPr>
+        <p:cNvPr id="1" name="">
+          <a:extLst>
+            <a:ext uri="{FF2B5EF4-FFF2-40B4-BE49-F238E27FC236}">
+              <a16:creationId xmlns:a16="http://schemas.microsoft.com/office/drawing/2014/main" id="{34897C29-D4F1-10A4-9D87-94E4188CC2CC}"/>
+            </a:ext>
+          </a:extLst>
+        </p:cNvPr>
+        <p:cNvGrpSpPr/>
+        <p:nvPr/>
+      </p:nvGrpSpPr>
+      <p:grpSpPr>
+        <a:xfrm>
+          <a:off x="0" y="0"/>
+          <a:ext cx="0" cy="0"/>
+          <a:chOff x="0" y="0"/>
+          <a:chExt cx="0" cy="0"/>
+        </a:xfrm>
+      </p:grpSpPr>
+      <p:sp>
+        <p:nvSpPr>
+          <p:cNvPr id="3" name="Content Placeholder 2">
+            <a:extLst>
+              <a:ext uri="{FF2B5EF4-FFF2-40B4-BE49-F238E27FC236}">
+                <a16:creationId xmlns:a16="http://schemas.microsoft.com/office/drawing/2014/main" id="{927D85CE-F8B4-3344-E795-4A159C48E02C}"/>
+              </a:ext>
+            </a:extLst>
+          </p:cNvPr>
+          <p:cNvSpPr>
+            <a:spLocks noGrp="1"/>
+          </p:cNvSpPr>
+          <p:nvPr>
+            <p:ph idx="1"/>
+          </p:nvPr>
+        </p:nvSpPr>
+        <p:spPr/>
+        <p:txBody>
+          <a:bodyPr>
+            <a:normAutofit/>
+          </a:bodyPr>
+          <a:lstStyle/>
+          <a:p>
+            <a:r>
+              <a:rPr lang="en-US" dirty="0"/>
+              <a:t>Complex stochastic process, difficult to predict with deterministic methods</a:t>
+            </a:r>
+          </a:p>
+          <a:p>
+            <a:r>
+              <a:rPr lang="en-US" dirty="0"/>
+              <a:t>There are correlations and indications of a relationship between legislation passed and rates of gun deaths</a:t>
+            </a:r>
+          </a:p>
+          <a:p>
+            <a:endParaRPr lang="en-US" dirty="0"/>
+          </a:p>
+        </p:txBody>
+      </p:sp>
+      <p:sp>
+        <p:nvSpPr>
+          <p:cNvPr id="4" name="Title 1">
+            <a:extLst>
+              <a:ext uri="{FF2B5EF4-FFF2-40B4-BE49-F238E27FC236}">
+                <a16:creationId xmlns:a16="http://schemas.microsoft.com/office/drawing/2014/main" id="{CBCCA915-A2D2-1273-0586-B236E12C9942}"/>
+              </a:ext>
+            </a:extLst>
+          </p:cNvPr>
+          <p:cNvSpPr txBox="1">
+            <a:spLocks/>
+          </p:cNvSpPr>
+          <p:nvPr/>
+        </p:nvSpPr>
+        <p:spPr>
+          <a:xfrm>
+            <a:off x="838200" y="365125"/>
+            <a:ext cx="11163300" cy="1325563"/>
+          </a:xfrm>
+          <a:prstGeom prst="rect">
+            <a:avLst/>
+          </a:prstGeom>
+        </p:spPr>
+        <p:txBody>
+          <a:bodyPr vert="horz" lIns="91440" tIns="45720" rIns="91440" bIns="45720" rtlCol="0" anchor="ctr">
+            <a:normAutofit fontScale="97500"/>
+          </a:bodyPr>
+          <a:lstStyle>
+            <a:lvl1pPr algn="l" defTabSz="914400" rtl="0" eaLnBrk="1" latinLnBrk="0" hangingPunct="1">
+              <a:lnSpc>
+                <a:spcPct val="90000"/>
+              </a:lnSpc>
+              <a:spcBef>
+                <a:spcPct val="0"/>
+              </a:spcBef>
+              <a:buNone/>
+              <a:defRPr sz="4400" kern="1200">
+                <a:solidFill>
+                  <a:schemeClr val="tx1"/>
+                </a:solidFill>
+                <a:latin typeface="+mj-lt"/>
+                <a:ea typeface="+mj-ea"/>
+                <a:cs typeface="+mj-cs"/>
+              </a:defRPr>
+            </a:lvl1pPr>
+          </a:lstStyle>
+          <a:p>
+            <a:r>
+              <a:rPr lang="en-US" sz="4000" dirty="0"/>
+              <a:t>Conclusions: </a:t>
+            </a:r>
+            <a:br>
+              <a:rPr lang="en-US" sz="4000" dirty="0"/>
+            </a:br>
+            <a:endParaRPr lang="en-US" sz="4000" dirty="0"/>
+          </a:p>
+        </p:txBody>
+      </p:sp>
+    </p:spTree>
+    <p:extLst>
+      <p:ext uri="{BB962C8B-B14F-4D97-AF65-F5344CB8AC3E}">
+        <p14:creationId xmlns:p14="http://schemas.microsoft.com/office/powerpoint/2010/main" val="2424616309"/>
+      </p:ext>
+    </p:extLst>
+  </p:cSld>
+  <p:clrMapOvr>
+    <a:masterClrMapping/>
+  </p:clrMapOvr>
+</p:sld>
+</file>
+
 <file path=ppt/theme/theme1.xml><?xml version="1.0" encoding="utf-8"?>
-<a:theme xmlns:a="http://schemas.openxmlformats.org/drawingml/2006/main" name="Office Theme">
+<a:theme xmlns:a="http://schemas.openxmlformats.org/drawingml/2006/main" name="Slate">
   <a:themeElements>
-    <a:clrScheme name="Office">
+    <a:clrScheme name="Slate">
       <a:dk1>
         <a:sysClr val="windowText" lastClr="000000"/>
       </a:dk1>
@@ -5852,97 +8975,45 @@
         <a:sysClr val="window" lastClr="FFFFFF"/>
       </a:lt1>
       <a:dk2>
-        <a:srgbClr val="44546A"/>
+        <a:srgbClr val="212123"/>
       </a:dk2>
       <a:lt2>
-        <a:srgbClr val="E7E6E6"/>
+        <a:srgbClr val="DADADA"/>
       </a:lt2>
       <a:accent1>
-        <a:srgbClr val="4472C4"/>
+        <a:srgbClr val="BC451B"/>
       </a:accent1>
       <a:accent2>
-        <a:srgbClr val="ED7D31"/>
+        <a:srgbClr val="D3BA68"/>
       </a:accent2>
       <a:accent3>
-        <a:srgbClr val="A5A5A5"/>
+        <a:srgbClr val="BB8640"/>
       </a:accent3>
       <a:accent4>
-        <a:srgbClr val="FFC000"/>
+        <a:srgbClr val="AD9277"/>
       </a:accent4>
       <a:accent5>
-        <a:srgbClr val="5B9BD5"/>
+        <a:srgbClr val="A55A43"/>
       </a:accent5>
       <a:accent6>
-        <a:srgbClr val="70AD47"/>
+        <a:srgbClr val="AD9D7B"/>
       </a:accent6>
       <a:hlink>
-        <a:srgbClr val="0563C1"/>
+        <a:srgbClr val="E98052"/>
       </a:hlink>
       <a:folHlink>
-        <a:srgbClr val="954F72"/>
+        <a:srgbClr val="F4B69B"/>
       </a:folHlink>
     </a:clrScheme>
-    <a:fontScheme name="Office">
+    <a:fontScheme name="Slate">
       <a:majorFont>
-        <a:latin typeface="Calibri Light" panose="020F0302020204030204"/>
+        <a:latin typeface="Calisto MT" panose="02040603050505030304"/>
         <a:ea typeface=""/>
         <a:cs typeface=""/>
-        <a:font script="Jpan" typeface="游ゴシック Light"/>
-        <a:font script="Hang" typeface="맑은 고딕"/>
-        <a:font script="Hans" typeface="等线 Light"/>
-        <a:font script="Hant" typeface="新細明體"/>
-        <a:font script="Arab" typeface="Times New Roman"/>
-        <a:font script="Hebr" typeface="Times New Roman"/>
-        <a:font script="Thai" typeface="Angsana New"/>
-        <a:font script="Ethi" typeface="Nyala"/>
-        <a:font script="Beng" typeface="Vrinda"/>
-        <a:font script="Gujr" typeface="Shruti"/>
-        <a:font script="Khmr" typeface="MoolBoran"/>
-        <a:font script="Knda" typeface="Tunga"/>
-        <a:font script="Guru" typeface="Raavi"/>
-        <a:font script="Cans" typeface="Euphemia"/>
-        <a:font script="Cher" typeface="Plantagenet Cherokee"/>
-        <a:font script="Yiii" typeface="Microsoft Yi Baiti"/>
-        <a:font script="Tibt" typeface="Microsoft Himalaya"/>
-        <a:font script="Thaa" typeface="MV Boli"/>
-        <a:font script="Deva" typeface="Mangal"/>
-        <a:font script="Telu" typeface="Gautami"/>
-        <a:font script="Taml" typeface="Latha"/>
-        <a:font script="Syrc" typeface="Estrangelo Edessa"/>
-        <a:font script="Orya" typeface="Kalinga"/>
-        <a:font script="Mlym" typeface="Kartika"/>
-        <a:font script="Laoo" typeface="DokChampa"/>
-        <a:font script="Sinh" typeface="Iskoola Pota"/>
-        <a:font script="Mong" typeface="Mongolian Baiti"/>
-        <a:font script="Viet" typeface="Times New Roman"/>
-        <a:font script="Uigh" typeface="Microsoft Uighur"/>
-        <a:font script="Geor" typeface="Sylfaen"/>
-        <a:font script="Armn" typeface="Arial"/>
-        <a:font script="Bugi" typeface="Leelawadee UI"/>
-        <a:font script="Bopo" typeface="Microsoft JhengHei"/>
-        <a:font script="Java" typeface="Javanese Text"/>
-        <a:font script="Lisu" typeface="Segoe UI"/>
-        <a:font script="Mymr" typeface="Myanmar Text"/>
-        <a:font script="Nkoo" typeface="Ebrima"/>
-        <a:font script="Olck" typeface="Nirmala UI"/>
-        <a:font script="Osma" typeface="Ebrima"/>
-        <a:font script="Phag" typeface="Phagspa"/>
-        <a:font script="Syrn" typeface="Estrangelo Edessa"/>
-        <a:font script="Syrj" typeface="Estrangelo Edessa"/>
-        <a:font script="Syre" typeface="Estrangelo Edessa"/>
-        <a:font script="Sora" typeface="Nirmala UI"/>
-        <a:font script="Tale" typeface="Microsoft Tai Le"/>
-        <a:font script="Talu" typeface="Microsoft New Tai Lue"/>
-        <a:font script="Tfng" typeface="Ebrima"/>
-      </a:majorFont>
-      <a:minorFont>
-        <a:latin typeface="Calibri" panose="020F0502020204030204"/>
-        <a:ea typeface=""/>
-        <a:cs typeface=""/>
-        <a:font script="Jpan" typeface="游ゴシック"/>
-        <a:font script="Hang" typeface="맑은 고딕"/>
-        <a:font script="Hans" typeface="等线"/>
-        <a:font script="Hant" typeface="新細明體"/>
+        <a:font script="Jpan" typeface="ＭＳ Ｐゴシック"/>
+        <a:font script="Hang" typeface="돋움"/>
+        <a:font script="Hans" typeface="方正舒体"/>
+        <a:font script="Hant" typeface="微軟正黑體"/>
         <a:font script="Arab" typeface="Arial"/>
         <a:font script="Hebr" typeface="Arial"/>
         <a:font script="Thai" typeface="Cordia New"/>
@@ -5969,26 +9040,44 @@
         <a:font script="Viet" typeface="Arial"/>
         <a:font script="Uigh" typeface="Microsoft Uighur"/>
         <a:font script="Geor" typeface="Sylfaen"/>
-        <a:font script="Armn" typeface="Arial"/>
-        <a:font script="Bugi" typeface="Leelawadee UI"/>
-        <a:font script="Bopo" typeface="Microsoft JhengHei"/>
-        <a:font script="Java" typeface="Javanese Text"/>
-        <a:font script="Lisu" typeface="Segoe UI"/>
-        <a:font script="Mymr" typeface="Myanmar Text"/>
-        <a:font script="Nkoo" typeface="Ebrima"/>
-        <a:font script="Olck" typeface="Nirmala UI"/>
-        <a:font script="Osma" typeface="Ebrima"/>
-        <a:font script="Phag" typeface="Phagspa"/>
-        <a:font script="Syrn" typeface="Estrangelo Edessa"/>
-        <a:font script="Syrj" typeface="Estrangelo Edessa"/>
-        <a:font script="Syre" typeface="Estrangelo Edessa"/>
-        <a:font script="Sora" typeface="Nirmala UI"/>
-        <a:font script="Tale" typeface="Microsoft Tai Le"/>
-        <a:font script="Talu" typeface="Microsoft New Tai Lue"/>
-        <a:font script="Tfng" typeface="Ebrima"/>
+      </a:majorFont>
+      <a:minorFont>
+        <a:latin typeface="Calisto MT" panose="02040603050505030304"/>
+        <a:ea typeface=""/>
+        <a:cs typeface=""/>
+        <a:font script="Jpan" typeface="ＭＳ Ｐゴシック"/>
+        <a:font script="Hang" typeface="돋움"/>
+        <a:font script="Hans" typeface="方正舒体"/>
+        <a:font script="Hant" typeface="微軟正黑體"/>
+        <a:font script="Arab" typeface="Arial"/>
+        <a:font script="Hebr" typeface="Arial"/>
+        <a:font script="Thai" typeface="Cordia New"/>
+        <a:font script="Ethi" typeface="Nyala"/>
+        <a:font script="Beng" typeface="Vrinda"/>
+        <a:font script="Gujr" typeface="Shruti"/>
+        <a:font script="Khmr" typeface="DaunPenh"/>
+        <a:font script="Knda" typeface="Tunga"/>
+        <a:font script="Guru" typeface="Raavi"/>
+        <a:font script="Cans" typeface="Euphemia"/>
+        <a:font script="Cher" typeface="Plantagenet Cherokee"/>
+        <a:font script="Yiii" typeface="Microsoft Yi Baiti"/>
+        <a:font script="Tibt" typeface="Microsoft Himalaya"/>
+        <a:font script="Thaa" typeface="MV Boli"/>
+        <a:font script="Deva" typeface="Mangal"/>
+        <a:font script="Telu" typeface="Gautami"/>
+        <a:font script="Taml" typeface="Latha"/>
+        <a:font script="Syrc" typeface="Estrangelo Edessa"/>
+        <a:font script="Orya" typeface="Kalinga"/>
+        <a:font script="Mlym" typeface="Kartika"/>
+        <a:font script="Laoo" typeface="DokChampa"/>
+        <a:font script="Sinh" typeface="Iskoola Pota"/>
+        <a:font script="Mong" typeface="Mongolian Baiti"/>
+        <a:font script="Viet" typeface="Arial"/>
+        <a:font script="Uigh" typeface="Microsoft Uighur"/>
+        <a:font script="Geor" typeface="Sylfaen"/>
       </a:minorFont>
     </a:fontScheme>
-    <a:fmtScheme name="Office">
+    <a:fmtScheme name="Slate">
       <a:fillStyleLst>
         <a:solidFill>
           <a:schemeClr val="phClr"/>
@@ -5997,23 +9086,13 @@
           <a:gsLst>
             <a:gs pos="0">
               <a:schemeClr val="phClr">
+                <a:tint val="60000"/>
                 <a:lumMod val="110000"/>
-                <a:satMod val="105000"/>
-                <a:tint val="67000"/>
-              </a:schemeClr>
-            </a:gs>
-            <a:gs pos="50000">
-              <a:schemeClr val="phClr">
-                <a:lumMod val="105000"/>
-                <a:satMod val="103000"/>
-                <a:tint val="73000"/>
               </a:schemeClr>
             </a:gs>
             <a:gs pos="100000">
               <a:schemeClr val="phClr">
-                <a:lumMod val="105000"/>
-                <a:satMod val="109000"/>
-                <a:tint val="81000"/>
+                <a:tint val="88000"/>
               </a:schemeClr>
             </a:gs>
           </a:gsLst>
@@ -6023,23 +9102,14 @@
           <a:gsLst>
             <a:gs pos="0">
               <a:schemeClr val="phClr">
-                <a:satMod val="103000"/>
-                <a:lumMod val="102000"/>
-                <a:tint val="94000"/>
-              </a:schemeClr>
-            </a:gs>
-            <a:gs pos="50000">
-              <a:schemeClr val="phClr">
-                <a:satMod val="110000"/>
-                <a:lumMod val="100000"/>
-                <a:shade val="100000"/>
+                <a:tint val="96000"/>
+                <a:lumMod val="104000"/>
               </a:schemeClr>
             </a:gs>
             <a:gs pos="100000">
               <a:schemeClr val="phClr">
-                <a:lumMod val="99000"/>
-                <a:satMod val="120000"/>
-                <a:shade val="78000"/>
+                <a:shade val="90000"/>
+                <a:lumMod val="90000"/>
               </a:schemeClr>
             </a:gs>
           </a:gsLst>
@@ -6047,26 +9117,25 @@
         </a:gradFill>
       </a:fillStyleLst>
       <a:lnStyleLst>
-        <a:ln w="6350" cap="flat" cmpd="sng" algn="ctr">
+        <a:ln w="9525" cap="rnd" cmpd="sng" algn="ctr">
+          <a:solidFill>
+            <a:schemeClr val="phClr">
+              <a:shade val="90000"/>
+            </a:schemeClr>
+          </a:solidFill>
+          <a:prstDash val="solid"/>
+        </a:ln>
+        <a:ln w="15875" cap="rnd" cmpd="sng" algn="ctr">
           <a:solidFill>
             <a:schemeClr val="phClr"/>
           </a:solidFill>
           <a:prstDash val="solid"/>
-          <a:miter lim="800000"/>
         </a:ln>
-        <a:ln w="12700" cap="flat" cmpd="sng" algn="ctr">
+        <a:ln w="25400" cap="rnd" cmpd="sng" algn="ctr">
           <a:solidFill>
             <a:schemeClr val="phClr"/>
           </a:solidFill>
           <a:prstDash val="solid"/>
-          <a:miter lim="800000"/>
-        </a:ln>
-        <a:ln w="19050" cap="flat" cmpd="sng" algn="ctr">
-          <a:solidFill>
-            <a:schemeClr val="phClr"/>
-          </a:solidFill>
-          <a:prstDash val="solid"/>
-          <a:miter lim="800000"/>
         </a:ln>
       </a:lnStyleLst>
       <a:effectStyleLst>
@@ -6074,16 +9143,33 @@
           <a:effectLst/>
         </a:effectStyle>
         <a:effectStyle>
-          <a:effectLst/>
+          <a:effectLst>
+            <a:outerShdw blurRad="63500" dist="25400" dir="5400000" rotWithShape="0">
+              <a:srgbClr val="000000">
+                <a:alpha val="60000"/>
+              </a:srgbClr>
+            </a:outerShdw>
+          </a:effectLst>
         </a:effectStyle>
         <a:effectStyle>
           <a:effectLst>
-            <a:outerShdw blurRad="57150" dist="19050" dir="5400000" algn="ctr" rotWithShape="0">
+            <a:outerShdw blurRad="76200" dist="38100" dir="5400000" rotWithShape="0">
               <a:srgbClr val="000000">
-                <a:alpha val="63000"/>
+                <a:alpha val="75000"/>
               </a:srgbClr>
             </a:outerShdw>
           </a:effectLst>
+          <a:scene3d>
+            <a:camera prst="orthographicFront">
+              <a:rot lat="0" lon="0" rev="0"/>
+            </a:camera>
+            <a:lightRig rig="threePt" dir="t">
+              <a:rot lat="0" lon="0" rev="1200000"/>
+            </a:lightRig>
+          </a:scene3d>
+          <a:sp3d>
+            <a:bevelT w="63500" h="25400" prst="hardEdge"/>
+          </a:sp3d>
         </a:effectStyle>
       </a:effectStyleLst>
       <a:bgFillStyleLst>
@@ -6091,38 +9177,22 @@
           <a:schemeClr val="phClr"/>
         </a:solidFill>
         <a:solidFill>
-          <a:schemeClr val="phClr">
-            <a:tint val="95000"/>
-            <a:satMod val="170000"/>
-          </a:schemeClr>
+          <a:schemeClr val="phClr"/>
         </a:solidFill>
-        <a:gradFill rotWithShape="1">
-          <a:gsLst>
-            <a:gs pos="0">
+        <a:blipFill rotWithShape="1">
+          <a:blip xmlns:r="http://schemas.openxmlformats.org/officeDocument/2006/relationships" r:embed="rId1">
+            <a:duotone>
               <a:schemeClr val="phClr">
-                <a:tint val="93000"/>
-                <a:satMod val="150000"/>
-                <a:shade val="98000"/>
-                <a:lumMod val="102000"/>
+                <a:shade val="80000"/>
+                <a:lumMod val="80000"/>
               </a:schemeClr>
-            </a:gs>
-            <a:gs pos="50000">
               <a:schemeClr val="phClr">
                 <a:tint val="98000"/>
-                <a:satMod val="130000"/>
-                <a:shade val="90000"/>
-                <a:lumMod val="103000"/>
               </a:schemeClr>
-            </a:gs>
-            <a:gs pos="100000">
-              <a:schemeClr val="phClr">
-                <a:shade val="63000"/>
-                <a:satMod val="120000"/>
-              </a:schemeClr>
-            </a:gs>
-          </a:gsLst>
-          <a:lin ang="5400000" scaled="0"/>
-        </a:gradFill>
+            </a:duotone>
+          </a:blip>
+          <a:stretch/>
+        </a:blipFill>
       </a:bgFillStyleLst>
     </a:fmtScheme>
   </a:themeElements>
@@ -6130,7 +9200,7 @@
   <a:extraClrSchemeLst/>
   <a:extLst>
     <a:ext uri="{05A4C25C-085E-4340-85A3-A5531E510DB2}">
-      <thm15:themeFamily xmlns:thm15="http://schemas.microsoft.com/office/thememl/2012/main" name="Office Theme" id="{62F939B6-93AF-4DB8-9C6B-D6C7DFDC589F}" vid="{4A3C46E8-61CC-4603-A589-7422A47A8E4A}"/>
+      <thm15:themeFamily xmlns:thm15="http://schemas.microsoft.com/office/thememl/2012/main" name="Slate" id="{C3F70B94-7CE9-428E-ADC1-3269CC2C3385}" vid="{3F2DE9A5-64E6-437C-A389-CC4477E817E8}"/>
     </a:ext>
   </a:extLst>
 </a:theme>
